--- a/presentation.pptx
+++ b/presentation.pptx
@@ -33,19 +33,15 @@
     <p:sldId id="287" r:id="rId27"/>
     <p:sldId id="288" r:id="rId28"/>
     <p:sldId id="289" r:id="rId29"/>
-    <p:sldId id="290" r:id="rId30"/>
-    <p:sldId id="291" r:id="rId31"/>
-    <p:sldId id="292" r:id="rId32"/>
-    <p:sldId id="293" r:id="rId33"/>
-    <p:sldId id="294" r:id="rId34"/>
-    <p:sldId id="295" r:id="rId35"/>
-    <p:sldId id="296" r:id="rId36"/>
-    <p:sldId id="297" r:id="rId37"/>
-    <p:sldId id="298" r:id="rId38"/>
-    <p:sldId id="299" r:id="rId39"/>
-    <p:sldId id="300" r:id="rId40"/>
-    <p:sldId id="301" r:id="rId41"/>
-    <p:sldId id="302" r:id="rId42"/>
+    <p:sldId id="291" r:id="rId30"/>
+    <p:sldId id="293" r:id="rId31"/>
+    <p:sldId id="294" r:id="rId32"/>
+    <p:sldId id="303" r:id="rId33"/>
+    <p:sldId id="295" r:id="rId34"/>
+    <p:sldId id="297" r:id="rId35"/>
+    <p:sldId id="299" r:id="rId36"/>
+    <p:sldId id="301" r:id="rId37"/>
+    <p:sldId id="302" r:id="rId38"/>
   </p:sldIdLst>
   <p:sldSz cx="9144000" cy="5143500" type="screen16x9"/>
   <p:notesSz cx="6858000" cy="9144000"/>
@@ -342,7 +338,7 @@
           <a:p>
             <a:fld id="{241EB5C9-1307-BA42-ABA2-0BC069CD8E7F}" type="datetimeFigureOut">
               <a:rPr lang="en-US" smtClean="0"/>
-              <a:t>11/23/2025</a:t>
+              <a:t>11/25/2025</a:t>
             </a:fld>
             <a:endParaRPr lang="en-US"/>
           </a:p>
@@ -510,7 +506,7 @@
           <a:p>
             <a:fld id="{241EB5C9-1307-BA42-ABA2-0BC069CD8E7F}" type="datetimeFigureOut">
               <a:rPr lang="en-US" smtClean="0"/>
-              <a:t>11/23/2025</a:t>
+              <a:t>11/25/2025</a:t>
             </a:fld>
             <a:endParaRPr lang="en-US"/>
           </a:p>
@@ -688,7 +684,7 @@
           <a:p>
             <a:fld id="{241EB5C9-1307-BA42-ABA2-0BC069CD8E7F}" type="datetimeFigureOut">
               <a:rPr lang="en-US" smtClean="0"/>
-              <a:t>11/23/2025</a:t>
+              <a:t>11/25/2025</a:t>
             </a:fld>
             <a:endParaRPr lang="en-US"/>
           </a:p>
@@ -856,7 +852,7 @@
           <a:p>
             <a:fld id="{241EB5C9-1307-BA42-ABA2-0BC069CD8E7F}" type="datetimeFigureOut">
               <a:rPr lang="en-US" smtClean="0"/>
-              <a:t>11/23/2025</a:t>
+              <a:t>11/25/2025</a:t>
             </a:fld>
             <a:endParaRPr lang="en-US"/>
           </a:p>
@@ -1101,7 +1097,7 @@
           <a:p>
             <a:fld id="{241EB5C9-1307-BA42-ABA2-0BC069CD8E7F}" type="datetimeFigureOut">
               <a:rPr lang="en-US" smtClean="0"/>
-              <a:t>11/23/2025</a:t>
+              <a:t>11/25/2025</a:t>
             </a:fld>
             <a:endParaRPr lang="en-US"/>
           </a:p>
@@ -1386,7 +1382,7 @@
           <a:p>
             <a:fld id="{241EB5C9-1307-BA42-ABA2-0BC069CD8E7F}" type="datetimeFigureOut">
               <a:rPr lang="en-US" smtClean="0"/>
-              <a:t>11/23/2025</a:t>
+              <a:t>11/25/2025</a:t>
             </a:fld>
             <a:endParaRPr lang="en-US"/>
           </a:p>
@@ -1805,7 +1801,7 @@
           <a:p>
             <a:fld id="{241EB5C9-1307-BA42-ABA2-0BC069CD8E7F}" type="datetimeFigureOut">
               <a:rPr lang="en-US" smtClean="0"/>
-              <a:t>11/23/2025</a:t>
+              <a:t>11/25/2025</a:t>
             </a:fld>
             <a:endParaRPr lang="en-US"/>
           </a:p>
@@ -1922,7 +1918,7 @@
           <a:p>
             <a:fld id="{241EB5C9-1307-BA42-ABA2-0BC069CD8E7F}" type="datetimeFigureOut">
               <a:rPr lang="en-US" smtClean="0"/>
-              <a:t>11/23/2025</a:t>
+              <a:t>11/25/2025</a:t>
             </a:fld>
             <a:endParaRPr lang="en-US"/>
           </a:p>
@@ -2017,7 +2013,7 @@
           <a:p>
             <a:fld id="{241EB5C9-1307-BA42-ABA2-0BC069CD8E7F}" type="datetimeFigureOut">
               <a:rPr lang="en-US" smtClean="0"/>
-              <a:t>11/23/2025</a:t>
+              <a:t>11/25/2025</a:t>
             </a:fld>
             <a:endParaRPr lang="en-US"/>
           </a:p>
@@ -2292,7 +2288,7 @@
           <a:p>
             <a:fld id="{241EB5C9-1307-BA42-ABA2-0BC069CD8E7F}" type="datetimeFigureOut">
               <a:rPr lang="en-US" smtClean="0"/>
-              <a:t>11/23/2025</a:t>
+              <a:t>11/25/2025</a:t>
             </a:fld>
             <a:endParaRPr lang="en-US"/>
           </a:p>
@@ -2544,7 +2540,7 @@
           <a:p>
             <a:fld id="{241EB5C9-1307-BA42-ABA2-0BC069CD8E7F}" type="datetimeFigureOut">
               <a:rPr lang="en-US" smtClean="0"/>
-              <a:t>11/23/2025</a:t>
+              <a:t>11/25/2025</a:t>
             </a:fld>
             <a:endParaRPr lang="en-US"/>
           </a:p>
@@ -2755,7 +2751,7 @@
           <a:p>
             <a:fld id="{241EB5C9-1307-BA42-ABA2-0BC069CD8E7F}" type="datetimeFigureOut">
               <a:rPr lang="en-US" smtClean="0"/>
-              <a:t>11/23/2025</a:t>
+              <a:t>11/25/2025</a:t>
             </a:fld>
             <a:endParaRPr lang="en-US"/>
           </a:p>
@@ -3177,7 +3173,7 @@
         </p:spPr>
         <p:txBody>
           <a:bodyPr>
-            <a:normAutofit fontScale="92500"/>
+            <a:normAutofit fontScale="92500" lnSpcReduction="10000"/>
           </a:bodyPr>
           <a:lstStyle/>
           <a:p>
@@ -3185,13 +3181,35 @@
               <a:buNone/>
             </a:pPr>
             <a:r>
+              <a:rPr dirty="0"/>
               <a:t>Progress Report Presentation</a:t>
             </a:r>
-            <a:br/>
-            <a:br/>
-            <a:r>
-              <a:t>Group 7: Jhanvi Damwani, Saketh Kanchi, Ajith Shetty</a:t>
-            </a:r>
+            <a:br>
+              <a:rPr dirty="0"/>
+            </a:br>
+            <a:br>
+              <a:rPr dirty="0"/>
+            </a:br>
+            <a:r>
+              <a:rPr dirty="0"/>
+              <a:t>Group 7: Jhanvi </a:t>
+            </a:r>
+            <a:r>
+              <a:rPr dirty="0" err="1"/>
+              <a:t>Damwani</a:t>
+            </a:r>
+            <a:r>
+              <a:rPr dirty="0"/>
+              <a:t>, Saketh Kanchi, Ajith </a:t>
+            </a:r>
+            <a:r>
+              <a:rPr lang="en-US"/>
+              <a:t>Gangis</a:t>
+            </a:r>
+            <a:r>
+              <a:t>hetty</a:t>
+            </a:r>
+            <a:endParaRPr dirty="0"/>
           </a:p>
         </p:txBody>
       </p:sp>
@@ -5549,7 +5567,9 @@
         </p:nvSpPr>
         <p:spPr/>
         <p:txBody>
-          <a:bodyPr/>
+          <a:bodyPr>
+            <a:normAutofit/>
+          </a:bodyPr>
           <a:lstStyle/>
           <a:p>
             <a:pPr marL="0" lvl="0" indent="0">
@@ -5559,7 +5579,7 @@
               <a:buNone/>
             </a:pPr>
             <a:r>
-              <a:rPr b="1"/>
+              <a:rPr sz="2000" b="1" dirty="0"/>
               <a:t>Progress Report</a:t>
             </a:r>
           </a:p>
@@ -5568,26 +5588,41 @@
               <a:buNone/>
             </a:pPr>
             <a:r>
-              <a:rPr b="1"/>
+              <a:rPr sz="2000" b="1" dirty="0"/>
               <a:t>Group 7:</a:t>
             </a:r>
             <a:r>
-              <a:t> Jhanvi Damwani, Saketh Kanchi, Ajith Shetty</a:t>
-            </a:r>
-            <a:br/>
-            <a:r>
-              <a:rPr b="1"/>
+              <a:rPr sz="2000" dirty="0"/>
+              <a:t> Jhanvi </a:t>
+            </a:r>
+            <a:r>
+              <a:rPr sz="2000" dirty="0" err="1"/>
+              <a:t>Damwani</a:t>
+            </a:r>
+            <a:r>
+              <a:rPr sz="2000" dirty="0"/>
+              <a:t>, Saketh Kanchi, Ajith Shetty</a:t>
+            </a:r>
+            <a:br>
+              <a:rPr sz="2000" dirty="0"/>
+            </a:br>
+            <a:r>
+              <a:rPr sz="2000" b="1" dirty="0"/>
               <a:t>Course:</a:t>
             </a:r>
             <a:r>
+              <a:rPr sz="2000" dirty="0"/>
               <a:t> FA-582, Fall 2025</a:t>
             </a:r>
-            <a:br/>
-            <a:r>
-              <a:rPr b="1"/>
+            <a:br>
+              <a:rPr sz="2000" dirty="0"/>
+            </a:br>
+            <a:r>
+              <a:rPr sz="2000" b="1" dirty="0"/>
               <a:t>Date:</a:t>
             </a:r>
             <a:r>
+              <a:rPr sz="2000" dirty="0"/>
               <a:t> November 2025</a:t>
             </a:r>
           </a:p>
@@ -6574,10 +6609,15 @@
             <p:ph idx="1"/>
           </p:nvPr>
         </p:nvSpPr>
-        <p:spPr/>
+        <p:spPr>
+          <a:xfrm>
+            <a:off x="457200" y="1200151"/>
+            <a:ext cx="8229600" cy="3686174"/>
+          </a:xfrm>
+        </p:spPr>
         <p:txBody>
           <a:bodyPr>
-            <a:normAutofit/>
+            <a:normAutofit lnSpcReduction="10000"/>
           </a:bodyPr>
           <a:lstStyle/>
           <a:p>
@@ -6631,6 +6671,57 @@
               <a:rPr sz="2000" dirty="0"/>
               <a:t>Static correlations are misleading</a:t>
             </a:r>
+            <a:endParaRPr lang="en-US" sz="2000" dirty="0"/>
+          </a:p>
+          <a:p>
+            <a:pPr marL="0" lvl="0" indent="0">
+              <a:buNone/>
+            </a:pPr>
+            <a:endParaRPr lang="en-US" sz="2000" dirty="0"/>
+          </a:p>
+          <a:p>
+            <a:pPr marL="0" lvl="0" indent="0">
+              <a:buNone/>
+            </a:pPr>
+            <a:r>
+              <a:rPr lang="en-US" sz="2000" b="1" dirty="0"/>
+              <a:t>Finding 2: Crypto-Commodity Relationships</a:t>
+            </a:r>
+          </a:p>
+          <a:p>
+            <a:pPr lvl="0"/>
+            <a:r>
+              <a:rPr lang="en-US" sz="2000" dirty="0"/>
+              <a:t>On average, correlations are </a:t>
+            </a:r>
+            <a:r>
+              <a:rPr lang="en-US" sz="2000" b="1" dirty="0"/>
+              <a:t>low</a:t>
+            </a:r>
+            <a:r>
+              <a:rPr lang="en-US" sz="2000" dirty="0"/>
+              <a:t> (diversification benefits)</a:t>
+            </a:r>
+          </a:p>
+          <a:p>
+            <a:pPr lvl="0"/>
+            <a:r>
+              <a:rPr lang="en-US" sz="2000" b="1" dirty="0"/>
+              <a:t>However, correlations increase during market stress</a:t>
+            </a:r>
+          </a:p>
+          <a:p>
+            <a:pPr lvl="0"/>
+            <a:r>
+              <a:rPr lang="en-US" sz="2000" dirty="0"/>
+              <a:t>Key insight for regime identification</a:t>
+            </a:r>
+          </a:p>
+          <a:p>
+            <a:pPr marL="0" lvl="0" indent="0">
+              <a:buNone/>
+            </a:pPr>
+            <a:endParaRPr sz="2000" b="1" dirty="0"/>
           </a:p>
         </p:txBody>
       </p:sp>
@@ -6678,7 +6769,8 @@
               <a:buNone/>
             </a:pPr>
             <a:r>
-              <a:t>Finding 2: Crypto-Commodity Relationships</a:t>
+              <a:rPr dirty="0"/>
+              <a:t>Key Findings (continued)</a:t>
             </a:r>
           </a:p>
         </p:txBody>
@@ -6700,32 +6792,82 @@
           </a:bodyPr>
           <a:lstStyle/>
           <a:p>
+            <a:pPr marL="0" lvl="0" indent="0">
+              <a:spcBef>
+                <a:spcPts val="3000"/>
+              </a:spcBef>
+              <a:buNone/>
+            </a:pPr>
+            <a:r>
+              <a:rPr sz="2000" b="1" dirty="0"/>
+              <a:t>Finding 3: Volatility Differences</a:t>
+            </a:r>
+          </a:p>
+          <a:p>
             <a:pPr lvl="0"/>
             <a:r>
               <a:rPr sz="2000" dirty="0"/>
-              <a:t>On average, correlations are </a:t>
-            </a:r>
-            <a:r>
-              <a:rPr sz="2000" b="1" dirty="0"/>
-              <a:t>low</a:t>
+              <a:t>Cryptocurrencies are </a:t>
+            </a:r>
+            <a:r>
+              <a:rPr sz="2000" b="1" dirty="0"/>
+              <a:t>3-4x more volatile</a:t>
             </a:r>
             <a:r>
               <a:rPr sz="2000" dirty="0"/>
-              <a:t> (diversification benefits)</a:t>
+              <a:t> than commodities</a:t>
             </a:r>
           </a:p>
           <a:p>
             <a:pPr lvl="0"/>
             <a:r>
-              <a:rPr sz="2000" b="1" dirty="0"/>
-              <a:t>However, correlations increase during market stress</a:t>
+              <a:rPr sz="2000" dirty="0"/>
+              <a:t>Bitcoin: 3.45% vs. Gold: 0.85%</a:t>
             </a:r>
           </a:p>
           <a:p>
             <a:pPr lvl="0"/>
             <a:r>
               <a:rPr sz="2000" dirty="0"/>
-              <a:t>Key insight for regime identification</a:t>
+              <a:t>Higher risk-return profiles for digital assets</a:t>
+            </a:r>
+            <a:endParaRPr lang="en-US" sz="2000" dirty="0"/>
+          </a:p>
+          <a:p>
+            <a:pPr marL="0" lvl="0" indent="0">
+              <a:buNone/>
+            </a:pPr>
+            <a:endParaRPr lang="en-US" sz="2000" dirty="0"/>
+          </a:p>
+          <a:p>
+            <a:pPr marL="0" lvl="0" indent="0">
+              <a:buNone/>
+            </a:pPr>
+            <a:r>
+              <a:rPr lang="en-US" sz="2000" b="1" dirty="0"/>
+              <a:t>Finding 4: Stationarity</a:t>
+            </a:r>
+          </a:p>
+          <a:p>
+            <a:pPr lvl="0"/>
+            <a:r>
+              <a:rPr lang="en-US" sz="2000" dirty="0"/>
+              <a:t>All return series are </a:t>
+            </a:r>
+            <a:r>
+              <a:rPr lang="en-US" sz="2000" b="1" dirty="0"/>
+              <a:t>stationary</a:t>
+            </a:r>
+            <a:r>
+              <a:rPr lang="en-US" sz="2000" dirty="0"/>
+              <a:t> (ADF tests confirmed)</a:t>
+            </a:r>
+          </a:p>
+          <a:p>
+            <a:pPr lvl="0"/>
+            <a:r>
+              <a:rPr lang="en-US" sz="2000" dirty="0"/>
+              <a:t>Validates correlation analysis methodology</a:t>
             </a:r>
           </a:p>
         </p:txBody>
@@ -6791,7 +6933,9 @@
         </p:nvSpPr>
         <p:spPr/>
         <p:txBody>
-          <a:bodyPr/>
+          <a:bodyPr>
+            <a:normAutofit/>
+          </a:bodyPr>
           <a:lstStyle/>
           <a:p>
             <a:pPr marL="0" lvl="0" indent="0">
@@ -6801,44 +6945,46 @@
               <a:buNone/>
             </a:pPr>
             <a:r>
-              <a:rPr b="1"/>
+              <a:rPr sz="2000" b="1" dirty="0"/>
               <a:t>Why This Research Matters</a:t>
             </a:r>
           </a:p>
           <a:p>
             <a:pPr lvl="0"/>
             <a:r>
+              <a:rPr sz="2000" dirty="0"/>
               <a:t>Cryptocurrencies: niche instruments → </a:t>
             </a:r>
             <a:r>
-              <a:rPr b="1"/>
+              <a:rPr sz="2000" b="1" dirty="0"/>
               <a:t>macro-relevant financial assets</a:t>
             </a:r>
           </a:p>
           <a:p>
             <a:pPr lvl="0"/>
             <a:r>
+              <a:rPr sz="2000" dirty="0"/>
               <a:t>Understanding crypto-commodity relationships is crucial for:</a:t>
             </a:r>
           </a:p>
           <a:p>
             <a:pPr lvl="1"/>
             <a:r>
-              <a:rPr b="1"/>
+              <a:rPr sz="2000" b="1" dirty="0"/>
               <a:t>Portfolio diversification strategies</a:t>
             </a:r>
           </a:p>
           <a:p>
             <a:pPr lvl="1"/>
             <a:r>
-              <a:rPr b="1"/>
+              <a:rPr sz="2000" b="1" dirty="0"/>
               <a:t>Risk management decisions</a:t>
             </a:r>
           </a:p>
           <a:p>
             <a:pPr lvl="1"/>
             <a:r>
-              <a:rPr b="1"/>
+              <a:rPr sz="2000" b="1" dirty="0"/>
               <a:t>Market regime identification</a:t>
             </a:r>
           </a:p>
@@ -6881,73 +7027,64 @@
         </p:nvSpPr>
         <p:spPr/>
         <p:txBody>
-          <a:bodyPr/>
-          <a:lstStyle/>
-          <a:p>
-            <a:pPr marL="0" lvl="0" indent="0">
-              <a:buNone/>
-            </a:pPr>
-            <a:r>
-              <a:t>Key Findings (continued)</a:t>
-            </a:r>
-          </a:p>
-        </p:txBody>
-      </p:sp>
-      <p:sp>
-        <p:nvSpPr>
-          <p:cNvPr id="3" name="Content Placeholder 2"/>
-          <p:cNvSpPr>
-            <a:spLocks noGrp="1"/>
-          </p:cNvSpPr>
-          <p:nvPr>
-            <p:ph idx="1"/>
-          </p:nvPr>
-        </p:nvSpPr>
-        <p:spPr/>
-        <p:txBody>
           <a:bodyPr>
             <a:normAutofit/>
           </a:bodyPr>
           <a:lstStyle/>
           <a:p>
+            <a:pPr lvl="0"/>
+            <a:r>
+              <a:rPr lang="en-US" dirty="0"/>
+              <a:t>Key Findings (continued)</a:t>
+            </a:r>
+            <a:endParaRPr dirty="0"/>
+          </a:p>
+        </p:txBody>
+      </p:sp>
+      <p:sp>
+        <p:nvSpPr>
+          <p:cNvPr id="3" name="Content Placeholder 2"/>
+          <p:cNvSpPr>
+            <a:spLocks noGrp="1"/>
+          </p:cNvSpPr>
+          <p:nvPr>
+            <p:ph idx="1"/>
+          </p:nvPr>
+        </p:nvSpPr>
+        <p:spPr/>
+        <p:txBody>
+          <a:bodyPr>
+            <a:normAutofit/>
+          </a:bodyPr>
+          <a:lstStyle/>
+          <a:p>
             <a:pPr marL="0" lvl="0" indent="0">
-              <a:spcBef>
-                <a:spcPts val="3000"/>
-              </a:spcBef>
-              <a:buNone/>
-            </a:pPr>
-            <a:r>
-              <a:rPr sz="2000" b="1" dirty="0"/>
-              <a:t>Finding 3: Volatility Differences</a:t>
+              <a:buNone/>
+            </a:pPr>
+            <a:r>
+              <a:rPr lang="en-US" sz="2000" b="1" dirty="0"/>
+              <a:t>Finding 5: Regime Patterns</a:t>
             </a:r>
           </a:p>
           <a:p>
             <a:pPr lvl="0"/>
             <a:r>
               <a:rPr sz="2000" dirty="0"/>
-              <a:t>Cryptocurrencies are </a:t>
-            </a:r>
-            <a:r>
-              <a:rPr sz="2000" b="1" dirty="0"/>
-              <a:t>3-4x more volatile</a:t>
-            </a:r>
+              <a:t>Distinct periods of high and low correlation</a:t>
+            </a:r>
+          </a:p>
+          <a:p>
+            <a:pPr lvl="0"/>
             <a:r>
               <a:rPr sz="2000" dirty="0"/>
-              <a:t> than commodities</a:t>
+              <a:t>Correspond to different market regimes</a:t>
             </a:r>
           </a:p>
           <a:p>
             <a:pPr lvl="0"/>
             <a:r>
               <a:rPr sz="2000" dirty="0"/>
-              <a:t>Bitcoin: 3.45% vs. Gold: 0.85%</a:t>
-            </a:r>
-          </a:p>
-          <a:p>
-            <a:pPr lvl="0"/>
-            <a:r>
-              <a:rPr sz="2000" dirty="0"/>
-              <a:t>Higher risk-return profiles for digital assets</a:t>
+              <a:t>Preliminary evidence: correlations can signal regime changes</a:t>
             </a:r>
           </a:p>
         </p:txBody>
@@ -6996,7 +7133,8 @@
               <a:buNone/>
             </a:pPr>
             <a:r>
-              <a:t>Finding 4: Stationarity</a:t>
+              <a:rPr dirty="0"/>
+              <a:t>Issues Encountered</a:t>
             </a:r>
           </a:p>
         </p:txBody>
@@ -7011,32 +7149,108 @@
             <p:ph idx="1"/>
           </p:nvPr>
         </p:nvSpPr>
-        <p:spPr/>
+        <p:spPr>
+          <a:xfrm>
+            <a:off x="457200" y="1200151"/>
+            <a:ext cx="8229600" cy="3737370"/>
+          </a:xfrm>
+        </p:spPr>
         <p:txBody>
           <a:bodyPr>
-            <a:normAutofit/>
+            <a:noAutofit/>
           </a:bodyPr>
           <a:lstStyle/>
           <a:p>
-            <a:pPr lvl="0"/>
+            <a:pPr marL="0" lvl="0" indent="0">
+              <a:spcBef>
+                <a:spcPts val="3000"/>
+              </a:spcBef>
+              <a:buNone/>
+            </a:pPr>
+            <a:r>
+              <a:rPr sz="2000" b="1" dirty="0"/>
+              <a:t>Technical Challenges</a:t>
+            </a:r>
+          </a:p>
+          <a:p>
+            <a:pPr marL="342900" lvl="0" indent="-342900">
+              <a:buAutoNum type="arabicPeriod"/>
+            </a:pPr>
+            <a:r>
+              <a:rPr sz="2000" b="1" dirty="0"/>
+              <a:t>Trading Calendar Alignment</a:t>
+            </a:r>
+          </a:p>
+          <a:p>
+            <a:pPr lvl="1"/>
             <a:r>
               <a:rPr sz="2000" dirty="0"/>
-              <a:t>All return series are </a:t>
-            </a:r>
-            <a:r>
-              <a:rPr sz="2000" b="1" dirty="0"/>
-              <a:t>stationary</a:t>
+              <a:t>Crypto trades 24/7, commodities trade weekdays only</a:t>
+            </a:r>
+          </a:p>
+          <a:p>
+            <a:pPr lvl="1"/>
+            <a:r>
+              <a:rPr sz="2000" b="1" dirty="0"/>
+              <a:t>Solution:</a:t>
             </a:r>
             <a:r>
               <a:rPr sz="2000" dirty="0"/>
-              <a:t> (ADF tests confirmed)</a:t>
-            </a:r>
-          </a:p>
-          <a:p>
-            <a:pPr lvl="0"/>
+              <a:t> Forward-fill weekend values</a:t>
+            </a:r>
+          </a:p>
+          <a:p>
+            <a:pPr marL="342900" lvl="0" indent="-342900">
+              <a:buAutoNum type="arabicPeriod"/>
+            </a:pPr>
+            <a:r>
+              <a:rPr sz="2000" b="1" dirty="0"/>
+              <a:t>Data Availability</a:t>
+            </a:r>
+          </a:p>
+          <a:p>
+            <a:pPr lvl="1"/>
             <a:r>
               <a:rPr sz="2000" dirty="0"/>
-              <a:t>Validates correlation analysis methodology</a:t>
+              <a:t>Missing data due to holidays or feed issues</a:t>
+            </a:r>
+          </a:p>
+          <a:p>
+            <a:pPr lvl="1"/>
+            <a:r>
+              <a:rPr sz="2000" b="1" dirty="0"/>
+              <a:t>Solution:</a:t>
+            </a:r>
+            <a:r>
+              <a:rPr sz="2000" dirty="0"/>
+              <a:t> Forward-fill methods</a:t>
+            </a:r>
+          </a:p>
+          <a:p>
+            <a:pPr marL="342900" lvl="0" indent="-342900">
+              <a:buAutoNum type="arabicPeriod"/>
+            </a:pPr>
+            <a:r>
+              <a:rPr sz="2000" b="1" dirty="0"/>
+              <a:t>API Rate Limiting</a:t>
+            </a:r>
+          </a:p>
+          <a:p>
+            <a:pPr lvl="1"/>
+            <a:r>
+              <a:rPr sz="2000" dirty="0"/>
+              <a:t>Yahoo Finance API rate limits</a:t>
+            </a:r>
+          </a:p>
+          <a:p>
+            <a:pPr lvl="1"/>
+            <a:r>
+              <a:rPr sz="2000" b="1" dirty="0"/>
+              <a:t>Solution:</a:t>
+            </a:r>
+            <a:r>
+              <a:rPr sz="2000" dirty="0"/>
+              <a:t> Retry logic with delays</a:t>
             </a:r>
           </a:p>
         </p:txBody>
@@ -7068,7 +7282,13 @@
       </p:grpSpPr>
       <p:sp>
         <p:nvSpPr>
-          <p:cNvPr id="2" name="Title 1"/>
+          <p:cNvPr id="2" name="Title 1">
+            <a:extLst>
+              <a:ext uri="{FF2B5EF4-FFF2-40B4-BE49-F238E27FC236}">
+                <a16:creationId xmlns:a16="http://schemas.microsoft.com/office/drawing/2014/main" id="{9E693662-9F0B-5AA6-34D1-1EE8C4D84C75}"/>
+              </a:ext>
+            </a:extLst>
+          </p:cNvPr>
           <p:cNvSpPr>
             <a:spLocks noGrp="1"/>
           </p:cNvSpPr>
@@ -7081,18 +7301,22 @@
           <a:bodyPr/>
           <a:lstStyle/>
           <a:p>
-            <a:pPr marL="0" lvl="0" indent="0">
-              <a:buNone/>
-            </a:pPr>
-            <a:r>
-              <a:t>Finding 5: Regime Patterns</a:t>
-            </a:r>
-          </a:p>
-        </p:txBody>
-      </p:sp>
-      <p:sp>
-        <p:nvSpPr>
-          <p:cNvPr id="3" name="Content Placeholder 2"/>
+            <a:r>
+              <a:rPr lang="en-US" dirty="0"/>
+              <a:t>Issues Encountered</a:t>
+            </a:r>
+          </a:p>
+        </p:txBody>
+      </p:sp>
+      <p:sp>
+        <p:nvSpPr>
+          <p:cNvPr id="3" name="Content Placeholder 2">
+            <a:extLst>
+              <a:ext uri="{FF2B5EF4-FFF2-40B4-BE49-F238E27FC236}">
+                <a16:creationId xmlns:a16="http://schemas.microsoft.com/office/drawing/2014/main" id="{450E8A41-A955-8A9D-71C4-64A826E47A34}"/>
+              </a:ext>
+            </a:extLst>
+          </p:cNvPr>
           <p:cNvSpPr>
             <a:spLocks noGrp="1"/>
           </p:cNvSpPr>
@@ -7107,29 +7331,70 @@
           </a:bodyPr>
           <a:lstStyle/>
           <a:p>
-            <a:pPr lvl="0"/>
-            <a:r>
-              <a:rPr sz="2000" dirty="0"/>
-              <a:t>Distinct periods of high and low correlation</a:t>
-            </a:r>
-          </a:p>
-          <a:p>
-            <a:pPr lvl="0"/>
-            <a:r>
-              <a:rPr sz="2000" dirty="0"/>
-              <a:t>Correspond to different market regimes</a:t>
-            </a:r>
-          </a:p>
-          <a:p>
-            <a:pPr lvl="0"/>
-            <a:r>
-              <a:rPr sz="2000" dirty="0"/>
-              <a:t>Preliminary evidence: correlations can signal regime changes</a:t>
-            </a:r>
+            <a:pPr marL="0" lvl="0" indent="0">
+              <a:buNone/>
+            </a:pPr>
+            <a:r>
+              <a:rPr lang="en-US" sz="2000" b="1" dirty="0"/>
+              <a:t>4. Rolling Window Edge Cases</a:t>
+            </a:r>
+          </a:p>
+          <a:p>
+            <a:pPr lvl="1"/>
+            <a:r>
+              <a:rPr lang="en-US" sz="2000" dirty="0"/>
+              <a:t>Can’t calculate correlations at start of series</a:t>
+            </a:r>
+          </a:p>
+          <a:p>
+            <a:pPr lvl="1"/>
+            <a:r>
+              <a:rPr lang="en-US" sz="2000" b="1" dirty="0"/>
+              <a:t>Solution:</a:t>
+            </a:r>
+            <a:r>
+              <a:rPr lang="en-US" sz="2000" dirty="0"/>
+              <a:t> Set initial values to NA, require minimum observations</a:t>
+            </a:r>
+          </a:p>
+          <a:p>
+            <a:pPr marL="0" lvl="0" indent="0">
+              <a:buNone/>
+            </a:pPr>
+            <a:r>
+              <a:rPr lang="en-US" sz="2000" b="1" dirty="0"/>
+              <a:t>5. Computational Efficiency</a:t>
+            </a:r>
+          </a:p>
+          <a:p>
+            <a:pPr lvl="1"/>
+            <a:r>
+              <a:rPr lang="en-US" sz="2000" dirty="0"/>
+              <a:t>Many calculations for multiple windows and pairs</a:t>
+            </a:r>
+          </a:p>
+          <a:p>
+            <a:pPr lvl="1"/>
+            <a:r>
+              <a:rPr lang="en-US" sz="2000" b="1" dirty="0"/>
+              <a:t>Solution:</a:t>
+            </a:r>
+            <a:r>
+              <a:rPr lang="en-US" sz="2000" dirty="0"/>
+              <a:t> Optimized rolling correlation functions</a:t>
+            </a:r>
+          </a:p>
+          <a:p>
+            <a:endParaRPr lang="en-US" sz="2000" dirty="0"/>
           </a:p>
         </p:txBody>
       </p:sp>
     </p:spTree>
+    <p:extLst>
+      <p:ext uri="{BB962C8B-B14F-4D97-AF65-F5344CB8AC3E}">
+        <p14:creationId xmlns:p14="http://schemas.microsoft.com/office/powerpoint/2010/main" val="3642600968"/>
+      </p:ext>
+    </p:extLst>
   </p:cSld>
   <p:clrMapOvr>
     <a:masterClrMapping/>
@@ -7173,7 +7438,7 @@
               <a:buNone/>
             </a:pPr>
             <a:r>
-              <a:t>Issues Encountered</a:t>
+              <a:t>Next Steps</a:t>
             </a:r>
           </a:p>
         </p:txBody>
@@ -7188,10 +7453,15 @@
             <p:ph idx="1"/>
           </p:nvPr>
         </p:nvSpPr>
-        <p:spPr/>
+        <p:spPr>
+          <a:xfrm>
+            <a:off x="457200" y="1004888"/>
+            <a:ext cx="8229600" cy="3589735"/>
+          </a:xfrm>
+        </p:spPr>
         <p:txBody>
           <a:bodyPr>
-            <a:normAutofit fontScale="55000" lnSpcReduction="20000"/>
+            <a:noAutofit/>
           </a:bodyPr>
           <a:lstStyle/>
           <a:p>
@@ -7202,143 +7472,74 @@
               <a:buNone/>
             </a:pPr>
             <a:r>
-              <a:rPr b="1" dirty="0"/>
-              <a:t>Technical Challenges</a:t>
-            </a:r>
-          </a:p>
-          <a:p>
-            <a:pPr marL="342900" lvl="0" indent="-342900">
-              <a:buAutoNum type="arabicPeriod"/>
-            </a:pPr>
-            <a:r>
-              <a:rPr b="1" dirty="0"/>
-              <a:t>Trading Calendar Alignment</a:t>
+              <a:rPr sz="2000" b="1" dirty="0"/>
+              <a:t>1. Advanced Regime Detection</a:t>
             </a:r>
           </a:p>
           <a:p>
             <a:pPr lvl="1"/>
             <a:r>
-              <a:rPr dirty="0"/>
-              <a:t>Crypto trades 24/7, commodities trade weekdays only</a:t>
+              <a:rPr sz="1700" dirty="0"/>
+              <a:t>Change-point detection algorithms</a:t>
             </a:r>
           </a:p>
           <a:p>
             <a:pPr lvl="1"/>
             <a:r>
-              <a:rPr b="1" dirty="0"/>
-              <a:t>Solution:</a:t>
-            </a:r>
-            <a:r>
-              <a:rPr dirty="0"/>
-              <a:t> Forward-fill weekend values</a:t>
-            </a:r>
-          </a:p>
-          <a:p>
-            <a:pPr marL="342900" lvl="0" indent="-342900">
-              <a:buAutoNum type="arabicPeriod"/>
-            </a:pPr>
-            <a:r>
-              <a:rPr b="1" dirty="0"/>
-              <a:t>Data Availability</a:t>
+              <a:rPr sz="1700" dirty="0"/>
+              <a:t>Clustering analysis (K-means, hierarchical)</a:t>
             </a:r>
           </a:p>
           <a:p>
             <a:pPr lvl="1"/>
             <a:r>
-              <a:rPr dirty="0"/>
-              <a:t>Missing data due to holidays or feed issues</a:t>
+              <a:rPr sz="1700" dirty="0"/>
+              <a:t>Machine learning approaches for regime classification</a:t>
+            </a:r>
+            <a:endParaRPr lang="en-US" sz="1700" dirty="0"/>
+          </a:p>
+          <a:p>
+            <a:pPr marL="0" lvl="0" indent="0">
+              <a:buNone/>
+            </a:pPr>
+            <a:r>
+              <a:rPr lang="en-US" sz="2000" b="1" dirty="0"/>
+              <a:t>2. Event Study Analysis</a:t>
             </a:r>
           </a:p>
           <a:p>
             <a:pPr lvl="1"/>
             <a:r>
-              <a:rPr b="1" dirty="0"/>
-              <a:t>Solution:</a:t>
-            </a:r>
-            <a:r>
-              <a:rPr dirty="0"/>
-              <a:t> Forward-fill methods</a:t>
-            </a:r>
-          </a:p>
-          <a:p>
-            <a:pPr marL="342900" lvl="0" indent="-342900">
-              <a:buAutoNum type="arabicPeriod"/>
-            </a:pPr>
-            <a:r>
-              <a:rPr b="1" dirty="0"/>
-              <a:t>API Rate Limiting</a:t>
-            </a:r>
-          </a:p>
-          <a:p>
-            <a:pPr lvl="1"/>
-            <a:r>
-              <a:rPr dirty="0"/>
-              <a:t>Yahoo Finance API rate limits</a:t>
-            </a:r>
-          </a:p>
-          <a:p>
-            <a:pPr lvl="1"/>
-            <a:r>
-              <a:rPr b="1" dirty="0"/>
-              <a:t>Solution:</a:t>
-            </a:r>
-            <a:r>
-              <a:rPr dirty="0"/>
-              <a:t> Retry logic with delays</a:t>
-            </a:r>
-          </a:p>
-          <a:p>
-            <a:pPr marL="342900" lvl="0" indent="-342900">
-              <a:buAutoNum type="arabicPeriod"/>
-            </a:pPr>
-            <a:r>
-              <a:rPr b="1" dirty="0"/>
-              <a:t>Rolling Window Edge Cases</a:t>
-            </a:r>
-          </a:p>
-          <a:p>
-            <a:pPr lvl="1"/>
-            <a:r>
-              <a:rPr dirty="0"/>
-              <a:t>Can’t calculate correlations at start of series</a:t>
-            </a:r>
-          </a:p>
-          <a:p>
-            <a:pPr lvl="1"/>
-            <a:r>
-              <a:rPr b="1" dirty="0"/>
-              <a:t>Solution:</a:t>
-            </a:r>
-            <a:r>
-              <a:rPr dirty="0"/>
-              <a:t> Set initial values to NA, require minimum observations</a:t>
-            </a:r>
-          </a:p>
-          <a:p>
-            <a:pPr marL="342900" lvl="0" indent="-342900">
-              <a:buAutoNum type="arabicPeriod"/>
-            </a:pPr>
-            <a:r>
-              <a:rPr b="1" dirty="0"/>
-              <a:t>Computational Efficiency</a:t>
-            </a:r>
-          </a:p>
-          <a:p>
-            <a:pPr lvl="1"/>
-            <a:r>
-              <a:rPr dirty="0"/>
-              <a:t>Many calculations for multiple windows and pairs</a:t>
-            </a:r>
-          </a:p>
-          <a:p>
-            <a:pPr lvl="1"/>
-            <a:r>
-              <a:rPr b="1" dirty="0"/>
-              <a:t>Solution:</a:t>
-            </a:r>
-            <a:r>
-              <a:rPr dirty="0"/>
-              <a:t> Optimized rolling correlation functions</a:t>
+              <a:rPr lang="en-US" sz="1700" dirty="0"/>
+              <a:t>Detailed analysis around major events:</a:t>
+            </a:r>
+          </a:p>
+          <a:p>
+            <a:pPr lvl="2"/>
+            <a:r>
+              <a:rPr lang="en-US" sz="1700" dirty="0"/>
+              <a:t>COVID-19 market crash (March 2020)</a:t>
+            </a:r>
+          </a:p>
+          <a:p>
+            <a:pPr lvl="2"/>
+            <a:r>
+              <a:rPr lang="en-US" sz="1700" dirty="0"/>
+              <a:t>Federal Reserve policy announcements</a:t>
+            </a:r>
+          </a:p>
+          <a:p>
+            <a:pPr lvl="2"/>
+            <a:r>
+              <a:rPr lang="en-US" sz="1700" dirty="0"/>
+              <a:t>Major crypto events (FTX collapse, ETF approvals)</a:t>
+            </a:r>
+          </a:p>
+          <a:p>
+            <a:pPr lvl="2"/>
+            <a:r>
+              <a:rPr lang="en-US" sz="1700" dirty="0"/>
+              <a:t>Analyze correlation behavior using ±30 day event windows</a:t>
             </a:r>
           </a:p>
         </p:txBody>
@@ -7387,7 +7588,8 @@
               <a:buNone/>
             </a:pPr>
             <a:r>
-              <a:t>Next Steps</a:t>
+              <a:rPr dirty="0"/>
+              <a:t>Next Steps (continued)</a:t>
             </a:r>
           </a:p>
         </p:txBody>
@@ -7417,29 +7619,66 @@
             </a:pPr>
             <a:r>
               <a:rPr sz="2000" b="1" dirty="0"/>
-              <a:t>1. Advanced Regime Detection</a:t>
-            </a:r>
-          </a:p>
-          <a:p>
-            <a:pPr lvl="0"/>
-            <a:r>
-              <a:rPr sz="2000" dirty="0"/>
-              <a:t>Change-point detection algorithms</a:t>
-            </a:r>
-          </a:p>
-          <a:p>
-            <a:pPr lvl="0"/>
-            <a:r>
-              <a:rPr sz="2000" dirty="0"/>
-              <a:t>Clustering analysis (K-means, hierarchical)</a:t>
-            </a:r>
-          </a:p>
-          <a:p>
-            <a:pPr lvl="0"/>
-            <a:r>
-              <a:rPr sz="2000" dirty="0"/>
-              <a:t>Machine learning approaches for regime classification</a:t>
-            </a:r>
+              <a:t>3. Comparative Analysis</a:t>
+            </a:r>
+          </a:p>
+          <a:p>
+            <a:pPr lvl="1"/>
+            <a:r>
+              <a:rPr sz="1700" dirty="0"/>
+              <a:t>Deep dive into differences between Bitcoin and Ethereum</a:t>
+            </a:r>
+          </a:p>
+          <a:p>
+            <a:pPr lvl="1"/>
+            <a:r>
+              <a:rPr sz="1700" dirty="0"/>
+              <a:t>Statistical tests for significant differences</a:t>
+            </a:r>
+          </a:p>
+          <a:p>
+            <a:pPr lvl="1"/>
+            <a:r>
+              <a:rPr sz="1700" dirty="0"/>
+              <a:t>Analysis of potential drivers</a:t>
+            </a:r>
+            <a:endParaRPr lang="en-US" sz="1700" dirty="0"/>
+          </a:p>
+          <a:p>
+            <a:pPr marL="0" lvl="0" indent="0">
+              <a:buNone/>
+            </a:pPr>
+            <a:r>
+              <a:rPr lang="en-US" sz="2000" b="1" dirty="0"/>
+              <a:t>4. Advanced Statistical Testing</a:t>
+            </a:r>
+          </a:p>
+          <a:p>
+            <a:pPr lvl="1"/>
+            <a:r>
+              <a:rPr lang="en-US" sz="1700" dirty="0"/>
+              <a:t>Correlation stability tests across regimes</a:t>
+            </a:r>
+          </a:p>
+          <a:p>
+            <a:pPr lvl="1"/>
+            <a:r>
+              <a:rPr lang="en-US" sz="1700" dirty="0"/>
+              <a:t>Granger causality tests</a:t>
+            </a:r>
+          </a:p>
+          <a:p>
+            <a:pPr lvl="1"/>
+            <a:r>
+              <a:rPr lang="en-US" sz="1700" dirty="0"/>
+              <a:t>Cointegration tests</a:t>
+            </a:r>
+          </a:p>
+          <a:p>
+            <a:pPr marL="0" lvl="0" indent="0">
+              <a:buNone/>
+            </a:pPr>
+            <a:endParaRPr sz="2000" dirty="0"/>
           </a:p>
         </p:txBody>
       </p:sp>
@@ -7483,12 +7722,12 @@
           <a:bodyPr/>
           <a:lstStyle/>
           <a:p>
-            <a:pPr marL="0" lvl="0" indent="0">
-              <a:buNone/>
-            </a:pPr>
-            <a:r>
-              <a:t>2. Event Study Analysis</a:t>
-            </a:r>
+            <a:pPr lvl="0"/>
+            <a:r>
+              <a:rPr lang="en-US" dirty="0"/>
+              <a:t>Next Steps (continued)</a:t>
+            </a:r>
+            <a:endParaRPr dirty="0"/>
           </a:p>
         </p:txBody>
       </p:sp>
@@ -7509,39 +7748,75 @@
           </a:bodyPr>
           <a:lstStyle/>
           <a:p>
-            <a:pPr lvl="0"/>
-            <a:r>
-              <a:rPr sz="2000" dirty="0"/>
-              <a:t>Detailed analysis around major events:</a:t>
+            <a:pPr marL="0" lvl="0" indent="0">
+              <a:buNone/>
+            </a:pPr>
+            <a:r>
+              <a:rPr lang="en-US" sz="2000" b="1" dirty="0"/>
+              <a:t>5. Threshold Analysis</a:t>
             </a:r>
           </a:p>
           <a:p>
             <a:pPr lvl="1"/>
             <a:r>
-              <a:rPr sz="2000" dirty="0"/>
-              <a:t>COVID-19 market crash (March 2020)</a:t>
+              <a:rPr sz="1700" dirty="0"/>
+              <a:t>Determine specific correlation thresholds</a:t>
             </a:r>
           </a:p>
           <a:p>
             <a:pPr lvl="1"/>
             <a:r>
-              <a:rPr sz="2000" dirty="0"/>
-              <a:t>Federal Reserve policy announcements</a:t>
+              <a:rPr sz="1700" dirty="0"/>
+              <a:t>Use ROC analysis</a:t>
             </a:r>
           </a:p>
           <a:p>
             <a:pPr lvl="1"/>
             <a:r>
-              <a:rPr sz="2000" dirty="0"/>
-              <a:t>Major crypto events (FTX collapse, ETF approvals)</a:t>
+              <a:rPr sz="1700" dirty="0" err="1"/>
+              <a:t>Backtest</a:t>
+            </a:r>
+            <a:r>
+              <a:rPr sz="1700" dirty="0"/>
+              <a:t> regime signals</a:t>
+            </a:r>
+            <a:endParaRPr lang="en-US" sz="1700" dirty="0"/>
+          </a:p>
+          <a:p>
+            <a:pPr marL="0" indent="0">
+              <a:buNone/>
+            </a:pPr>
+            <a:r>
+              <a:rPr lang="en-US" sz="2000" b="1" dirty="0"/>
+              <a:t>6. Final Report</a:t>
             </a:r>
           </a:p>
           <a:p>
             <a:pPr lvl="1"/>
             <a:r>
-              <a:rPr sz="2000" dirty="0"/>
-              <a:t>Analyze correlation behavior using ±30 day event windows</a:t>
-            </a:r>
+              <a:rPr lang="en-US" sz="1700" dirty="0"/>
+              <a:t>Complete analysis of all research questions</a:t>
+            </a:r>
+          </a:p>
+          <a:p>
+            <a:pPr lvl="1"/>
+            <a:r>
+              <a:rPr lang="en-US" sz="1700" dirty="0"/>
+              <a:t>Policy and investment implications</a:t>
+            </a:r>
+          </a:p>
+          <a:p>
+            <a:pPr lvl="1"/>
+            <a:r>
+              <a:rPr lang="en-US" sz="1700" dirty="0"/>
+              <a:t>Limitations and future research directions</a:t>
+            </a:r>
+          </a:p>
+          <a:p>
+            <a:pPr marL="0" indent="0">
+              <a:buNone/>
+            </a:pPr>
+            <a:endParaRPr lang="en-US" sz="2000" b="1" dirty="0"/>
           </a:p>
         </p:txBody>
       </p:sp>
@@ -7589,7 +7864,7 @@
               <a:buNone/>
             </a:pPr>
             <a:r>
-              <a:t>Next Steps (continued)</a:t>
+              <a:t>Conclusions</a:t>
             </a:r>
           </a:p>
         </p:txBody>
@@ -7607,7 +7882,7 @@
         <p:spPr/>
         <p:txBody>
           <a:bodyPr>
-            <a:normAutofit/>
+            <a:normAutofit lnSpcReduction="10000"/>
           </a:bodyPr>
           <a:lstStyle/>
           <a:p>
@@ -7619,28 +7894,72 @@
             </a:pPr>
             <a:r>
               <a:rPr sz="2000" b="1" dirty="0"/>
-              <a:t>3. Comparative Analysis</a:t>
-            </a:r>
-          </a:p>
-          <a:p>
-            <a:pPr lvl="0"/>
+              <a:t>Key Takeaways</a:t>
+            </a:r>
+          </a:p>
+          <a:p>
+            <a:pPr marL="342900" lvl="0" indent="-342900">
+              <a:buAutoNum type="arabicPeriod"/>
+            </a:pPr>
+            <a:r>
+              <a:rPr sz="2000" b="1" dirty="0"/>
+              <a:t>Correlations are Dynamic:</a:t>
+            </a:r>
             <a:r>
               <a:rPr sz="2000" dirty="0"/>
-              <a:t>Deep dive into differences between Bitcoin and Ethereum</a:t>
-            </a:r>
-          </a:p>
-          <a:p>
-            <a:pPr lvl="0"/>
+              <a:t> Not static - they vary significantly over time</a:t>
+            </a:r>
+          </a:p>
+          <a:p>
+            <a:pPr marL="342900" lvl="0" indent="-342900">
+              <a:buAutoNum type="arabicPeriod"/>
+            </a:pPr>
+            <a:r>
+              <a:rPr sz="2000" b="1" dirty="0"/>
+              <a:t>Regime Indicators Work:</a:t>
+            </a:r>
             <a:r>
               <a:rPr sz="2000" dirty="0"/>
-              <a:t>Statistical tests for significant differences</a:t>
-            </a:r>
-          </a:p>
-          <a:p>
-            <a:pPr lvl="0"/>
+              <a:t> Changes in correlations can signal market regime shifts</a:t>
+            </a:r>
+          </a:p>
+          <a:p>
+            <a:pPr marL="342900" lvl="0" indent="-342900">
+              <a:buAutoNum type="arabicPeriod"/>
+            </a:pPr>
+            <a:r>
+              <a:rPr sz="2000" b="1" dirty="0"/>
+              <a:t>Crisis Behavior:</a:t>
+            </a:r>
             <a:r>
               <a:rPr sz="2000" dirty="0"/>
-              <a:t>Analysis of potential drivers</a:t>
+              <a:t> Correlations spike during market stress, reducing diversification benefits</a:t>
+            </a:r>
+          </a:p>
+          <a:p>
+            <a:pPr marL="342900" lvl="0" indent="-342900">
+              <a:buAutoNum type="arabicPeriod"/>
+            </a:pPr>
+            <a:r>
+              <a:rPr sz="2000" b="1" dirty="0"/>
+              <a:t>Crypto Evolution:</a:t>
+            </a:r>
+            <a:r>
+              <a:rPr sz="2000" dirty="0"/>
+              <a:t> Cryptocurrencies show both similarities and differences to traditional assets</a:t>
+            </a:r>
+          </a:p>
+          <a:p>
+            <a:pPr marL="342900" lvl="0" indent="-342900">
+              <a:buAutoNum type="arabicPeriod"/>
+            </a:pPr>
+            <a:r>
+              <a:rPr sz="2000" b="1" dirty="0"/>
+              <a:t>Practical Value:</a:t>
+            </a:r>
+            <a:r>
+              <a:rPr sz="2000" dirty="0"/>
+              <a:t> This analysis can inform investment and risk management decisions</a:t>
             </a:r>
           </a:p>
         </p:txBody>
@@ -7680,7 +7999,12 @@
             <p:ph type="title"/>
           </p:nvPr>
         </p:nvSpPr>
-        <p:spPr/>
+        <p:spPr>
+          <a:xfrm>
+            <a:off x="457200" y="2143125"/>
+            <a:ext cx="8229600" cy="857250"/>
+          </a:xfrm>
+        </p:spPr>
         <p:txBody>
           <a:bodyPr/>
           <a:lstStyle/>
@@ -7689,226 +8013,8 @@
               <a:buNone/>
             </a:pPr>
             <a:r>
-              <a:t>4. Advanced Statistical Testing</a:t>
-            </a:r>
-          </a:p>
-        </p:txBody>
-      </p:sp>
-      <p:sp>
-        <p:nvSpPr>
-          <p:cNvPr id="3" name="Content Placeholder 2"/>
-          <p:cNvSpPr>
-            <a:spLocks noGrp="1"/>
-          </p:cNvSpPr>
-          <p:nvPr>
-            <p:ph idx="1"/>
-          </p:nvPr>
-        </p:nvSpPr>
-        <p:spPr/>
-        <p:txBody>
-          <a:bodyPr>
-            <a:normAutofit/>
-          </a:bodyPr>
-          <a:lstStyle/>
-          <a:p>
-            <a:pPr lvl="0"/>
-            <a:r>
-              <a:rPr sz="2000" dirty="0"/>
-              <a:t>Correlation stability tests across regimes</a:t>
-            </a:r>
-          </a:p>
-          <a:p>
-            <a:pPr lvl="0"/>
-            <a:r>
-              <a:rPr sz="2000" dirty="0"/>
-              <a:t>Granger causality tests</a:t>
-            </a:r>
-          </a:p>
-          <a:p>
-            <a:pPr lvl="0"/>
-            <a:r>
-              <a:rPr sz="2000" dirty="0"/>
-              <a:t>Cointegration tests</a:t>
-            </a:r>
-          </a:p>
-        </p:txBody>
-      </p:sp>
-    </p:spTree>
-  </p:cSld>
-  <p:clrMapOvr>
-    <a:masterClrMapping/>
-  </p:clrMapOvr>
-</p:sld>
-</file>
-
-<file path=ppt/slides/slide38.xml><?xml version="1.0" encoding="utf-8"?>
-<p:sld xmlns:a="http://schemas.openxmlformats.org/drawingml/2006/main" xmlns:r="http://schemas.openxmlformats.org/officeDocument/2006/relationships" xmlns:p="http://schemas.openxmlformats.org/presentationml/2006/main">
-  <p:cSld>
-    <p:spTree>
-      <p:nvGrpSpPr>
-        <p:cNvPr id="1" name=""/>
-        <p:cNvGrpSpPr/>
-        <p:nvPr/>
-      </p:nvGrpSpPr>
-      <p:grpSpPr>
-        <a:xfrm>
-          <a:off x="0" y="0"/>
-          <a:ext cx="0" cy="0"/>
-          <a:chOff x="0" y="0"/>
-          <a:chExt cx="0" cy="0"/>
-        </a:xfrm>
-      </p:grpSpPr>
-      <p:sp>
-        <p:nvSpPr>
-          <p:cNvPr id="2" name="Title 1"/>
-          <p:cNvSpPr>
-            <a:spLocks noGrp="1"/>
-          </p:cNvSpPr>
-          <p:nvPr>
-            <p:ph type="title"/>
-          </p:nvPr>
-        </p:nvSpPr>
-        <p:spPr/>
-        <p:txBody>
-          <a:bodyPr/>
-          <a:lstStyle/>
-          <a:p>
-            <a:pPr marL="0" lvl="0" indent="0">
-              <a:buNone/>
-            </a:pPr>
-            <a:r>
-              <a:t>5. Threshold Analysis</a:t>
-            </a:r>
-          </a:p>
-        </p:txBody>
-      </p:sp>
-      <p:sp>
-        <p:nvSpPr>
-          <p:cNvPr id="3" name="Content Placeholder 2"/>
-          <p:cNvSpPr>
-            <a:spLocks noGrp="1"/>
-          </p:cNvSpPr>
-          <p:nvPr>
-            <p:ph idx="1"/>
-          </p:nvPr>
-        </p:nvSpPr>
-        <p:spPr/>
-        <p:txBody>
-          <a:bodyPr>
-            <a:normAutofit/>
-          </a:bodyPr>
-          <a:lstStyle/>
-          <a:p>
-            <a:pPr lvl="0"/>
-            <a:r>
-              <a:rPr sz="2000" dirty="0"/>
-              <a:t>Determine specific correlation thresholds</a:t>
-            </a:r>
-          </a:p>
-          <a:p>
-            <a:pPr lvl="0"/>
-            <a:r>
-              <a:rPr sz="2000" dirty="0"/>
-              <a:t>Use ROC analysis</a:t>
-            </a:r>
-          </a:p>
-          <a:p>
-            <a:pPr lvl="0"/>
-            <a:r>
-              <a:rPr sz="2000" dirty="0" err="1"/>
-              <a:t>Backtest</a:t>
-            </a:r>
-            <a:r>
-              <a:rPr sz="2000" dirty="0"/>
-              <a:t> regime signals</a:t>
-            </a:r>
-          </a:p>
-        </p:txBody>
-      </p:sp>
-    </p:spTree>
-  </p:cSld>
-  <p:clrMapOvr>
-    <a:masterClrMapping/>
-  </p:clrMapOvr>
-</p:sld>
-</file>
-
-<file path=ppt/slides/slide39.xml><?xml version="1.0" encoding="utf-8"?>
-<p:sld xmlns:a="http://schemas.openxmlformats.org/drawingml/2006/main" xmlns:r="http://schemas.openxmlformats.org/officeDocument/2006/relationships" xmlns:p="http://schemas.openxmlformats.org/presentationml/2006/main">
-  <p:cSld>
-    <p:spTree>
-      <p:nvGrpSpPr>
-        <p:cNvPr id="1" name=""/>
-        <p:cNvGrpSpPr/>
-        <p:nvPr/>
-      </p:nvGrpSpPr>
-      <p:grpSpPr>
-        <a:xfrm>
-          <a:off x="0" y="0"/>
-          <a:ext cx="0" cy="0"/>
-          <a:chOff x="0" y="0"/>
-          <a:chExt cx="0" cy="0"/>
-        </a:xfrm>
-      </p:grpSpPr>
-      <p:sp>
-        <p:nvSpPr>
-          <p:cNvPr id="2" name="Title 1"/>
-          <p:cNvSpPr>
-            <a:spLocks noGrp="1"/>
-          </p:cNvSpPr>
-          <p:nvPr>
-            <p:ph type="title"/>
-          </p:nvPr>
-        </p:nvSpPr>
-        <p:spPr/>
-        <p:txBody>
-          <a:bodyPr/>
-          <a:lstStyle/>
-          <a:p>
-            <a:pPr marL="0" lvl="0" indent="0">
-              <a:buNone/>
-            </a:pPr>
-            <a:r>
-              <a:t>6. Final Report</a:t>
-            </a:r>
-          </a:p>
-        </p:txBody>
-      </p:sp>
-      <p:sp>
-        <p:nvSpPr>
-          <p:cNvPr id="3" name="Content Placeholder 2"/>
-          <p:cNvSpPr>
-            <a:spLocks noGrp="1"/>
-          </p:cNvSpPr>
-          <p:nvPr>
-            <p:ph idx="1"/>
-          </p:nvPr>
-        </p:nvSpPr>
-        <p:spPr/>
-        <p:txBody>
-          <a:bodyPr>
-            <a:normAutofit/>
-          </a:bodyPr>
-          <a:lstStyle/>
-          <a:p>
-            <a:pPr lvl="0"/>
-            <a:r>
-              <a:rPr sz="2000" dirty="0"/>
-              <a:t>Complete analysis of all research questions</a:t>
-            </a:r>
-          </a:p>
-          <a:p>
-            <a:pPr lvl="0"/>
-            <a:r>
-              <a:rPr sz="2000" dirty="0"/>
-              <a:t>Policy and investment implications</a:t>
-            </a:r>
-          </a:p>
-          <a:p>
-            <a:pPr lvl="0"/>
-            <a:r>
-              <a:rPr sz="2000" dirty="0"/>
-              <a:t>Limitations and future research directions</a:t>
+              <a:rPr dirty="0"/>
+              <a:t>Thank You!</a:t>
             </a:r>
           </a:p>
         </p:txBody>
@@ -7974,7 +8080,9 @@
         </p:nvSpPr>
         <p:spPr/>
         <p:txBody>
-          <a:bodyPr/>
+          <a:bodyPr>
+            <a:normAutofit/>
+          </a:bodyPr>
           <a:lstStyle/>
           <a:p>
             <a:pPr marL="0" lvl="0" indent="0">
@@ -7984,233 +8092,37 @@
               <a:buNone/>
             </a:pPr>
             <a:r>
-              <a:rPr b="1"/>
+              <a:rPr sz="2000" b="1" dirty="0"/>
               <a:t>Why Gold and Oil?</a:t>
             </a:r>
           </a:p>
           <a:p>
             <a:pPr lvl="0"/>
             <a:r>
-              <a:rPr b="1"/>
+              <a:rPr sz="2000" b="1" dirty="0"/>
               <a:t>Gold:</a:t>
             </a:r>
             <a:r>
+              <a:rPr sz="2000" dirty="0"/>
               <a:t> Hedge against inflation, store of value during uncertainty</a:t>
             </a:r>
           </a:p>
           <a:p>
             <a:pPr lvl="0"/>
             <a:r>
-              <a:rPr b="1"/>
+              <a:rPr sz="2000" b="1" dirty="0"/>
               <a:t>Oil:</a:t>
             </a:r>
             <a:r>
+              <a:rPr sz="2000" dirty="0"/>
               <a:t> Reflects real economic activity and demand cycles</a:t>
             </a:r>
           </a:p>
           <a:p>
             <a:pPr lvl="0"/>
             <a:r>
+              <a:rPr sz="2000" dirty="0"/>
               <a:t>Both are traditional commodities with well-understood behaviors</a:t>
-            </a:r>
-          </a:p>
-        </p:txBody>
-      </p:sp>
-    </p:spTree>
-  </p:cSld>
-  <p:clrMapOvr>
-    <a:masterClrMapping/>
-  </p:clrMapOvr>
-</p:sld>
-</file>
-
-<file path=ppt/slides/slide40.xml><?xml version="1.0" encoding="utf-8"?>
-<p:sld xmlns:a="http://schemas.openxmlformats.org/drawingml/2006/main" xmlns:r="http://schemas.openxmlformats.org/officeDocument/2006/relationships" xmlns:p="http://schemas.openxmlformats.org/presentationml/2006/main">
-  <p:cSld>
-    <p:spTree>
-      <p:nvGrpSpPr>
-        <p:cNvPr id="1" name=""/>
-        <p:cNvGrpSpPr/>
-        <p:nvPr/>
-      </p:nvGrpSpPr>
-      <p:grpSpPr>
-        <a:xfrm>
-          <a:off x="0" y="0"/>
-          <a:ext cx="0" cy="0"/>
-          <a:chOff x="0" y="0"/>
-          <a:chExt cx="0" cy="0"/>
-        </a:xfrm>
-      </p:grpSpPr>
-      <p:sp>
-        <p:nvSpPr>
-          <p:cNvPr id="2" name="Title 1"/>
-          <p:cNvSpPr>
-            <a:spLocks noGrp="1"/>
-          </p:cNvSpPr>
-          <p:nvPr>
-            <p:ph type="title"/>
-          </p:nvPr>
-        </p:nvSpPr>
-        <p:spPr/>
-        <p:txBody>
-          <a:bodyPr/>
-          <a:lstStyle/>
-          <a:p>
-            <a:pPr marL="0" lvl="0" indent="0">
-              <a:buNone/>
-            </a:pPr>
-            <a:r>
-              <a:t>Conclusions</a:t>
-            </a:r>
-          </a:p>
-        </p:txBody>
-      </p:sp>
-      <p:sp>
-        <p:nvSpPr>
-          <p:cNvPr id="3" name="Content Placeholder 2"/>
-          <p:cNvSpPr>
-            <a:spLocks noGrp="1"/>
-          </p:cNvSpPr>
-          <p:nvPr>
-            <p:ph idx="1"/>
-          </p:nvPr>
-        </p:nvSpPr>
-        <p:spPr/>
-        <p:txBody>
-          <a:bodyPr>
-            <a:normAutofit lnSpcReduction="10000"/>
-          </a:bodyPr>
-          <a:lstStyle/>
-          <a:p>
-            <a:pPr marL="0" lvl="0" indent="0">
-              <a:spcBef>
-                <a:spcPts val="3000"/>
-              </a:spcBef>
-              <a:buNone/>
-            </a:pPr>
-            <a:r>
-              <a:rPr sz="2000" b="1" dirty="0"/>
-              <a:t>Key Takeaways</a:t>
-            </a:r>
-          </a:p>
-          <a:p>
-            <a:pPr marL="342900" lvl="0" indent="-342900">
-              <a:buAutoNum type="arabicPeriod"/>
-            </a:pPr>
-            <a:r>
-              <a:rPr sz="2000" b="1" dirty="0"/>
-              <a:t>Correlations are Dynamic:</a:t>
-            </a:r>
-            <a:r>
-              <a:rPr sz="2000" dirty="0"/>
-              <a:t> Not static - they vary significantly over time</a:t>
-            </a:r>
-          </a:p>
-          <a:p>
-            <a:pPr marL="342900" lvl="0" indent="-342900">
-              <a:buAutoNum type="arabicPeriod"/>
-            </a:pPr>
-            <a:r>
-              <a:rPr sz="2000" b="1" dirty="0"/>
-              <a:t>Regime Indicators Work:</a:t>
-            </a:r>
-            <a:r>
-              <a:rPr sz="2000" dirty="0"/>
-              <a:t> Changes in correlations can signal market regime shifts</a:t>
-            </a:r>
-          </a:p>
-          <a:p>
-            <a:pPr marL="342900" lvl="0" indent="-342900">
-              <a:buAutoNum type="arabicPeriod"/>
-            </a:pPr>
-            <a:r>
-              <a:rPr sz="2000" b="1" dirty="0"/>
-              <a:t>Crisis Behavior:</a:t>
-            </a:r>
-            <a:r>
-              <a:rPr sz="2000" dirty="0"/>
-              <a:t> Correlations spike during market stress, reducing diversification benefits</a:t>
-            </a:r>
-          </a:p>
-          <a:p>
-            <a:pPr marL="342900" lvl="0" indent="-342900">
-              <a:buAutoNum type="arabicPeriod"/>
-            </a:pPr>
-            <a:r>
-              <a:rPr sz="2000" b="1" dirty="0"/>
-              <a:t>Crypto Evolution:</a:t>
-            </a:r>
-            <a:r>
-              <a:rPr sz="2000" dirty="0"/>
-              <a:t> Cryptocurrencies show both similarities and differences to traditional assets</a:t>
-            </a:r>
-          </a:p>
-          <a:p>
-            <a:pPr marL="342900" lvl="0" indent="-342900">
-              <a:buAutoNum type="arabicPeriod"/>
-            </a:pPr>
-            <a:r>
-              <a:rPr sz="2000" b="1" dirty="0"/>
-              <a:t>Practical Value:</a:t>
-            </a:r>
-            <a:r>
-              <a:rPr sz="2000" dirty="0"/>
-              <a:t> This analysis can inform investment and risk management decisions</a:t>
-            </a:r>
-          </a:p>
-        </p:txBody>
-      </p:sp>
-    </p:spTree>
-  </p:cSld>
-  <p:clrMapOvr>
-    <a:masterClrMapping/>
-  </p:clrMapOvr>
-</p:sld>
-</file>
-
-<file path=ppt/slides/slide41.xml><?xml version="1.0" encoding="utf-8"?>
-<p:sld xmlns:a="http://schemas.openxmlformats.org/drawingml/2006/main" xmlns:r="http://schemas.openxmlformats.org/officeDocument/2006/relationships" xmlns:p="http://schemas.openxmlformats.org/presentationml/2006/main">
-  <p:cSld>
-    <p:spTree>
-      <p:nvGrpSpPr>
-        <p:cNvPr id="1" name=""/>
-        <p:cNvGrpSpPr/>
-        <p:nvPr/>
-      </p:nvGrpSpPr>
-      <p:grpSpPr>
-        <a:xfrm>
-          <a:off x="0" y="0"/>
-          <a:ext cx="0" cy="0"/>
-          <a:chOff x="0" y="0"/>
-          <a:chExt cx="0" cy="0"/>
-        </a:xfrm>
-      </p:grpSpPr>
-      <p:sp>
-        <p:nvSpPr>
-          <p:cNvPr id="2" name="Title 1"/>
-          <p:cNvSpPr>
-            <a:spLocks noGrp="1"/>
-          </p:cNvSpPr>
-          <p:nvPr>
-            <p:ph type="title"/>
-          </p:nvPr>
-        </p:nvSpPr>
-        <p:spPr>
-          <a:xfrm>
-            <a:off x="457200" y="2143125"/>
-            <a:ext cx="8229600" cy="857250"/>
-          </a:xfrm>
-        </p:spPr>
-        <p:txBody>
-          <a:bodyPr/>
-          <a:lstStyle/>
-          <a:p>
-            <a:pPr marL="0" lvl="0" indent="0">
-              <a:buNone/>
-            </a:pPr>
-            <a:r>
-              <a:rPr dirty="0"/>
-              <a:t>Thank You!</a:t>
             </a:r>
           </a:p>
         </p:txBody>
@@ -8276,40 +8188,46 @@
         </p:nvSpPr>
         <p:spPr/>
         <p:txBody>
-          <a:bodyPr/>
+          <a:bodyPr>
+            <a:normAutofit/>
+          </a:bodyPr>
           <a:lstStyle/>
           <a:p>
             <a:pPr marL="0" lvl="0" indent="0">
               <a:buNone/>
             </a:pPr>
             <a:r>
-              <a:rPr b="1"/>
+              <a:rPr sz="2000" b="1" dirty="0"/>
               <a:t>Can cryptocurrency-commodity correlations act as market regime indicators?</a:t>
             </a:r>
           </a:p>
           <a:p>
             <a:pPr lvl="0"/>
             <a:r>
+              <a:rPr sz="2000" dirty="0"/>
               <a:t>Correlations </a:t>
             </a:r>
             <a:r>
-              <a:rPr b="1"/>
+              <a:rPr sz="2000" b="1" dirty="0"/>
               <a:t>rise</a:t>
             </a:r>
             <a:r>
+              <a:rPr sz="2000" dirty="0"/>
               <a:t> → crypto perceived as traditional risk asset</a:t>
             </a:r>
           </a:p>
           <a:p>
             <a:pPr lvl="0"/>
             <a:r>
+              <a:rPr sz="2000" dirty="0"/>
               <a:t>Correlations </a:t>
             </a:r>
             <a:r>
-              <a:rPr b="1"/>
+              <a:rPr sz="2000" b="1" dirty="0"/>
               <a:t>weaken</a:t>
             </a:r>
             <a:r>
+              <a:rPr sz="2000" dirty="0"/>
               <a:t> → diversification benefits or independent valuation</a:t>
             </a:r>
           </a:p>

--- a/presentation.pptx
+++ b/presentation.pptx
@@ -1,6 +1,6 @@
 
 <file path=ppt/presentation.xml><?xml version="1.0" encoding="utf-8"?>
-<p:presentation xmlns:a="http://schemas.openxmlformats.org/drawingml/2006/main" xmlns:r="http://schemas.openxmlformats.org/officeDocument/2006/relationships" xmlns:p="http://schemas.openxmlformats.org/presentationml/2006/main" saveSubsetFonts="1" autoCompressPictures="0">
+<p:presentation xmlns:a="http://schemas.openxmlformats.org/drawingml/2006/main" xmlns:p="http://schemas.openxmlformats.org/presentationml/2006/main" xmlns:r="http://schemas.openxmlformats.org/officeDocument/2006/relationships" autoCompressPictures="0" saveSubsetFonts="1">
   <p:sldMasterIdLst>
     <p:sldMasterId id="2147483648" r:id="rId1"/>
   </p:sldMasterIdLst>
@@ -17,31 +17,42 @@
     <p:sldId id="265" r:id="rId11"/>
     <p:sldId id="266" r:id="rId12"/>
     <p:sldId id="267" r:id="rId13"/>
-    <p:sldId id="269" r:id="rId14"/>
-    <p:sldId id="270" r:id="rId15"/>
-    <p:sldId id="271" r:id="rId16"/>
-    <p:sldId id="272" r:id="rId17"/>
-    <p:sldId id="273" r:id="rId18"/>
-    <p:sldId id="274" r:id="rId19"/>
-    <p:sldId id="275" r:id="rId20"/>
-    <p:sldId id="277" r:id="rId21"/>
-    <p:sldId id="279" r:id="rId22"/>
-    <p:sldId id="281" r:id="rId23"/>
-    <p:sldId id="283" r:id="rId24"/>
-    <p:sldId id="285" r:id="rId25"/>
-    <p:sldId id="286" r:id="rId26"/>
-    <p:sldId id="287" r:id="rId27"/>
-    <p:sldId id="288" r:id="rId28"/>
-    <p:sldId id="289" r:id="rId29"/>
-    <p:sldId id="291" r:id="rId30"/>
-    <p:sldId id="293" r:id="rId31"/>
-    <p:sldId id="294" r:id="rId32"/>
-    <p:sldId id="303" r:id="rId33"/>
-    <p:sldId id="295" r:id="rId34"/>
-    <p:sldId id="297" r:id="rId35"/>
-    <p:sldId id="299" r:id="rId36"/>
-    <p:sldId id="301" r:id="rId37"/>
-    <p:sldId id="302" r:id="rId38"/>
+    <p:sldId id="268" r:id="rId14"/>
+    <p:sldId id="269" r:id="rId15"/>
+    <p:sldId id="270" r:id="rId16"/>
+    <p:sldId id="271" r:id="rId17"/>
+    <p:sldId id="272" r:id="rId18"/>
+    <p:sldId id="273" r:id="rId19"/>
+    <p:sldId id="274" r:id="rId20"/>
+    <p:sldId id="275" r:id="rId21"/>
+    <p:sldId id="276" r:id="rId22"/>
+    <p:sldId id="277" r:id="rId23"/>
+    <p:sldId id="278" r:id="rId24"/>
+    <p:sldId id="279" r:id="rId25"/>
+    <p:sldId id="280" r:id="rId26"/>
+    <p:sldId id="281" r:id="rId27"/>
+    <p:sldId id="282" r:id="rId28"/>
+    <p:sldId id="283" r:id="rId29"/>
+    <p:sldId id="284" r:id="rId30"/>
+    <p:sldId id="285" r:id="rId31"/>
+    <p:sldId id="286" r:id="rId32"/>
+    <p:sldId id="287" r:id="rId33"/>
+    <p:sldId id="288" r:id="rId34"/>
+    <p:sldId id="289" r:id="rId35"/>
+    <p:sldId id="290" r:id="rId36"/>
+    <p:sldId id="291" r:id="rId37"/>
+    <p:sldId id="292" r:id="rId38"/>
+    <p:sldId id="293" r:id="rId39"/>
+    <p:sldId id="294" r:id="rId40"/>
+    <p:sldId id="295" r:id="rId41"/>
+    <p:sldId id="296" r:id="rId42"/>
+    <p:sldId id="297" r:id="rId43"/>
+    <p:sldId id="298" r:id="rId44"/>
+    <p:sldId id="299" r:id="rId45"/>
+    <p:sldId id="300" r:id="rId46"/>
+    <p:sldId id="301" r:id="rId47"/>
+    <p:sldId id="302" r:id="rId48"/>
+    <p:sldId id="303" r:id="rId49"/>
   </p:sldIdLst>
   <p:sldSz cx="9144000" cy="5143500" type="screen16x9"/>
   <p:notesSz cx="6858000" cy="9144000"/>
@@ -49,8 +60,8 @@
     <a:defPPr>
       <a:defRPr lang="en-US"/>
     </a:defPPr>
-    <a:lvl1pPr marL="0" algn="l" defTabSz="457200" rtl="0" eaLnBrk="1" latinLnBrk="0" hangingPunct="1">
-      <a:defRPr sz="1800" kern="1200">
+    <a:lvl1pPr algn="l" defTabSz="457200" eaLnBrk="1" hangingPunct="1" latinLnBrk="0" marL="0" rtl="0">
+      <a:defRPr kern="1200" sz="1800">
         <a:solidFill>
           <a:schemeClr val="tx1"/>
         </a:solidFill>
@@ -59,8 +70,8 @@
         <a:cs typeface="+mn-cs"/>
       </a:defRPr>
     </a:lvl1pPr>
-    <a:lvl2pPr marL="457200" algn="l" defTabSz="457200" rtl="0" eaLnBrk="1" latinLnBrk="0" hangingPunct="1">
-      <a:defRPr sz="1800" kern="1200">
+    <a:lvl2pPr algn="l" defTabSz="457200" eaLnBrk="1" hangingPunct="1" latinLnBrk="0" marL="457200" rtl="0">
+      <a:defRPr kern="1200" sz="1800">
         <a:solidFill>
           <a:schemeClr val="tx1"/>
         </a:solidFill>
@@ -69,8 +80,8 @@
         <a:cs typeface="+mn-cs"/>
       </a:defRPr>
     </a:lvl2pPr>
-    <a:lvl3pPr marL="914400" algn="l" defTabSz="457200" rtl="0" eaLnBrk="1" latinLnBrk="0" hangingPunct="1">
-      <a:defRPr sz="1800" kern="1200">
+    <a:lvl3pPr algn="l" defTabSz="457200" eaLnBrk="1" hangingPunct="1" latinLnBrk="0" marL="914400" rtl="0">
+      <a:defRPr kern="1200" sz="1800">
         <a:solidFill>
           <a:schemeClr val="tx1"/>
         </a:solidFill>
@@ -79,8 +90,8 @@
         <a:cs typeface="+mn-cs"/>
       </a:defRPr>
     </a:lvl3pPr>
-    <a:lvl4pPr marL="1371600" algn="l" defTabSz="457200" rtl="0" eaLnBrk="1" latinLnBrk="0" hangingPunct="1">
-      <a:defRPr sz="1800" kern="1200">
+    <a:lvl4pPr algn="l" defTabSz="457200" eaLnBrk="1" hangingPunct="1" latinLnBrk="0" marL="1371600" rtl="0">
+      <a:defRPr kern="1200" sz="1800">
         <a:solidFill>
           <a:schemeClr val="tx1"/>
         </a:solidFill>
@@ -89,8 +100,8 @@
         <a:cs typeface="+mn-cs"/>
       </a:defRPr>
     </a:lvl4pPr>
-    <a:lvl5pPr marL="1828800" algn="l" defTabSz="457200" rtl="0" eaLnBrk="1" latinLnBrk="0" hangingPunct="1">
-      <a:defRPr sz="1800" kern="1200">
+    <a:lvl5pPr algn="l" defTabSz="457200" eaLnBrk="1" hangingPunct="1" latinLnBrk="0" marL="1828800" rtl="0">
+      <a:defRPr kern="1200" sz="1800">
         <a:solidFill>
           <a:schemeClr val="tx1"/>
         </a:solidFill>
@@ -99,8 +110,8 @@
         <a:cs typeface="+mn-cs"/>
       </a:defRPr>
     </a:lvl5pPr>
-    <a:lvl6pPr marL="2286000" algn="l" defTabSz="457200" rtl="0" eaLnBrk="1" latinLnBrk="0" hangingPunct="1">
-      <a:defRPr sz="1800" kern="1200">
+    <a:lvl6pPr algn="l" defTabSz="457200" eaLnBrk="1" hangingPunct="1" latinLnBrk="0" marL="2286000" rtl="0">
+      <a:defRPr kern="1200" sz="1800">
         <a:solidFill>
           <a:schemeClr val="tx1"/>
         </a:solidFill>
@@ -109,8 +120,8 @@
         <a:cs typeface="+mn-cs"/>
       </a:defRPr>
     </a:lvl6pPr>
-    <a:lvl7pPr marL="2743200" algn="l" defTabSz="457200" rtl="0" eaLnBrk="1" latinLnBrk="0" hangingPunct="1">
-      <a:defRPr sz="1800" kern="1200">
+    <a:lvl7pPr algn="l" defTabSz="457200" eaLnBrk="1" hangingPunct="1" latinLnBrk="0" marL="2743200" rtl="0">
+      <a:defRPr kern="1200" sz="1800">
         <a:solidFill>
           <a:schemeClr val="tx1"/>
         </a:solidFill>
@@ -119,8 +130,8 @@
         <a:cs typeface="+mn-cs"/>
       </a:defRPr>
     </a:lvl7pPr>
-    <a:lvl8pPr marL="3200400" algn="l" defTabSz="457200" rtl="0" eaLnBrk="1" latinLnBrk="0" hangingPunct="1">
-      <a:defRPr sz="1800" kern="1200">
+    <a:lvl8pPr algn="l" defTabSz="457200" eaLnBrk="1" hangingPunct="1" latinLnBrk="0" marL="3200400" rtl="0">
+      <a:defRPr kern="1200" sz="1800">
         <a:solidFill>
           <a:schemeClr val="tx1"/>
         </a:solidFill>
@@ -129,8 +140,8 @@
         <a:cs typeface="+mn-cs"/>
       </a:defRPr>
     </a:lvl8pPr>
-    <a:lvl9pPr marL="3657600" algn="l" defTabSz="457200" rtl="0" eaLnBrk="1" latinLnBrk="0" hangingPunct="1">
-      <a:defRPr sz="1800" kern="1200">
+    <a:lvl9pPr algn="l" defTabSz="457200" eaLnBrk="1" hangingPunct="1" latinLnBrk="0" marL="3657600" rtl="0">
+      <a:defRPr kern="1200" sz="1800">
         <a:solidFill>
           <a:schemeClr val="tx1"/>
         </a:solidFill>
@@ -338,7 +349,7 @@
           <a:p>
             <a:fld id="{241EB5C9-1307-BA42-ABA2-0BC069CD8E7F}" type="datetimeFigureOut">
               <a:rPr lang="en-US" smtClean="0"/>
-              <a:t>11/25/2025</a:t>
+              <a:t>1/2/22</a:t>
             </a:fld>
             <a:endParaRPr lang="en-US"/>
           </a:p>
@@ -506,7 +517,7 @@
           <a:p>
             <a:fld id="{241EB5C9-1307-BA42-ABA2-0BC069CD8E7F}" type="datetimeFigureOut">
               <a:rPr lang="en-US" smtClean="0"/>
-              <a:t>11/25/2025</a:t>
+              <a:t>1/2/22</a:t>
             </a:fld>
             <a:endParaRPr lang="en-US"/>
           </a:p>
@@ -684,7 +695,7 @@
           <a:p>
             <a:fld id="{241EB5C9-1307-BA42-ABA2-0BC069CD8E7F}" type="datetimeFigureOut">
               <a:rPr lang="en-US" smtClean="0"/>
-              <a:t>11/25/2025</a:t>
+              <a:t>1/2/22</a:t>
             </a:fld>
             <a:endParaRPr lang="en-US"/>
           </a:p>
@@ -852,7 +863,7 @@
           <a:p>
             <a:fld id="{241EB5C9-1307-BA42-ABA2-0BC069CD8E7F}" type="datetimeFigureOut">
               <a:rPr lang="en-US" smtClean="0"/>
-              <a:t>11/25/2025</a:t>
+              <a:t>1/2/22</a:t>
             </a:fld>
             <a:endParaRPr lang="en-US"/>
           </a:p>
@@ -1097,7 +1108,7 @@
           <a:p>
             <a:fld id="{241EB5C9-1307-BA42-ABA2-0BC069CD8E7F}" type="datetimeFigureOut">
               <a:rPr lang="en-US" smtClean="0"/>
-              <a:t>11/25/2025</a:t>
+              <a:t>1/2/22</a:t>
             </a:fld>
             <a:endParaRPr lang="en-US"/>
           </a:p>
@@ -1382,7 +1393,7 @@
           <a:p>
             <a:fld id="{241EB5C9-1307-BA42-ABA2-0BC069CD8E7F}" type="datetimeFigureOut">
               <a:rPr lang="en-US" smtClean="0"/>
-              <a:t>11/25/2025</a:t>
+              <a:t>1/2/22</a:t>
             </a:fld>
             <a:endParaRPr lang="en-US"/>
           </a:p>
@@ -1801,7 +1812,7 @@
           <a:p>
             <a:fld id="{241EB5C9-1307-BA42-ABA2-0BC069CD8E7F}" type="datetimeFigureOut">
               <a:rPr lang="en-US" smtClean="0"/>
-              <a:t>11/25/2025</a:t>
+              <a:t>1/2/22</a:t>
             </a:fld>
             <a:endParaRPr lang="en-US"/>
           </a:p>
@@ -1918,7 +1929,7 @@
           <a:p>
             <a:fld id="{241EB5C9-1307-BA42-ABA2-0BC069CD8E7F}" type="datetimeFigureOut">
               <a:rPr lang="en-US" smtClean="0"/>
-              <a:t>11/25/2025</a:t>
+              <a:t>1/2/22</a:t>
             </a:fld>
             <a:endParaRPr lang="en-US"/>
           </a:p>
@@ -2013,7 +2024,7 @@
           <a:p>
             <a:fld id="{241EB5C9-1307-BA42-ABA2-0BC069CD8E7F}" type="datetimeFigureOut">
               <a:rPr lang="en-US" smtClean="0"/>
-              <a:t>11/25/2025</a:t>
+              <a:t>1/2/22</a:t>
             </a:fld>
             <a:endParaRPr lang="en-US"/>
           </a:p>
@@ -2288,7 +2299,7 @@
           <a:p>
             <a:fld id="{241EB5C9-1307-BA42-ABA2-0BC069CD8E7F}" type="datetimeFigureOut">
               <a:rPr lang="en-US" smtClean="0"/>
-              <a:t>11/25/2025</a:t>
+              <a:t>1/2/22</a:t>
             </a:fld>
             <a:endParaRPr lang="en-US"/>
           </a:p>
@@ -2540,7 +2551,7 @@
           <a:p>
             <a:fld id="{241EB5C9-1307-BA42-ABA2-0BC069CD8E7F}" type="datetimeFigureOut">
               <a:rPr lang="en-US" smtClean="0"/>
-              <a:t>11/25/2025</a:t>
+              <a:t>1/2/22</a:t>
             </a:fld>
             <a:endParaRPr lang="en-US"/>
           </a:p>
@@ -2602,7 +2613,7 @@
 </file>
 
 <file path=ppt/slideMasters/slideMaster1.xml><?xml version="1.0" encoding="utf-8"?>
-<p:sldMaster xmlns:a="http://schemas.openxmlformats.org/drawingml/2006/main" xmlns:r="http://schemas.openxmlformats.org/officeDocument/2006/relationships" xmlns:p="http://schemas.openxmlformats.org/presentationml/2006/main">
+<p:sldMaster xmlns:a="http://schemas.openxmlformats.org/drawingml/2006/main" xmlns:p="http://schemas.openxmlformats.org/presentationml/2006/main" xmlns:r="http://schemas.openxmlformats.org/officeDocument/2006/relationships">
   <p:cSld>
     <p:bg>
       <p:bgRef idx="1001">
@@ -2643,7 +2654,7 @@
           </a:prstGeom>
         </p:spPr>
         <p:txBody>
-          <a:bodyPr vert="horz" lIns="91440" tIns="45720" rIns="91440" bIns="45720" rtlCol="0" anchor="ctr">
+          <a:bodyPr anchor="ctr" bIns="45720" lIns="91440" rIns="91440" rtlCol="0" tIns="45720" vert="horz">
             <a:normAutofit/>
           </a:bodyPr>
           <a:lstStyle/>
@@ -2662,7 +2673,7 @@
             <a:spLocks noGrp="1"/>
           </p:cNvSpPr>
           <p:nvPr>
-            <p:ph type="body" idx="1"/>
+            <p:ph idx="1" type="body"/>
           </p:nvPr>
         </p:nvSpPr>
         <p:spPr>
@@ -2675,7 +2686,7 @@
           </a:prstGeom>
         </p:spPr>
         <p:txBody>
-          <a:bodyPr vert="horz" lIns="91440" tIns="45720" rIns="91440" bIns="45720" rtlCol="0">
+          <a:bodyPr bIns="45720" lIns="91440" rIns="91440" rtlCol="0" tIns="45720" vert="horz">
             <a:normAutofit/>
           </a:bodyPr>
           <a:lstStyle/>
@@ -2723,7 +2734,7 @@
             <a:spLocks noGrp="1"/>
           </p:cNvSpPr>
           <p:nvPr>
-            <p:ph type="dt" sz="half" idx="2"/>
+            <p:ph idx="2" sz="half" type="dt"/>
           </p:nvPr>
         </p:nvSpPr>
         <p:spPr>
@@ -2736,7 +2747,7 @@
           </a:prstGeom>
         </p:spPr>
         <p:txBody>
-          <a:bodyPr vert="horz" lIns="91440" tIns="45720" rIns="91440" bIns="45720" rtlCol="0" anchor="ctr"/>
+          <a:bodyPr anchor="ctr" bIns="45720" lIns="91440" rIns="91440" rtlCol="0" tIns="45720" vert="horz"/>
           <a:lstStyle>
             <a:lvl1pPr algn="l">
               <a:defRPr sz="900">
@@ -2751,7 +2762,7 @@
           <a:p>
             <a:fld id="{241EB5C9-1307-BA42-ABA2-0BC069CD8E7F}" type="datetimeFigureOut">
               <a:rPr lang="en-US" smtClean="0"/>
-              <a:t>11/25/2025</a:t>
+              <a:t>1/2/22</a:t>
             </a:fld>
             <a:endParaRPr lang="en-US"/>
           </a:p>
@@ -2764,7 +2775,7 @@
             <a:spLocks noGrp="1"/>
           </p:cNvSpPr>
           <p:nvPr>
-            <p:ph type="ftr" sz="quarter" idx="3"/>
+            <p:ph idx="3" sz="quarter" type="ftr"/>
           </p:nvPr>
         </p:nvSpPr>
         <p:spPr>
@@ -2777,7 +2788,7 @@
           </a:prstGeom>
         </p:spPr>
         <p:txBody>
-          <a:bodyPr vert="horz" lIns="91440" tIns="45720" rIns="91440" bIns="45720" rtlCol="0" anchor="ctr"/>
+          <a:bodyPr anchor="ctr" bIns="45720" lIns="91440" rIns="91440" rtlCol="0" tIns="45720" vert="horz"/>
           <a:lstStyle>
             <a:lvl1pPr algn="ctr">
               <a:defRPr sz="900">
@@ -2801,7 +2812,7 @@
             <a:spLocks noGrp="1"/>
           </p:cNvSpPr>
           <p:nvPr>
-            <p:ph type="sldNum" sz="quarter" idx="4"/>
+            <p:ph idx="4" sz="quarter" type="sldNum"/>
           </p:nvPr>
         </p:nvSpPr>
         <p:spPr>
@@ -2814,7 +2825,7 @@
           </a:prstGeom>
         </p:spPr>
         <p:txBody>
-          <a:bodyPr vert="horz" lIns="91440" tIns="45720" rIns="91440" bIns="45720" rtlCol="0" anchor="ctr"/>
+          <a:bodyPr anchor="ctr" bIns="45720" lIns="91440" rIns="91440" rtlCol="0" tIns="45720" vert="horz"/>
           <a:lstStyle>
             <a:lvl1pPr algn="r">
               <a:defRPr sz="900">
@@ -2842,7 +2853,7 @@
       </p:ext>
     </p:extLst>
   </p:cSld>
-  <p:clrMap bg1="lt1" tx1="dk1" bg2="lt2" tx2="dk2" accent1="accent1" accent2="accent2" accent3="accent3" accent4="accent4" accent5="accent5" accent6="accent6" hlink="hlink" folHlink="folHlink"/>
+  <p:clrMap accent1="accent1" accent2="accent2" accent3="accent3" accent4="accent4" accent5="accent5" accent6="accent6" bg1="lt1" bg2="lt2" folHlink="folHlink" hlink="hlink" tx1="dk1" tx2="dk2"/>
   <p:sldLayoutIdLst>
     <p:sldLayoutId id="2147483649" r:id="rId1"/>
     <p:sldLayoutId id="2147483650" r:id="rId2"/>
@@ -2858,12 +2869,12 @@
   </p:sldLayoutIdLst>
   <p:txStyles>
     <p:titleStyle>
-      <a:lvl1pPr algn="ctr" defTabSz="342900" rtl="0" eaLnBrk="1" latinLnBrk="0" hangingPunct="1">
+      <a:lvl1pPr algn="ctr" defTabSz="342900" eaLnBrk="1" hangingPunct="1" latinLnBrk="0" rtl="0">
         <a:spcBef>
           <a:spcPct val="0"/>
         </a:spcBef>
         <a:buNone/>
-        <a:defRPr sz="3300" kern="1200">
+        <a:defRPr kern="1200" sz="3300">
           <a:solidFill>
             <a:schemeClr val="tx1"/>
           </a:solidFill>
@@ -2874,13 +2885,13 @@
       </a:lvl1pPr>
     </p:titleStyle>
     <p:bodyStyle>
-      <a:lvl1pPr marL="342900" indent="-342900" algn="l" defTabSz="342900" rtl="0" eaLnBrk="1" latinLnBrk="0" hangingPunct="1">
+      <a:lvl1pPr algn="l" defTabSz="342900" eaLnBrk="1" hangingPunct="1" indent="-342900" latinLnBrk="0" marL="342900" rtl="0">
         <a:spcBef>
           <a:spcPct val="20000"/>
         </a:spcBef>
         <a:buFont typeface="Arial"/>
         <a:buChar char="•"/>
-        <a:defRPr sz="2400" kern="1200">
+        <a:defRPr kern="1200" sz="2400">
           <a:solidFill>
             <a:schemeClr val="tx1"/>
           </a:solidFill>
@@ -2889,13 +2900,13 @@
           <a:cs typeface="+mn-cs"/>
         </a:defRPr>
       </a:lvl1pPr>
-      <a:lvl2pPr marL="685800" indent="-342900" algn="l" defTabSz="342900" rtl="0" eaLnBrk="1" latinLnBrk="0" hangingPunct="1">
+      <a:lvl2pPr algn="l" defTabSz="342900" eaLnBrk="1" hangingPunct="1" indent="-342900" latinLnBrk="0" marL="685800" rtl="0">
         <a:spcBef>
           <a:spcPct val="20000"/>
         </a:spcBef>
         <a:buFont typeface="Arial"/>
         <a:buChar char="–"/>
-        <a:defRPr sz="2100" kern="1200">
+        <a:defRPr kern="1200" sz="2100">
           <a:solidFill>
             <a:schemeClr val="tx1"/>
           </a:solidFill>
@@ -2904,13 +2915,13 @@
           <a:cs typeface="+mn-cs"/>
         </a:defRPr>
       </a:lvl2pPr>
-      <a:lvl3pPr marL="1028700" indent="-342900" algn="l" defTabSz="342900" rtl="0" eaLnBrk="1" latinLnBrk="0" hangingPunct="1">
+      <a:lvl3pPr algn="l" defTabSz="342900" eaLnBrk="1" hangingPunct="1" indent="-342900" latinLnBrk="0" marL="1028700" rtl="0">
         <a:spcBef>
           <a:spcPct val="20000"/>
         </a:spcBef>
         <a:buFont typeface="Arial"/>
         <a:buChar char="•"/>
-        <a:defRPr sz="1800" kern="1200">
+        <a:defRPr kern="1200" sz="1800">
           <a:solidFill>
             <a:schemeClr val="tx1"/>
           </a:solidFill>
@@ -2919,13 +2930,13 @@
           <a:cs typeface="+mn-cs"/>
         </a:defRPr>
       </a:lvl3pPr>
-      <a:lvl4pPr marL="1371600" indent="-342900" algn="l" defTabSz="342900" rtl="0" eaLnBrk="1" latinLnBrk="0" hangingPunct="1">
+      <a:lvl4pPr algn="l" defTabSz="342900" eaLnBrk="1" hangingPunct="1" indent="-342900" latinLnBrk="0" marL="1371600" rtl="0">
         <a:spcBef>
           <a:spcPct val="20000"/>
         </a:spcBef>
         <a:buFont typeface="Arial"/>
         <a:buChar char="–"/>
-        <a:defRPr sz="1500" kern="1200">
+        <a:defRPr kern="1200" sz="1500">
           <a:solidFill>
             <a:schemeClr val="tx1"/>
           </a:solidFill>
@@ -2934,13 +2945,13 @@
           <a:cs typeface="+mn-cs"/>
         </a:defRPr>
       </a:lvl4pPr>
-      <a:lvl5pPr marL="1714500" indent="-342900" algn="l" defTabSz="342900" rtl="0" eaLnBrk="1" latinLnBrk="0" hangingPunct="1">
+      <a:lvl5pPr algn="l" defTabSz="342900" eaLnBrk="1" hangingPunct="1" indent="-342900" latinLnBrk="0" marL="1714500" rtl="0">
         <a:spcBef>
           <a:spcPct val="20000"/>
         </a:spcBef>
         <a:buFont typeface="Arial"/>
         <a:buChar char="»"/>
-        <a:defRPr sz="1500" kern="1200">
+        <a:defRPr kern="1200" sz="1500">
           <a:solidFill>
             <a:schemeClr val="tx1"/>
           </a:solidFill>
@@ -2949,13 +2960,13 @@
           <a:cs typeface="+mn-cs"/>
         </a:defRPr>
       </a:lvl5pPr>
-      <a:lvl6pPr marL="2057400" indent="-342900" algn="l" defTabSz="342900" rtl="0" eaLnBrk="1" latinLnBrk="0" hangingPunct="1">
+      <a:lvl6pPr algn="l" defTabSz="342900" eaLnBrk="1" hangingPunct="1" indent="-342900" latinLnBrk="0" marL="2057400" rtl="0">
         <a:spcBef>
           <a:spcPct val="20000"/>
         </a:spcBef>
         <a:buFont typeface="Arial"/>
         <a:buChar char="•"/>
-        <a:defRPr sz="1500" kern="1200">
+        <a:defRPr kern="1200" sz="1500">
           <a:solidFill>
             <a:schemeClr val="tx1"/>
           </a:solidFill>
@@ -2964,13 +2975,13 @@
           <a:cs typeface="+mn-cs"/>
         </a:defRPr>
       </a:lvl6pPr>
-      <a:lvl7pPr marL="2400300" indent="-342900" algn="l" defTabSz="342900" rtl="0" eaLnBrk="1" latinLnBrk="0" hangingPunct="1">
+      <a:lvl7pPr algn="l" defTabSz="342900" eaLnBrk="1" hangingPunct="1" indent="-342900" latinLnBrk="0" marL="2400300" rtl="0">
         <a:spcBef>
           <a:spcPct val="20000"/>
         </a:spcBef>
         <a:buFont typeface="Arial"/>
         <a:buChar char="•"/>
-        <a:defRPr sz="1500" kern="1200">
+        <a:defRPr kern="1200" sz="1500">
           <a:solidFill>
             <a:schemeClr val="tx1"/>
           </a:solidFill>
@@ -2979,13 +2990,13 @@
           <a:cs typeface="+mn-cs"/>
         </a:defRPr>
       </a:lvl7pPr>
-      <a:lvl8pPr marL="2743200" indent="-342900" algn="l" defTabSz="342900" rtl="0" eaLnBrk="1" latinLnBrk="0" hangingPunct="1">
+      <a:lvl8pPr algn="l" defTabSz="342900" eaLnBrk="1" hangingPunct="1" indent="-342900" latinLnBrk="0" marL="2743200" rtl="0">
         <a:spcBef>
           <a:spcPct val="20000"/>
         </a:spcBef>
         <a:buFont typeface="Arial"/>
         <a:buChar char="•"/>
-        <a:defRPr sz="1500" kern="1200">
+        <a:defRPr kern="1200" sz="1500">
           <a:solidFill>
             <a:schemeClr val="tx1"/>
           </a:solidFill>
@@ -2994,13 +3005,13 @@
           <a:cs typeface="+mn-cs"/>
         </a:defRPr>
       </a:lvl8pPr>
-      <a:lvl9pPr marL="3086100" indent="-342900" algn="l" defTabSz="342900" rtl="0" eaLnBrk="1" latinLnBrk="0" hangingPunct="1">
+      <a:lvl9pPr algn="l" defTabSz="342900" eaLnBrk="1" hangingPunct="1" indent="-342900" latinLnBrk="0" marL="3086100" rtl="0">
         <a:spcBef>
           <a:spcPct val="20000"/>
         </a:spcBef>
         <a:buFont typeface="Arial"/>
         <a:buChar char="•"/>
-        <a:defRPr sz="1500" kern="1200">
+        <a:defRPr kern="1200" sz="1500">
           <a:solidFill>
             <a:schemeClr val="tx1"/>
           </a:solidFill>
@@ -3014,8 +3025,8 @@
       <a:defPPr>
         <a:defRPr lang="en-US"/>
       </a:defPPr>
-      <a:lvl1pPr marL="0" algn="l" defTabSz="342900" rtl="0" eaLnBrk="1" latinLnBrk="0" hangingPunct="1">
-        <a:defRPr sz="1350" kern="1200">
+      <a:lvl1pPr algn="l" defTabSz="342900" eaLnBrk="1" hangingPunct="1" latinLnBrk="0" marL="0" rtl="0">
+        <a:defRPr kern="1200" sz="1350">
           <a:solidFill>
             <a:schemeClr val="tx1"/>
           </a:solidFill>
@@ -3024,8 +3035,8 @@
           <a:cs typeface="+mn-cs"/>
         </a:defRPr>
       </a:lvl1pPr>
-      <a:lvl2pPr marL="342900" algn="l" defTabSz="342900" rtl="0" eaLnBrk="1" latinLnBrk="0" hangingPunct="1">
-        <a:defRPr sz="1350" kern="1200">
+      <a:lvl2pPr algn="l" defTabSz="342900" eaLnBrk="1" hangingPunct="1" latinLnBrk="0" marL="342900" rtl="0">
+        <a:defRPr kern="1200" sz="1350">
           <a:solidFill>
             <a:schemeClr val="tx1"/>
           </a:solidFill>
@@ -3034,8 +3045,8 @@
           <a:cs typeface="+mn-cs"/>
         </a:defRPr>
       </a:lvl2pPr>
-      <a:lvl3pPr marL="685800" algn="l" defTabSz="342900" rtl="0" eaLnBrk="1" latinLnBrk="0" hangingPunct="1">
-        <a:defRPr sz="1350" kern="1200">
+      <a:lvl3pPr algn="l" defTabSz="342900" eaLnBrk="1" hangingPunct="1" latinLnBrk="0" marL="685800" rtl="0">
+        <a:defRPr kern="1200" sz="1350">
           <a:solidFill>
             <a:schemeClr val="tx1"/>
           </a:solidFill>
@@ -3044,8 +3055,8 @@
           <a:cs typeface="+mn-cs"/>
         </a:defRPr>
       </a:lvl3pPr>
-      <a:lvl4pPr marL="1028700" algn="l" defTabSz="342900" rtl="0" eaLnBrk="1" latinLnBrk="0" hangingPunct="1">
-        <a:defRPr sz="1350" kern="1200">
+      <a:lvl4pPr algn="l" defTabSz="342900" eaLnBrk="1" hangingPunct="1" latinLnBrk="0" marL="1028700" rtl="0">
+        <a:defRPr kern="1200" sz="1350">
           <a:solidFill>
             <a:schemeClr val="tx1"/>
           </a:solidFill>
@@ -3054,8 +3065,8 @@
           <a:cs typeface="+mn-cs"/>
         </a:defRPr>
       </a:lvl4pPr>
-      <a:lvl5pPr marL="1371600" algn="l" defTabSz="342900" rtl="0" eaLnBrk="1" latinLnBrk="0" hangingPunct="1">
-        <a:defRPr sz="1350" kern="1200">
+      <a:lvl5pPr algn="l" defTabSz="342900" eaLnBrk="1" hangingPunct="1" latinLnBrk="0" marL="1371600" rtl="0">
+        <a:defRPr kern="1200" sz="1350">
           <a:solidFill>
             <a:schemeClr val="tx1"/>
           </a:solidFill>
@@ -3064,8 +3075,8 @@
           <a:cs typeface="+mn-cs"/>
         </a:defRPr>
       </a:lvl5pPr>
-      <a:lvl6pPr marL="1714500" algn="l" defTabSz="342900" rtl="0" eaLnBrk="1" latinLnBrk="0" hangingPunct="1">
-        <a:defRPr sz="1350" kern="1200">
+      <a:lvl6pPr algn="l" defTabSz="342900" eaLnBrk="1" hangingPunct="1" latinLnBrk="0" marL="1714500" rtl="0">
+        <a:defRPr kern="1200" sz="1350">
           <a:solidFill>
             <a:schemeClr val="tx1"/>
           </a:solidFill>
@@ -3074,8 +3085,8 @@
           <a:cs typeface="+mn-cs"/>
         </a:defRPr>
       </a:lvl6pPr>
-      <a:lvl7pPr marL="2057400" algn="l" defTabSz="342900" rtl="0" eaLnBrk="1" latinLnBrk="0" hangingPunct="1">
-        <a:defRPr sz="1350" kern="1200">
+      <a:lvl7pPr algn="l" defTabSz="342900" eaLnBrk="1" hangingPunct="1" latinLnBrk="0" marL="2057400" rtl="0">
+        <a:defRPr kern="1200" sz="1350">
           <a:solidFill>
             <a:schemeClr val="tx1"/>
           </a:solidFill>
@@ -3084,8 +3095,8 @@
           <a:cs typeface="+mn-cs"/>
         </a:defRPr>
       </a:lvl7pPr>
-      <a:lvl8pPr marL="2400300" algn="l" defTabSz="342900" rtl="0" eaLnBrk="1" latinLnBrk="0" hangingPunct="1">
-        <a:defRPr sz="1350" kern="1200">
+      <a:lvl8pPr algn="l" defTabSz="342900" eaLnBrk="1" hangingPunct="1" latinLnBrk="0" marL="2400300" rtl="0">
+        <a:defRPr kern="1200" sz="1350">
           <a:solidFill>
             <a:schemeClr val="tx1"/>
           </a:solidFill>
@@ -3094,8 +3105,8 @@
           <a:cs typeface="+mn-cs"/>
         </a:defRPr>
       </a:lvl8pPr>
-      <a:lvl9pPr marL="2743200" algn="l" defTabSz="342900" rtl="0" eaLnBrk="1" latinLnBrk="0" hangingPunct="1">
-        <a:defRPr sz="1350" kern="1200">
+      <a:lvl9pPr algn="l" defTabSz="342900" eaLnBrk="1" hangingPunct="1" latinLnBrk="0" marL="2743200" rtl="0">
+        <a:defRPr kern="1200" sz="1350">
           <a:solidFill>
             <a:schemeClr val="tx1"/>
           </a:solidFill>
@@ -3146,10 +3157,11 @@
           <a:bodyPr/>
           <a:lstStyle/>
           <a:p>
-            <a:pPr marL="0" lvl="0" indent="0">
-              <a:buNone/>
-            </a:pPr>
-            <a:r>
+            <a:pPr lvl="0" indent="0" marL="0">
+              <a:buNone/>
+            </a:pPr>
+            <a:r>
+              <a:rPr/>
               <a:t>Cryptocurrency-Commodity Correlation as a Market Regime Indicator</a:t>
             </a:r>
           </a:p>
@@ -3162,7 +3174,7 @@
             <a:spLocks noGrp="1"/>
           </p:cNvSpPr>
           <p:nvPr>
-            <p:ph type="subTitle" idx="1"/>
+            <p:ph idx="1" type="subTitle"/>
           </p:nvPr>
         </p:nvSpPr>
         <p:spPr>
@@ -3172,44 +3184,22 @@
           </a:xfrm>
         </p:spPr>
         <p:txBody>
-          <a:bodyPr>
-            <a:normAutofit fontScale="92500" lnSpcReduction="10000"/>
-          </a:bodyPr>
-          <a:lstStyle/>
-          <a:p>
-            <a:pPr marL="0" lvl="0" indent="0">
-              <a:buNone/>
-            </a:pPr>
-            <a:r>
-              <a:rPr dirty="0"/>
-              <a:t>Progress Report Presentation</a:t>
-            </a:r>
-            <a:br>
-              <a:rPr dirty="0"/>
-            </a:br>
-            <a:br>
-              <a:rPr dirty="0"/>
-            </a:br>
-            <a:r>
-              <a:rPr dirty="0"/>
-              <a:t>Group 7: Jhanvi </a:t>
-            </a:r>
-            <a:r>
-              <a:rPr dirty="0" err="1"/>
-              <a:t>Damwani</a:t>
-            </a:r>
-            <a:r>
-              <a:rPr dirty="0"/>
-              <a:t>, Saketh Kanchi, Ajith </a:t>
-            </a:r>
-            <a:r>
-              <a:rPr lang="en-US"/>
-              <a:t>Gangis</a:t>
-            </a:r>
-            <a:r>
-              <a:t>hetty</a:t>
-            </a:r>
-            <a:endParaRPr dirty="0"/>
+          <a:bodyPr/>
+          <a:lstStyle/>
+          <a:p>
+            <a:pPr lvl="0" indent="0" marL="0">
+              <a:buNone/>
+            </a:pPr>
+            <a:r>
+              <a:rPr/>
+              <a:t>Final Project Presentation</a:t>
+            </a:r>
+            <a:br/>
+            <a:br/>
+            <a:r>
+              <a:rPr/>
+              <a:t>Group 7: Jhanvi Damwani, Saketh Kanchi, Ajith Gangishetty</a:t>
+            </a:r>
           </a:p>
         </p:txBody>
       </p:sp>
@@ -3220,18 +3210,19 @@
             <a:spLocks noGrp="1"/>
           </p:cNvSpPr>
           <p:nvPr>
-            <p:ph type="dt" sz="half" idx="10"/>
-          </p:nvPr>
-        </p:nvSpPr>
-        <p:spPr/>
-        <p:txBody>
-          <a:bodyPr/>
-          <a:lstStyle/>
-          <a:p>
-            <a:pPr marL="0" lvl="0" indent="0">
-              <a:buNone/>
-            </a:pPr>
-            <a:r>
+            <p:ph idx="10" sz="half" type="dt"/>
+          </p:nvPr>
+        </p:nvSpPr>
+        <p:spPr/>
+        <p:txBody>
+          <a:bodyPr/>
+          <a:lstStyle/>
+          <a:p>
+            <a:pPr lvl="0" indent="0" marL="0">
+              <a:buNone/>
+            </a:pPr>
+            <a:r>
+              <a:rPr/>
               <a:t>November 2025</a:t>
             </a:r>
           </a:p>
@@ -3239,9 +3230,6 @@
       </p:sp>
     </p:spTree>
   </p:cSld>
-  <p:clrMapOvr>
-    <a:masterClrMapping/>
-  </p:clrMapOvr>
 </p:sld>
 </file>
 
@@ -3275,20 +3263,18 @@
         <p:spPr>
           <a:xfrm>
             <a:off x="457201" y="204787"/>
-            <a:ext cx="8529637" cy="871538"/>
+            <a:ext cx="3008313" cy="871538"/>
           </a:xfrm>
         </p:spPr>
         <p:txBody>
-          <a:bodyPr>
-            <a:normAutofit/>
-          </a:bodyPr>
-          <a:lstStyle/>
-          <a:p>
-            <a:pPr marL="0" lvl="0" indent="0">
-              <a:buNone/>
-            </a:pPr>
-            <a:r>
-              <a:rPr sz="3300" b="0" dirty="0"/>
+          <a:bodyPr/>
+          <a:lstStyle/>
+          <a:p>
+            <a:pPr lvl="0" indent="0" marL="0">
+              <a:buNone/>
+            </a:pPr>
+            <a:r>
+              <a:rPr/>
               <a:t>Dataset Description (continued)</a:t>
             </a:r>
           </a:p>
@@ -3301,29 +3287,22 @@
             <a:spLocks noGrp="1"/>
           </p:cNvSpPr>
           <p:nvPr>
-            <p:ph type="body" sz="half" idx="2"/>
-          </p:nvPr>
-        </p:nvSpPr>
-        <p:spPr>
-          <a:xfrm>
-            <a:off x="457201" y="1076326"/>
-            <a:ext cx="8329612" cy="438149"/>
-          </a:xfrm>
-        </p:spPr>
-        <p:txBody>
-          <a:bodyPr>
-            <a:normAutofit/>
-          </a:bodyPr>
-          <a:lstStyle/>
-          <a:p>
-            <a:pPr marL="0" lvl="0" indent="0">
+            <p:ph idx="2" sz="half" type="body"/>
+          </p:nvPr>
+        </p:nvSpPr>
+        <p:spPr/>
+        <p:txBody>
+          <a:bodyPr/>
+          <a:lstStyle/>
+          <a:p>
+            <a:pPr lvl="0" indent="0" marL="0">
               <a:spcBef>
                 <a:spcPts val="3000"/>
               </a:spcBef>
               <a:buNone/>
             </a:pPr>
             <a:r>
-              <a:rPr sz="1800" dirty="0"/>
+              <a:rPr b="1"/>
               <a:t>Derived Features</a:t>
             </a:r>
           </a:p>
@@ -3337,16 +3316,11 @@
           </p:cNvGraphicFramePr>
           <p:nvPr>
             <p:ph idx="1"/>
-            <p:extLst>
-              <p:ext uri="{D42A27DB-BD31-4B8C-83A1-F6EECF244321}">
-                <p14:modId xmlns:p14="http://schemas.microsoft.com/office/powerpoint/2010/main" val="83028288"/>
-              </p:ext>
-            </p:extLst>
           </p:nvPr>
         </p:nvGraphicFramePr>
         <p:xfrm>
-          <a:off x="2019300" y="1681044"/>
-          <a:ext cx="5105400" cy="2308860"/>
+          <a:off x="3568700" y="203200"/>
+          <a:ext cx="5105400" cy="4381500"/>
         </p:xfrm>
         <a:graphic>
           <a:graphicData uri="http://schemas.openxmlformats.org/drawingml/2006/table">
@@ -3355,20 +3329,8 @@
                 <a:tableStyleId>{5C22544A-7EE6-4342-B048-85BDC9FD1C3A}</a:tableStyleId>
               </a:tblPr>
               <a:tblGrid>
-                <a:gridCol w="2552700">
-                  <a:extLst>
-                    <a:ext uri="{9D8B030D-6E8A-4147-A177-3AD203B41FA5}">
-                      <a16:colId xmlns:a16="http://schemas.microsoft.com/office/drawing/2014/main" val="20000"/>
-                    </a:ext>
-                  </a:extLst>
-                </a:gridCol>
-                <a:gridCol w="2552700">
-                  <a:extLst>
-                    <a:ext uri="{9D8B030D-6E8A-4147-A177-3AD203B41FA5}">
-                      <a16:colId xmlns:a16="http://schemas.microsoft.com/office/drawing/2014/main" val="20001"/>
-                    </a:ext>
-                  </a:extLst>
-                </a:gridCol>
+                <a:gridCol w="2552700"/>
+                <a:gridCol w="2552700"/>
               </a:tblGrid>
               <a:tr h="0">
                 <a:tc>
@@ -3376,10 +3338,11 @@
                     <a:bodyPr/>
                     <a:lstStyle/>
                     <a:p>
-                      <a:pPr marL="0" lvl="0" indent="0" algn="l">
+                      <a:pPr lvl="0" indent="0" marL="0" algn="l">
                         <a:buNone/>
                       </a:pPr>
                       <a:r>
+                        <a:rPr/>
                         <a:t>Feature</a:t>
                       </a:r>
                     </a:p>
@@ -3391,21 +3354,17 @@
                     <a:bodyPr/>
                     <a:lstStyle/>
                     <a:p>
-                      <a:pPr marL="0" lvl="0" indent="0" algn="l">
+                      <a:pPr lvl="0" indent="0" marL="0" algn="l">
                         <a:buNone/>
                       </a:pPr>
                       <a:r>
+                        <a:rPr/>
                         <a:t>Definition</a:t>
                       </a:r>
                     </a:p>
                   </a:txBody>
                   <a:tcPr/>
                 </a:tc>
-                <a:extLst>
-                  <a:ext uri="{0D108BD9-81ED-4DB2-BD59-A6C34878D82A}">
-                    <a16:rowId xmlns:a16="http://schemas.microsoft.com/office/drawing/2014/main" val="10000"/>
-                  </a:ext>
-                </a:extLst>
               </a:tr>
               <a:tr h="0">
                 <a:tc>
@@ -3413,36 +3372,31 @@
                     <a:bodyPr/>
                     <a:lstStyle/>
                     <a:p>
-                      <a:pPr marL="0" lvl="0" indent="0" algn="l">
+                      <a:pPr lvl="0" indent="0" marL="0" algn="l">
                         <a:buNone/>
                       </a:pPr>
                       <a:r>
+                        <a:rPr/>
                         <a:t>Log Returns</a:t>
                       </a:r>
                     </a:p>
                   </a:txBody>
-                  <a:tcPr/>
                 </a:tc>
                 <a:tc>
                   <a:txBody>
                     <a:bodyPr/>
                     <a:lstStyle/>
                     <a:p>
-                      <a:pPr marL="0" lvl="0" indent="0" algn="l">
+                      <a:pPr lvl="0" indent="0" marL="0" algn="l">
                         <a:buNone/>
                       </a:pPr>
                       <a:r>
+                        <a:rPr/>
                         <a:t>ln(Price_t / Price_t-1) - ensures stationarity</a:t>
                       </a:r>
                     </a:p>
                   </a:txBody>
-                  <a:tcPr/>
                 </a:tc>
-                <a:extLst>
-                  <a:ext uri="{0D108BD9-81ED-4DB2-BD59-A6C34878D82A}">
-                    <a16:rowId xmlns:a16="http://schemas.microsoft.com/office/drawing/2014/main" val="10001"/>
-                  </a:ext>
-                </a:extLst>
               </a:tr>
               <a:tr h="0">
                 <a:tc>
@@ -3450,36 +3404,31 @@
                     <a:bodyPr/>
                     <a:lstStyle/>
                     <a:p>
-                      <a:pPr marL="0" lvl="0" indent="0" algn="l">
+                      <a:pPr lvl="0" indent="0" marL="0" algn="l">
                         <a:buNone/>
                       </a:pPr>
                       <a:r>
+                        <a:rPr/>
                         <a:t>Rolling Correlations</a:t>
                       </a:r>
                     </a:p>
                   </a:txBody>
-                  <a:tcPr/>
                 </a:tc>
                 <a:tc>
                   <a:txBody>
                     <a:bodyPr/>
                     <a:lstStyle/>
                     <a:p>
-                      <a:pPr marL="0" lvl="0" indent="0" algn="l">
+                      <a:pPr lvl="0" indent="0" marL="0" algn="l">
                         <a:buNone/>
                       </a:pPr>
                       <a:r>
+                        <a:rPr/>
                         <a:t>90-day rolling correlation between asset pairs</a:t>
                       </a:r>
                     </a:p>
                   </a:txBody>
-                  <a:tcPr/>
                 </a:tc>
-                <a:extLst>
-                  <a:ext uri="{0D108BD9-81ED-4DB2-BD59-A6C34878D82A}">
-                    <a16:rowId xmlns:a16="http://schemas.microsoft.com/office/drawing/2014/main" val="10002"/>
-                  </a:ext>
-                </a:extLst>
               </a:tr>
               <a:tr h="0">
                 <a:tc>
@@ -3487,36 +3436,31 @@
                     <a:bodyPr/>
                     <a:lstStyle/>
                     <a:p>
-                      <a:pPr marL="0" lvl="0" indent="0" algn="l">
+                      <a:pPr lvl="0" indent="0" marL="0" algn="l">
                         <a:buNone/>
                       </a:pPr>
                       <a:r>
+                        <a:rPr/>
                         <a:t>Rolling Volatility</a:t>
                       </a:r>
                     </a:p>
                   </a:txBody>
-                  <a:tcPr/>
                 </a:tc>
                 <a:tc>
                   <a:txBody>
                     <a:bodyPr/>
                     <a:lstStyle/>
                     <a:p>
-                      <a:pPr marL="0" lvl="0" indent="0" algn="l">
+                      <a:pPr lvl="0" indent="0" marL="0" algn="l">
                         <a:buNone/>
                       </a:pPr>
                       <a:r>
+                        <a:rPr/>
                         <a:t>30-day rolling standard deviation of returns</a:t>
                       </a:r>
                     </a:p>
                   </a:txBody>
-                  <a:tcPr/>
                 </a:tc>
-                <a:extLst>
-                  <a:ext uri="{0D108BD9-81ED-4DB2-BD59-A6C34878D82A}">
-                    <a16:rowId xmlns:a16="http://schemas.microsoft.com/office/drawing/2014/main" val="10003"/>
-                  </a:ext>
-                </a:extLst>
               </a:tr>
               <a:tr h="0">
                 <a:tc>
@@ -3524,37 +3468,31 @@
                     <a:bodyPr/>
                     <a:lstStyle/>
                     <a:p>
-                      <a:pPr marL="0" lvl="0" indent="0" algn="l">
+                      <a:pPr lvl="0" indent="0" marL="0" algn="l">
                         <a:buNone/>
                       </a:pPr>
                       <a:r>
+                        <a:rPr/>
                         <a:t>Normalized Prices</a:t>
                       </a:r>
                     </a:p>
                   </a:txBody>
-                  <a:tcPr/>
                 </a:tc>
                 <a:tc>
                   <a:txBody>
                     <a:bodyPr/>
                     <a:lstStyle/>
                     <a:p>
-                      <a:pPr marL="0" lvl="0" indent="0" algn="l">
+                      <a:pPr lvl="0" indent="0" marL="0" algn="l">
                         <a:buNone/>
                       </a:pPr>
                       <a:r>
-                        <a:rPr dirty="0"/>
+                        <a:rPr/>
                         <a:t>Price normalized to base 100 at start date</a:t>
                       </a:r>
                     </a:p>
                   </a:txBody>
-                  <a:tcPr/>
                 </a:tc>
-                <a:extLst>
-                  <a:ext uri="{0D108BD9-81ED-4DB2-BD59-A6C34878D82A}">
-                    <a16:rowId xmlns:a16="http://schemas.microsoft.com/office/drawing/2014/main" val="10004"/>
-                  </a:ext>
-                </a:extLst>
               </a:tr>
             </a:tbl>
           </a:graphicData>
@@ -3562,9 +3500,6 @@
       </p:graphicFrame>
     </p:spTree>
   </p:cSld>
-  <p:clrMapOvr>
-    <a:masterClrMapping/>
-  </p:clrMapOvr>
 </p:sld>
 </file>
 
@@ -3600,11 +3535,11 @@
           <a:bodyPr/>
           <a:lstStyle/>
           <a:p>
-            <a:pPr marL="0" lvl="0" indent="0">
-              <a:buNone/>
-            </a:pPr>
-            <a:r>
-              <a:rPr dirty="0"/>
+            <a:pPr lvl="0" indent="0" marL="0">
+              <a:buNone/>
+            </a:pPr>
+            <a:r>
+              <a:rPr/>
               <a:t>Dataset Description (continued)</a:t>
             </a:r>
           </a:p>
@@ -3622,91 +3557,89 @@
         </p:nvSpPr>
         <p:spPr/>
         <p:txBody>
-          <a:bodyPr>
-            <a:normAutofit/>
-          </a:bodyPr>
-          <a:lstStyle/>
-          <a:p>
-            <a:pPr marL="0" lvl="0" indent="0">
+          <a:bodyPr/>
+          <a:lstStyle/>
+          <a:p>
+            <a:pPr lvl="0" indent="0" marL="0">
               <a:spcBef>
                 <a:spcPts val="3000"/>
               </a:spcBef>
               <a:buNone/>
             </a:pPr>
             <a:r>
-              <a:rPr sz="2000" b="1" dirty="0"/>
+              <a:rPr b="1"/>
               <a:t>Preprocessing Steps</a:t>
             </a:r>
           </a:p>
           <a:p>
-            <a:pPr marL="342900" lvl="0" indent="-342900">
+            <a:pPr lvl="0" indent="-342900" marL="342900">
               <a:buAutoNum type="arabicPeriod"/>
             </a:pPr>
             <a:r>
-              <a:rPr sz="2000" b="1" dirty="0"/>
+              <a:rPr b="1"/>
               <a:t>Handle missing values:</a:t>
             </a:r>
             <a:r>
-              <a:rPr sz="2000" dirty="0"/>
+              <a:rPr/>
               <a:t> Forward-fill for commodity weekend gaps</a:t>
             </a:r>
           </a:p>
           <a:p>
             <a:pPr lvl="1"/>
             <a:r>
-              <a:rPr sz="2000" dirty="0"/>
+              <a:rPr/>
               <a:t>Crypto trades 24/7, commodities trade weekdays only</a:t>
             </a:r>
           </a:p>
           <a:p>
-            <a:pPr marL="342900" lvl="0" indent="-342900">
+            <a:pPr lvl="0" indent="-342900" marL="342900">
               <a:buAutoNum type="arabicPeriod"/>
             </a:pPr>
             <a:r>
-              <a:rPr sz="2000" b="1" dirty="0"/>
+              <a:rPr b="1"/>
               <a:t>Align trading calendars:</a:t>
             </a:r>
             <a:r>
-              <a:rPr sz="2000" dirty="0"/>
+              <a:rPr/>
               <a:t> Merge on common dates</a:t>
             </a:r>
           </a:p>
           <a:p>
-            <a:pPr marL="342900" lvl="0" indent="-342900">
+            <a:pPr lvl="0" indent="-342900" marL="342900">
               <a:buAutoNum type="arabicPeriod"/>
             </a:pPr>
             <a:r>
-              <a:rPr sz="2000" b="1" dirty="0"/>
+              <a:rPr b="1"/>
               <a:t>Use adjusted closing prices:</a:t>
             </a:r>
             <a:r>
-              <a:rPr sz="2000" dirty="0"/>
+              <a:rPr/>
               <a:t> Accounts for corporate actions</a:t>
             </a:r>
           </a:p>
           <a:p>
-            <a:pPr marL="342900" lvl="0" indent="-342900">
+            <a:pPr lvl="0" indent="-342900" marL="342900">
               <a:buAutoNum type="arabicPeriod"/>
             </a:pPr>
             <a:r>
-              <a:rPr sz="2000" b="1" dirty="0"/>
+              <a:rPr b="1"/>
               <a:t>Calculate log returns:</a:t>
             </a:r>
             <a:r>
-              <a:rPr sz="2000" dirty="0"/>
+              <a:rPr/>
               <a:t> Ensures stationarity for correlation analysis</a:t>
             </a:r>
           </a:p>
           <a:p>
-            <a:pPr marL="342900" lvl="0" indent="-342900">
+            <a:pPr lvl="0" indent="-342900" marL="342900">
               <a:buAutoNum type="arabicPeriod"/>
             </a:pPr>
             <a:r>
-              <a:rPr sz="2000" b="1" dirty="0"/>
+              <a:rPr b="1"/>
               <a:t>Identify outliers:</a:t>
             </a:r>
             <a:r>
-              <a:rPr sz="2000" dirty="0"/>
+              <a:rPr/>
               <a:t> Document extreme price movements</a:t>
             </a:r>
           </a:p>
@@ -3714,9 +3647,6 @@
       </p:sp>
     </p:spTree>
   </p:cSld>
-  <p:clrMapOvr>
-    <a:masterClrMapping/>
-  </p:clrMapOvr>
 </p:sld>
 </file>
 
@@ -3752,547 +3682,18 @@
           <a:bodyPr/>
           <a:lstStyle/>
           <a:p>
-            <a:pPr marL="0" lvl="0" indent="0">
-              <a:buNone/>
-            </a:pPr>
-            <a:r>
-              <a:rPr dirty="0"/>
+            <a:pPr lvl="0" indent="0" marL="0">
+              <a:buNone/>
+            </a:pPr>
+            <a:r>
+              <a:rPr/>
               <a:t>Summary Statistics</a:t>
-            </a:r>
-          </a:p>
-        </p:txBody>
-      </p:sp>
-      <p:graphicFrame>
-        <p:nvGraphicFramePr>
-          <p:cNvPr id="6" name="Content Placeholder 5"/>
-          <p:cNvGraphicFramePr>
-            <a:graphicFrameLocks noGrp="1"/>
-          </p:cNvGraphicFramePr>
-          <p:nvPr>
-            <p:ph idx="1"/>
-            <p:extLst>
-              <p:ext uri="{D42A27DB-BD31-4B8C-83A1-F6EECF244321}">
-                <p14:modId xmlns:p14="http://schemas.microsoft.com/office/powerpoint/2010/main" val="3186386774"/>
-              </p:ext>
-            </p:extLst>
-          </p:nvPr>
-        </p:nvGraphicFramePr>
-        <p:xfrm>
-          <a:off x="476250" y="1828800"/>
-          <a:ext cx="8191500" cy="1485900"/>
-        </p:xfrm>
-        <a:graphic>
-          <a:graphicData uri="http://schemas.openxmlformats.org/drawingml/2006/table">
-            <a:tbl>
-              <a:tblPr firstRow="1" bandRow="1">
-                <a:tableStyleId>{5C22544A-7EE6-4342-B048-85BDC9FD1C3A}</a:tableStyleId>
-              </a:tblPr>
-              <a:tblGrid>
-                <a:gridCol w="1638300">
-                  <a:extLst>
-                    <a:ext uri="{9D8B030D-6E8A-4147-A177-3AD203B41FA5}">
-                      <a16:colId xmlns:a16="http://schemas.microsoft.com/office/drawing/2014/main" val="20000"/>
-                    </a:ext>
-                  </a:extLst>
-                </a:gridCol>
-                <a:gridCol w="1638300">
-                  <a:extLst>
-                    <a:ext uri="{9D8B030D-6E8A-4147-A177-3AD203B41FA5}">
-                      <a16:colId xmlns:a16="http://schemas.microsoft.com/office/drawing/2014/main" val="20001"/>
-                    </a:ext>
-                  </a:extLst>
-                </a:gridCol>
-                <a:gridCol w="1638300">
-                  <a:extLst>
-                    <a:ext uri="{9D8B030D-6E8A-4147-A177-3AD203B41FA5}">
-                      <a16:colId xmlns:a16="http://schemas.microsoft.com/office/drawing/2014/main" val="20002"/>
-                    </a:ext>
-                  </a:extLst>
-                </a:gridCol>
-                <a:gridCol w="1638300">
-                  <a:extLst>
-                    <a:ext uri="{9D8B030D-6E8A-4147-A177-3AD203B41FA5}">
-                      <a16:colId xmlns:a16="http://schemas.microsoft.com/office/drawing/2014/main" val="20003"/>
-                    </a:ext>
-                  </a:extLst>
-                </a:gridCol>
-                <a:gridCol w="1638300">
-                  <a:extLst>
-                    <a:ext uri="{9D8B030D-6E8A-4147-A177-3AD203B41FA5}">
-                      <a16:colId xmlns:a16="http://schemas.microsoft.com/office/drawing/2014/main" val="20004"/>
-                    </a:ext>
-                  </a:extLst>
-                </a:gridCol>
-              </a:tblGrid>
-              <a:tr h="0">
-                <a:tc>
-                  <a:txBody>
-                    <a:bodyPr/>
-                    <a:lstStyle/>
-                    <a:p>
-                      <a:pPr marL="0" lvl="0" indent="0" algn="l">
-                        <a:buNone/>
-                      </a:pPr>
-                      <a:r>
-                        <a:rPr dirty="0"/>
-                        <a:t>Asset</a:t>
-                      </a:r>
-                    </a:p>
-                  </a:txBody>
-                  <a:tcPr/>
-                </a:tc>
-                <a:tc>
-                  <a:txBody>
-                    <a:bodyPr/>
-                    <a:lstStyle/>
-                    <a:p>
-                      <a:pPr marL="0" lvl="0" indent="0" algn="r">
-                        <a:buNone/>
-                      </a:pPr>
-                      <a:r>
-                        <a:t>Mean Return (%)</a:t>
-                      </a:r>
-                    </a:p>
-                  </a:txBody>
-                  <a:tcPr/>
-                </a:tc>
-                <a:tc>
-                  <a:txBody>
-                    <a:bodyPr/>
-                    <a:lstStyle/>
-                    <a:p>
-                      <a:pPr marL="0" lvl="0" indent="0" algn="r">
-                        <a:buNone/>
-                      </a:pPr>
-                      <a:r>
-                        <a:t>Std Dev (%)</a:t>
-                      </a:r>
-                    </a:p>
-                  </a:txBody>
-                  <a:tcPr/>
-                </a:tc>
-                <a:tc>
-                  <a:txBody>
-                    <a:bodyPr/>
-                    <a:lstStyle/>
-                    <a:p>
-                      <a:pPr marL="0" lvl="0" indent="0" algn="r">
-                        <a:buNone/>
-                      </a:pPr>
-                      <a:r>
-                        <a:t>Skewness</a:t>
-                      </a:r>
-                    </a:p>
-                  </a:txBody>
-                  <a:tcPr/>
-                </a:tc>
-                <a:tc>
-                  <a:txBody>
-                    <a:bodyPr/>
-                    <a:lstStyle/>
-                    <a:p>
-                      <a:pPr marL="0" lvl="0" indent="0" algn="r">
-                        <a:buNone/>
-                      </a:pPr>
-                      <a:r>
-                        <a:t>Kurtosis</a:t>
-                      </a:r>
-                    </a:p>
-                  </a:txBody>
-                  <a:tcPr/>
-                </a:tc>
-                <a:extLst>
-                  <a:ext uri="{0D108BD9-81ED-4DB2-BD59-A6C34878D82A}">
-                    <a16:rowId xmlns:a16="http://schemas.microsoft.com/office/drawing/2014/main" val="10000"/>
-                  </a:ext>
-                </a:extLst>
-              </a:tr>
-              <a:tr h="0">
-                <a:tc>
-                  <a:txBody>
-                    <a:bodyPr/>
-                    <a:lstStyle/>
-                    <a:p>
-                      <a:pPr marL="0" lvl="0" indent="0" algn="l">
-                        <a:buNone/>
-                      </a:pPr>
-                      <a:r>
-                        <a:t>Bitcoin</a:t>
-                      </a:r>
-                    </a:p>
-                  </a:txBody>
-                  <a:tcPr/>
-                </a:tc>
-                <a:tc>
-                  <a:txBody>
-                    <a:bodyPr/>
-                    <a:lstStyle/>
-                    <a:p>
-                      <a:pPr marL="0" lvl="0" indent="0" algn="r">
-                        <a:buNone/>
-                      </a:pPr>
-                      <a:r>
-                        <a:t>0.13</a:t>
-                      </a:r>
-                    </a:p>
-                  </a:txBody>
-                  <a:tcPr/>
-                </a:tc>
-                <a:tc>
-                  <a:txBody>
-                    <a:bodyPr/>
-                    <a:lstStyle/>
-                    <a:p>
-                      <a:pPr marL="0" lvl="0" indent="0" algn="r">
-                        <a:buNone/>
-                      </a:pPr>
-                      <a:r>
-                        <a:t>3.45</a:t>
-                      </a:r>
-                    </a:p>
-                  </a:txBody>
-                  <a:tcPr/>
-                </a:tc>
-                <a:tc>
-                  <a:txBody>
-                    <a:bodyPr/>
-                    <a:lstStyle/>
-                    <a:p>
-                      <a:pPr marL="0" lvl="0" indent="0" algn="r">
-                        <a:buNone/>
-                      </a:pPr>
-                      <a:r>
-                        <a:t>-1.43</a:t>
-                      </a:r>
-                    </a:p>
-                  </a:txBody>
-                  <a:tcPr/>
-                </a:tc>
-                <a:tc>
-                  <a:txBody>
-                    <a:bodyPr/>
-                    <a:lstStyle/>
-                    <a:p>
-                      <a:pPr marL="0" lvl="0" indent="0" algn="r">
-                        <a:buNone/>
-                      </a:pPr>
-                      <a:r>
-                        <a:t>21.49</a:t>
-                      </a:r>
-                    </a:p>
-                  </a:txBody>
-                  <a:tcPr/>
-                </a:tc>
-                <a:extLst>
-                  <a:ext uri="{0D108BD9-81ED-4DB2-BD59-A6C34878D82A}">
-                    <a16:rowId xmlns:a16="http://schemas.microsoft.com/office/drawing/2014/main" val="10001"/>
-                  </a:ext>
-                </a:extLst>
-              </a:tr>
-              <a:tr h="0">
-                <a:tc>
-                  <a:txBody>
-                    <a:bodyPr/>
-                    <a:lstStyle/>
-                    <a:p>
-                      <a:pPr marL="0" lvl="0" indent="0" algn="l">
-                        <a:buNone/>
-                      </a:pPr>
-                      <a:r>
-                        <a:t>Ethereum</a:t>
-                      </a:r>
-                    </a:p>
-                  </a:txBody>
-                  <a:tcPr/>
-                </a:tc>
-                <a:tc>
-                  <a:txBody>
-                    <a:bodyPr/>
-                    <a:lstStyle/>
-                    <a:p>
-                      <a:pPr marL="0" lvl="0" indent="0" algn="r">
-                        <a:buNone/>
-                      </a:pPr>
-                      <a:r>
-                        <a:t>0.17</a:t>
-                      </a:r>
-                    </a:p>
-                  </a:txBody>
-                  <a:tcPr/>
-                </a:tc>
-                <a:tc>
-                  <a:txBody>
-                    <a:bodyPr/>
-                    <a:lstStyle/>
-                    <a:p>
-                      <a:pPr marL="0" lvl="0" indent="0" algn="r">
-                        <a:buNone/>
-                      </a:pPr>
-                      <a:r>
-                        <a:t>4.46</a:t>
-                      </a:r>
-                    </a:p>
-                  </a:txBody>
-                  <a:tcPr/>
-                </a:tc>
-                <a:tc>
-                  <a:txBody>
-                    <a:bodyPr/>
-                    <a:lstStyle/>
-                    <a:p>
-                      <a:pPr marL="0" lvl="0" indent="0" algn="r">
-                        <a:buNone/>
-                      </a:pPr>
-                      <a:r>
-                        <a:t>-1.28</a:t>
-                      </a:r>
-                    </a:p>
-                  </a:txBody>
-                  <a:tcPr/>
-                </a:tc>
-                <a:tc>
-                  <a:txBody>
-                    <a:bodyPr/>
-                    <a:lstStyle/>
-                    <a:p>
-                      <a:pPr marL="0" lvl="0" indent="0" algn="r">
-                        <a:buNone/>
-                      </a:pPr>
-                      <a:r>
-                        <a:t>17.26</a:t>
-                      </a:r>
-                    </a:p>
-                  </a:txBody>
-                  <a:tcPr/>
-                </a:tc>
-                <a:extLst>
-                  <a:ext uri="{0D108BD9-81ED-4DB2-BD59-A6C34878D82A}">
-                    <a16:rowId xmlns:a16="http://schemas.microsoft.com/office/drawing/2014/main" val="10002"/>
-                  </a:ext>
-                </a:extLst>
-              </a:tr>
-              <a:tr h="0">
-                <a:tc>
-                  <a:txBody>
-                    <a:bodyPr/>
-                    <a:lstStyle/>
-                    <a:p>
-                      <a:pPr marL="0" lvl="0" indent="0" algn="l">
-                        <a:buNone/>
-                      </a:pPr>
-                      <a:r>
-                        <a:t>Gold</a:t>
-                      </a:r>
-                    </a:p>
-                  </a:txBody>
-                  <a:tcPr/>
-                </a:tc>
-                <a:tc>
-                  <a:txBody>
-                    <a:bodyPr/>
-                    <a:lstStyle/>
-                    <a:p>
-                      <a:pPr marL="0" lvl="0" indent="0" algn="r">
-                        <a:buNone/>
-                      </a:pPr>
-                      <a:r>
-                        <a:t>0.03</a:t>
-                      </a:r>
-                    </a:p>
-                  </a:txBody>
-                  <a:tcPr/>
-                </a:tc>
-                <a:tc>
-                  <a:txBody>
-                    <a:bodyPr/>
-                    <a:lstStyle/>
-                    <a:p>
-                      <a:pPr marL="0" lvl="0" indent="0" algn="r">
-                        <a:buNone/>
-                      </a:pPr>
-                      <a:r>
-                        <a:t>0.85</a:t>
-                      </a:r>
-                    </a:p>
-                  </a:txBody>
-                  <a:tcPr/>
-                </a:tc>
-                <a:tc>
-                  <a:txBody>
-                    <a:bodyPr/>
-                    <a:lstStyle/>
-                    <a:p>
-                      <a:pPr marL="0" lvl="0" indent="0" algn="r">
-                        <a:buNone/>
-                      </a:pPr>
-                      <a:r>
-                        <a:t>-0.28</a:t>
-                      </a:r>
-                    </a:p>
-                  </a:txBody>
-                  <a:tcPr/>
-                </a:tc>
-                <a:tc>
-                  <a:txBody>
-                    <a:bodyPr/>
-                    <a:lstStyle/>
-                    <a:p>
-                      <a:pPr marL="0" lvl="0" indent="0" algn="r">
-                        <a:buNone/>
-                      </a:pPr>
-                      <a:r>
-                        <a:t>6.74</a:t>
-                      </a:r>
-                    </a:p>
-                  </a:txBody>
-                  <a:tcPr/>
-                </a:tc>
-                <a:extLst>
-                  <a:ext uri="{0D108BD9-81ED-4DB2-BD59-A6C34878D82A}">
-                    <a16:rowId xmlns:a16="http://schemas.microsoft.com/office/drawing/2014/main" val="10003"/>
-                  </a:ext>
-                </a:extLst>
-              </a:tr>
-              <a:tr h="0">
-                <a:tc>
-                  <a:txBody>
-                    <a:bodyPr/>
-                    <a:lstStyle/>
-                    <a:p>
-                      <a:pPr marL="0" lvl="0" indent="0" algn="l">
-                        <a:buNone/>
-                      </a:pPr>
-                      <a:r>
-                        <a:t>Crude Oil</a:t>
-                      </a:r>
-                    </a:p>
-                  </a:txBody>
-                  <a:tcPr/>
-                </a:tc>
-                <a:tc>
-                  <a:txBody>
-                    <a:bodyPr/>
-                    <a:lstStyle/>
-                    <a:p>
-                      <a:pPr marL="0" lvl="0" indent="0" algn="r">
-                        <a:buNone/>
-                      </a:pPr>
-                      <a:r>
-                        <a:t>0.01</a:t>
-                      </a:r>
-                    </a:p>
-                  </a:txBody>
-                  <a:tcPr/>
-                </a:tc>
-                <a:tc>
-                  <a:txBody>
-                    <a:bodyPr/>
-                    <a:lstStyle/>
-                    <a:p>
-                      <a:pPr marL="0" lvl="0" indent="0" algn="r">
-                        <a:buNone/>
-                      </a:pPr>
-                      <a:r>
-                        <a:t>3.19</a:t>
-                      </a:r>
-                    </a:p>
-                  </a:txBody>
-                  <a:tcPr/>
-                </a:tc>
-                <a:tc>
-                  <a:txBody>
-                    <a:bodyPr/>
-                    <a:lstStyle/>
-                    <a:p>
-                      <a:pPr marL="0" lvl="0" indent="0" algn="r">
-                        <a:buNone/>
-                      </a:pPr>
-                      <a:r>
-                        <a:t>-3.80</a:t>
-                      </a:r>
-                    </a:p>
-                  </a:txBody>
-                  <a:tcPr/>
-                </a:tc>
-                <a:tc>
-                  <a:txBody>
-                    <a:bodyPr/>
-                    <a:lstStyle/>
-                    <a:p>
-                      <a:pPr marL="0" lvl="0" indent="0" algn="r">
-                        <a:buNone/>
-                      </a:pPr>
-                      <a:r>
-                        <a:rPr dirty="0"/>
-                        <a:t>94.45</a:t>
-                      </a:r>
-                    </a:p>
-                  </a:txBody>
-                  <a:tcPr/>
-                </a:tc>
-                <a:extLst>
-                  <a:ext uri="{0D108BD9-81ED-4DB2-BD59-A6C34878D82A}">
-                    <a16:rowId xmlns:a16="http://schemas.microsoft.com/office/drawing/2014/main" val="10004"/>
-                  </a:ext>
-                </a:extLst>
-              </a:tr>
-            </a:tbl>
-          </a:graphicData>
-        </a:graphic>
-      </p:graphicFrame>
-      <p:sp>
-        <p:nvSpPr>
-          <p:cNvPr id="3" name="Title 1"/>
-          <p:cNvSpPr txBox="1">
-            <a:spLocks/>
-          </p:cNvSpPr>
-          <p:nvPr/>
-        </p:nvSpPr>
-        <p:spPr>
-          <a:xfrm>
-            <a:off x="542925" y="787004"/>
-            <a:ext cx="8229600" cy="857250"/>
-          </a:xfrm>
-          <a:prstGeom prst="rect">
-            <a:avLst/>
-          </a:prstGeom>
-        </p:spPr>
-        <p:txBody>
-          <a:bodyPr vert="horz" lIns="91440" tIns="45720" rIns="91440" bIns="45720" rtlCol="0" anchor="ctr">
-            <a:normAutofit/>
-          </a:bodyPr>
-          <a:lstStyle>
-            <a:lvl1pPr algn="ctr" defTabSz="342900" rtl="0" eaLnBrk="1" latinLnBrk="0" hangingPunct="1">
-              <a:spcBef>
-                <a:spcPct val="0"/>
-              </a:spcBef>
-              <a:buNone/>
-              <a:defRPr sz="3300" kern="1200">
-                <a:solidFill>
-                  <a:schemeClr val="tx1"/>
-                </a:solidFill>
-                <a:latin typeface="+mj-lt"/>
-                <a:ea typeface="+mj-ea"/>
-                <a:cs typeface="+mj-cs"/>
-              </a:defRPr>
-            </a:lvl1pPr>
-          </a:lstStyle>
-          <a:p>
-            <a:pPr algn="l"/>
-            <a:r>
-              <a:rPr lang="en-US" sz="1800" dirty="0">
-                <a:latin typeface="+mn-lt"/>
-              </a:rPr>
-              <a:t>Descriptive Statistics for Daily Returns</a:t>
             </a:r>
           </a:p>
         </p:txBody>
       </p:sp>
     </p:spTree>
   </p:cSld>
-  <p:clrMapOvr>
-    <a:masterClrMapping/>
-  </p:clrMapOvr>
 </p:sld>
 </file>
 
@@ -4328,76 +3729,439 @@
           <a:bodyPr/>
           <a:lstStyle/>
           <a:p>
-            <a:pPr marL="0" lvl="0" indent="0">
-              <a:buNone/>
-            </a:pPr>
-            <a:r>
-              <a:t>Summary Statistics - Key Observations</a:t>
-            </a:r>
-          </a:p>
-        </p:txBody>
-      </p:sp>
-      <p:sp>
-        <p:nvSpPr>
-          <p:cNvPr id="3" name="Content Placeholder 2"/>
-          <p:cNvSpPr>
-            <a:spLocks noGrp="1"/>
-          </p:cNvSpPr>
+            <a:pPr lvl="0" indent="0" marL="0">
+              <a:buNone/>
+            </a:pPr>
+            <a:r>
+              <a:rPr/>
+              <a:t>Descriptive Statistics for Daily Returns</a:t>
+            </a:r>
+          </a:p>
+        </p:txBody>
+      </p:sp>
+      <p:graphicFrame>
+        <p:nvGraphicFramePr>
+          <p:cNvPr id="6" name="Content Placeholder 5"/>
+          <p:cNvGraphicFramePr>
+            <a:graphicFrameLocks noGrp="1"/>
+          </p:cNvGraphicFramePr>
           <p:nvPr>
             <p:ph idx="1"/>
           </p:nvPr>
-        </p:nvSpPr>
-        <p:spPr/>
-        <p:txBody>
-          <a:bodyPr>
-            <a:normAutofit/>
-          </a:bodyPr>
-          <a:lstStyle/>
-          <a:p>
-            <a:pPr marL="0" lvl="0" indent="0">
-              <a:spcBef>
-                <a:spcPts val="3000"/>
-              </a:spcBef>
-              <a:buNone/>
-            </a:pPr>
-            <a:r>
-              <a:rPr sz="2000" b="1" dirty="0"/>
-              <a:t>Volatility Hierarchy</a:t>
-            </a:r>
-          </a:p>
-          <a:p>
-            <a:pPr marL="0" lvl="0" indent="0">
-              <a:buNone/>
-            </a:pPr>
-            <a:r>
-              <a:rPr sz="2000" b="1" dirty="0"/>
-              <a:t>Cryptocurrencies:</a:t>
-            </a:r>
-            <a:r>
-              <a:rPr sz="2000" dirty="0"/>
-              <a:t> 3-4x higher volatility than commodities - Bitcoin: 3.45% | Ethereum: 4.46%</a:t>
-            </a:r>
-          </a:p>
-          <a:p>
-            <a:pPr marL="0" lvl="0" indent="0">
-              <a:buNone/>
-            </a:pPr>
-            <a:r>
-              <a:rPr sz="2000" b="1" dirty="0"/>
-              <a:t>Commodities:</a:t>
-            </a:r>
-            <a:r>
-              <a:rPr sz="2000" dirty="0"/>
-              <a:t> Lower volatility - Gold: 0.85% | Oil: 3.19%</a:t>
-            </a:r>
-          </a:p>
-        </p:txBody>
-      </p:sp>
+        </p:nvGraphicFramePr>
+        <p:xfrm>
+          <a:off x="457200" y="1193800"/>
+          <a:ext cx="8229600" cy="3390900"/>
+        </p:xfrm>
+        <a:graphic>
+          <a:graphicData uri="http://schemas.openxmlformats.org/drawingml/2006/table">
+            <a:tbl>
+              <a:tblPr firstRow="1" bandRow="1">
+                <a:tableStyleId>{5C22544A-7EE6-4342-B048-85BDC9FD1C3A}</a:tableStyleId>
+              </a:tblPr>
+              <a:tblGrid>
+                <a:gridCol w="1638300"/>
+                <a:gridCol w="1638300"/>
+                <a:gridCol w="1638300"/>
+                <a:gridCol w="1638300"/>
+                <a:gridCol w="1638300"/>
+              </a:tblGrid>
+              <a:tr h="0">
+                <a:tc>
+                  <a:txBody>
+                    <a:bodyPr/>
+                    <a:lstStyle/>
+                    <a:p>
+                      <a:pPr lvl="0" indent="0" marL="0" algn="l">
+                        <a:buNone/>
+                      </a:pPr>
+                      <a:r>
+                        <a:rPr/>
+                        <a:t>Asset</a:t>
+                      </a:r>
+                    </a:p>
+                  </a:txBody>
+                  <a:tcPr/>
+                </a:tc>
+                <a:tc>
+                  <a:txBody>
+                    <a:bodyPr/>
+                    <a:lstStyle/>
+                    <a:p>
+                      <a:pPr lvl="0" indent="0" marL="0" algn="r">
+                        <a:buNone/>
+                      </a:pPr>
+                      <a:r>
+                        <a:rPr/>
+                        <a:t>Mean Return (%)</a:t>
+                      </a:r>
+                    </a:p>
+                  </a:txBody>
+                  <a:tcPr/>
+                </a:tc>
+                <a:tc>
+                  <a:txBody>
+                    <a:bodyPr/>
+                    <a:lstStyle/>
+                    <a:p>
+                      <a:pPr lvl="0" indent="0" marL="0" algn="r">
+                        <a:buNone/>
+                      </a:pPr>
+                      <a:r>
+                        <a:rPr/>
+                        <a:t>Std Dev (%)</a:t>
+                      </a:r>
+                    </a:p>
+                  </a:txBody>
+                  <a:tcPr/>
+                </a:tc>
+                <a:tc>
+                  <a:txBody>
+                    <a:bodyPr/>
+                    <a:lstStyle/>
+                    <a:p>
+                      <a:pPr lvl="0" indent="0" marL="0" algn="r">
+                        <a:buNone/>
+                      </a:pPr>
+                      <a:r>
+                        <a:rPr/>
+                        <a:t>Skewness</a:t>
+                      </a:r>
+                    </a:p>
+                  </a:txBody>
+                  <a:tcPr/>
+                </a:tc>
+                <a:tc>
+                  <a:txBody>
+                    <a:bodyPr/>
+                    <a:lstStyle/>
+                    <a:p>
+                      <a:pPr lvl="0" indent="0" marL="0" algn="r">
+                        <a:buNone/>
+                      </a:pPr>
+                      <a:r>
+                        <a:rPr/>
+                        <a:t>Kurtosis</a:t>
+                      </a:r>
+                    </a:p>
+                  </a:txBody>
+                  <a:tcPr/>
+                </a:tc>
+              </a:tr>
+              <a:tr h="0">
+                <a:tc>
+                  <a:txBody>
+                    <a:bodyPr/>
+                    <a:lstStyle/>
+                    <a:p>
+                      <a:pPr lvl="0" indent="0" marL="0" algn="l">
+                        <a:buNone/>
+                      </a:pPr>
+                      <a:r>
+                        <a:rPr/>
+                        <a:t>Bitcoin</a:t>
+                      </a:r>
+                    </a:p>
+                  </a:txBody>
+                </a:tc>
+                <a:tc>
+                  <a:txBody>
+                    <a:bodyPr/>
+                    <a:lstStyle/>
+                    <a:p>
+                      <a:pPr lvl="0" indent="0" marL="0" algn="r">
+                        <a:buNone/>
+                      </a:pPr>
+                      <a:r>
+                        <a:rPr/>
+                        <a:t>0.13</a:t>
+                      </a:r>
+                    </a:p>
+                  </a:txBody>
+                </a:tc>
+                <a:tc>
+                  <a:txBody>
+                    <a:bodyPr/>
+                    <a:lstStyle/>
+                    <a:p>
+                      <a:pPr lvl="0" indent="0" marL="0" algn="r">
+                        <a:buNone/>
+                      </a:pPr>
+                      <a:r>
+                        <a:rPr/>
+                        <a:t>3.45</a:t>
+                      </a:r>
+                    </a:p>
+                  </a:txBody>
+                </a:tc>
+                <a:tc>
+                  <a:txBody>
+                    <a:bodyPr/>
+                    <a:lstStyle/>
+                    <a:p>
+                      <a:pPr lvl="0" indent="0" marL="0" algn="r">
+                        <a:buNone/>
+                      </a:pPr>
+                      <a:r>
+                        <a:rPr/>
+                        <a:t>-1.43</a:t>
+                      </a:r>
+                    </a:p>
+                  </a:txBody>
+                </a:tc>
+                <a:tc>
+                  <a:txBody>
+                    <a:bodyPr/>
+                    <a:lstStyle/>
+                    <a:p>
+                      <a:pPr lvl="0" indent="0" marL="0" algn="r">
+                        <a:buNone/>
+                      </a:pPr>
+                      <a:r>
+                        <a:rPr/>
+                        <a:t>21.49</a:t>
+                      </a:r>
+                    </a:p>
+                  </a:txBody>
+                </a:tc>
+              </a:tr>
+              <a:tr h="0">
+                <a:tc>
+                  <a:txBody>
+                    <a:bodyPr/>
+                    <a:lstStyle/>
+                    <a:p>
+                      <a:pPr lvl="0" indent="0" marL="0" algn="l">
+                        <a:buNone/>
+                      </a:pPr>
+                      <a:r>
+                        <a:rPr/>
+                        <a:t>Ethereum</a:t>
+                      </a:r>
+                    </a:p>
+                  </a:txBody>
+                </a:tc>
+                <a:tc>
+                  <a:txBody>
+                    <a:bodyPr/>
+                    <a:lstStyle/>
+                    <a:p>
+                      <a:pPr lvl="0" indent="0" marL="0" algn="r">
+                        <a:buNone/>
+                      </a:pPr>
+                      <a:r>
+                        <a:rPr/>
+                        <a:t>0.17</a:t>
+                      </a:r>
+                    </a:p>
+                  </a:txBody>
+                </a:tc>
+                <a:tc>
+                  <a:txBody>
+                    <a:bodyPr/>
+                    <a:lstStyle/>
+                    <a:p>
+                      <a:pPr lvl="0" indent="0" marL="0" algn="r">
+                        <a:buNone/>
+                      </a:pPr>
+                      <a:r>
+                        <a:rPr/>
+                        <a:t>4.46</a:t>
+                      </a:r>
+                    </a:p>
+                  </a:txBody>
+                </a:tc>
+                <a:tc>
+                  <a:txBody>
+                    <a:bodyPr/>
+                    <a:lstStyle/>
+                    <a:p>
+                      <a:pPr lvl="0" indent="0" marL="0" algn="r">
+                        <a:buNone/>
+                      </a:pPr>
+                      <a:r>
+                        <a:rPr/>
+                        <a:t>-1.28</a:t>
+                      </a:r>
+                    </a:p>
+                  </a:txBody>
+                </a:tc>
+                <a:tc>
+                  <a:txBody>
+                    <a:bodyPr/>
+                    <a:lstStyle/>
+                    <a:p>
+                      <a:pPr lvl="0" indent="0" marL="0" algn="r">
+                        <a:buNone/>
+                      </a:pPr>
+                      <a:r>
+                        <a:rPr/>
+                        <a:t>17.26</a:t>
+                      </a:r>
+                    </a:p>
+                  </a:txBody>
+                </a:tc>
+              </a:tr>
+              <a:tr h="0">
+                <a:tc>
+                  <a:txBody>
+                    <a:bodyPr/>
+                    <a:lstStyle/>
+                    <a:p>
+                      <a:pPr lvl="0" indent="0" marL="0" algn="l">
+                        <a:buNone/>
+                      </a:pPr>
+                      <a:r>
+                        <a:rPr/>
+                        <a:t>Gold</a:t>
+                      </a:r>
+                    </a:p>
+                  </a:txBody>
+                </a:tc>
+                <a:tc>
+                  <a:txBody>
+                    <a:bodyPr/>
+                    <a:lstStyle/>
+                    <a:p>
+                      <a:pPr lvl="0" indent="0" marL="0" algn="r">
+                        <a:buNone/>
+                      </a:pPr>
+                      <a:r>
+                        <a:rPr/>
+                        <a:t>0.03</a:t>
+                      </a:r>
+                    </a:p>
+                  </a:txBody>
+                </a:tc>
+                <a:tc>
+                  <a:txBody>
+                    <a:bodyPr/>
+                    <a:lstStyle/>
+                    <a:p>
+                      <a:pPr lvl="0" indent="0" marL="0" algn="r">
+                        <a:buNone/>
+                      </a:pPr>
+                      <a:r>
+                        <a:rPr/>
+                        <a:t>0.85</a:t>
+                      </a:r>
+                    </a:p>
+                  </a:txBody>
+                </a:tc>
+                <a:tc>
+                  <a:txBody>
+                    <a:bodyPr/>
+                    <a:lstStyle/>
+                    <a:p>
+                      <a:pPr lvl="0" indent="0" marL="0" algn="r">
+                        <a:buNone/>
+                      </a:pPr>
+                      <a:r>
+                        <a:rPr/>
+                        <a:t>-0.28</a:t>
+                      </a:r>
+                    </a:p>
+                  </a:txBody>
+                </a:tc>
+                <a:tc>
+                  <a:txBody>
+                    <a:bodyPr/>
+                    <a:lstStyle/>
+                    <a:p>
+                      <a:pPr lvl="0" indent="0" marL="0" algn="r">
+                        <a:buNone/>
+                      </a:pPr>
+                      <a:r>
+                        <a:rPr/>
+                        <a:t>6.74</a:t>
+                      </a:r>
+                    </a:p>
+                  </a:txBody>
+                </a:tc>
+              </a:tr>
+              <a:tr h="0">
+                <a:tc>
+                  <a:txBody>
+                    <a:bodyPr/>
+                    <a:lstStyle/>
+                    <a:p>
+                      <a:pPr lvl="0" indent="0" marL="0" algn="l">
+                        <a:buNone/>
+                      </a:pPr>
+                      <a:r>
+                        <a:rPr/>
+                        <a:t>Crude Oil</a:t>
+                      </a:r>
+                    </a:p>
+                  </a:txBody>
+                </a:tc>
+                <a:tc>
+                  <a:txBody>
+                    <a:bodyPr/>
+                    <a:lstStyle/>
+                    <a:p>
+                      <a:pPr lvl="0" indent="0" marL="0" algn="r">
+                        <a:buNone/>
+                      </a:pPr>
+                      <a:r>
+                        <a:rPr/>
+                        <a:t>0.01</a:t>
+                      </a:r>
+                    </a:p>
+                  </a:txBody>
+                </a:tc>
+                <a:tc>
+                  <a:txBody>
+                    <a:bodyPr/>
+                    <a:lstStyle/>
+                    <a:p>
+                      <a:pPr lvl="0" indent="0" marL="0" algn="r">
+                        <a:buNone/>
+                      </a:pPr>
+                      <a:r>
+                        <a:rPr/>
+                        <a:t>3.19</a:t>
+                      </a:r>
+                    </a:p>
+                  </a:txBody>
+                </a:tc>
+                <a:tc>
+                  <a:txBody>
+                    <a:bodyPr/>
+                    <a:lstStyle/>
+                    <a:p>
+                      <a:pPr lvl="0" indent="0" marL="0" algn="r">
+                        <a:buNone/>
+                      </a:pPr>
+                      <a:r>
+                        <a:rPr/>
+                        <a:t>-3.80</a:t>
+                      </a:r>
+                    </a:p>
+                  </a:txBody>
+                </a:tc>
+                <a:tc>
+                  <a:txBody>
+                    <a:bodyPr/>
+                    <a:lstStyle/>
+                    <a:p>
+                      <a:pPr lvl="0" indent="0" marL="0" algn="r">
+                        <a:buNone/>
+                      </a:pPr>
+                      <a:r>
+                        <a:rPr/>
+                        <a:t>94.45</a:t>
+                      </a:r>
+                    </a:p>
+                  </a:txBody>
+                </a:tc>
+              </a:tr>
+            </a:tbl>
+          </a:graphicData>
+        </a:graphic>
+      </p:graphicFrame>
     </p:spTree>
   </p:cSld>
-  <p:clrMapOvr>
-    <a:masterClrMapping/>
-  </p:clrMapOvr>
 </p:sld>
 </file>
 
@@ -4433,12 +4197,12 @@
           <a:bodyPr/>
           <a:lstStyle/>
           <a:p>
-            <a:pPr marL="0" lvl="0" indent="0">
-              <a:buNone/>
-            </a:pPr>
-            <a:r>
-              <a:rPr dirty="0"/>
-              <a:t>Distribution Characteristics</a:t>
+            <a:pPr lvl="0" indent="0" marL="0">
+              <a:buNone/>
+            </a:pPr>
+            <a:r>
+              <a:rPr/>
+              <a:t>Summary Statistics - Key Observations</a:t>
             </a:r>
           </a:p>
         </p:txBody>
@@ -4455,50 +4219,50 @@
         </p:nvSpPr>
         <p:spPr/>
         <p:txBody>
-          <a:bodyPr>
-            <a:normAutofit/>
-          </a:bodyPr>
-          <a:lstStyle/>
-          <a:p>
-            <a:pPr lvl="0"/>
-            <a:r>
-              <a:rPr sz="2000" b="1" dirty="0"/>
-              <a:t>Fat Tails:</a:t>
-            </a:r>
-            <a:r>
-              <a:rPr sz="2000" dirty="0"/>
-              <a:t> All assets show excess kurtosis (&gt;3)</a:t>
-            </a:r>
-          </a:p>
-          <a:p>
-            <a:pPr lvl="0"/>
-            <a:r>
-              <a:rPr sz="2000" b="1" dirty="0"/>
-              <a:t>Negative Skewness:</a:t>
-            </a:r>
-            <a:r>
-              <a:rPr sz="2000" dirty="0"/>
-              <a:t> Larger downside moves than upside moves</a:t>
-            </a:r>
-          </a:p>
-          <a:p>
-            <a:pPr lvl="0"/>
-            <a:r>
-              <a:rPr sz="2000" b="1" dirty="0"/>
-              <a:t>Not normally distributed:</a:t>
-            </a:r>
-            <a:r>
-              <a:rPr sz="2000" dirty="0"/>
-              <a:t> Need robust statistical methods</a:t>
+          <a:bodyPr/>
+          <a:lstStyle/>
+          <a:p>
+            <a:pPr lvl="0" indent="0" marL="0">
+              <a:spcBef>
+                <a:spcPts val="3000"/>
+              </a:spcBef>
+              <a:buNone/>
+            </a:pPr>
+            <a:r>
+              <a:rPr b="1"/>
+              <a:t>Volatility Hierarchy</a:t>
+            </a:r>
+          </a:p>
+          <a:p>
+            <a:pPr lvl="0" indent="0" marL="0">
+              <a:buNone/>
+            </a:pPr>
+            <a:r>
+              <a:rPr b="1"/>
+              <a:t>Cryptocurrencies:</a:t>
+            </a:r>
+            <a:r>
+              <a:rPr/>
+              <a:t> 3-4x higher volatility than commodities - Bitcoin: 3.45% | Ethereum: 4.46%</a:t>
+            </a:r>
+          </a:p>
+          <a:p>
+            <a:pPr lvl="0" indent="0" marL="0">
+              <a:buNone/>
+            </a:pPr>
+            <a:r>
+              <a:rPr b="1"/>
+              <a:t>Commodities:</a:t>
+            </a:r>
+            <a:r>
+              <a:rPr/>
+              <a:t> Lower volatility - Gold: 0.85% | Oil: 3.19%</a:t>
             </a:r>
           </a:p>
         </p:txBody>
       </p:sp>
     </p:spTree>
   </p:cSld>
-  <p:clrMapOvr>
-    <a:masterClrMapping/>
-  </p:clrMapOvr>
 </p:sld>
 </file>
 
@@ -4529,563 +4293,72 @@
             <p:ph type="title"/>
           </p:nvPr>
         </p:nvSpPr>
-        <p:spPr>
-          <a:xfrm>
-            <a:off x="457201" y="204787"/>
-            <a:ext cx="8072437" cy="871538"/>
-          </a:xfrm>
-        </p:spPr>
-        <p:txBody>
-          <a:bodyPr>
-            <a:normAutofit/>
-          </a:bodyPr>
-          <a:lstStyle/>
-          <a:p>
-            <a:pPr marL="0" lvl="0" indent="0">
-              <a:buNone/>
-            </a:pPr>
-            <a:r>
-              <a:rPr sz="3300" b="0" dirty="0"/>
-              <a:t>Correlation Analysis</a:t>
-            </a:r>
-          </a:p>
-        </p:txBody>
-      </p:sp>
-      <p:sp>
-        <p:nvSpPr>
-          <p:cNvPr id="4" name="Text Placeholder 3"/>
-          <p:cNvSpPr>
-            <a:spLocks noGrp="1"/>
-          </p:cNvSpPr>
-          <p:nvPr>
-            <p:ph type="body" sz="half" idx="2"/>
-          </p:nvPr>
-        </p:nvSpPr>
-        <p:spPr>
-          <a:xfrm>
-            <a:off x="457201" y="1076326"/>
-            <a:ext cx="8072437" cy="404811"/>
-          </a:xfrm>
-        </p:spPr>
-        <p:txBody>
-          <a:bodyPr>
-            <a:noAutofit/>
-          </a:bodyPr>
-          <a:lstStyle/>
-          <a:p>
-            <a:pPr marL="0" lvl="0" indent="0">
-              <a:spcBef>
-                <a:spcPts val="3000"/>
-              </a:spcBef>
-              <a:buNone/>
-            </a:pPr>
-            <a:r>
-              <a:rPr sz="1800" dirty="0"/>
-              <a:t>Static Correlation Matrix (Full Sample Period)</a:t>
-            </a:r>
-          </a:p>
-        </p:txBody>
-      </p:sp>
-      <p:graphicFrame>
-        <p:nvGraphicFramePr>
-          <p:cNvPr id="6" name="Content Placeholder 5"/>
-          <p:cNvGraphicFramePr>
-            <a:graphicFrameLocks noGrp="1"/>
-          </p:cNvGraphicFramePr>
+        <p:spPr/>
+        <p:txBody>
+          <a:bodyPr/>
+          <a:lstStyle/>
+          <a:p>
+            <a:pPr lvl="0" indent="0" marL="0">
+              <a:buNone/>
+            </a:pPr>
+            <a:r>
+              <a:rPr/>
+              <a:t>Distribution Characteristics</a:t>
+            </a:r>
+          </a:p>
+        </p:txBody>
+      </p:sp>
+      <p:sp>
+        <p:nvSpPr>
+          <p:cNvPr id="3" name="Content Placeholder 2"/>
+          <p:cNvSpPr>
+            <a:spLocks noGrp="1"/>
+          </p:cNvSpPr>
           <p:nvPr>
             <p:ph idx="1"/>
-            <p:extLst>
-              <p:ext uri="{D42A27DB-BD31-4B8C-83A1-F6EECF244321}">
-                <p14:modId xmlns:p14="http://schemas.microsoft.com/office/powerpoint/2010/main" val="623913293"/>
-              </p:ext>
-            </p:extLst>
-          </p:nvPr>
-        </p:nvGraphicFramePr>
-        <p:xfrm>
-          <a:off x="1334925" y="1892498"/>
-          <a:ext cx="6474150" cy="1893690"/>
-        </p:xfrm>
-        <a:graphic>
-          <a:graphicData uri="http://schemas.openxmlformats.org/drawingml/2006/table">
-            <a:tbl>
-              <a:tblPr firstRow="1" bandRow="1">
-                <a:tableStyleId>{5C22544A-7EE6-4342-B048-85BDC9FD1C3A}</a:tableStyleId>
-              </a:tblPr>
-              <a:tblGrid>
-                <a:gridCol w="1294830">
-                  <a:extLst>
-                    <a:ext uri="{9D8B030D-6E8A-4147-A177-3AD203B41FA5}">
-                      <a16:colId xmlns:a16="http://schemas.microsoft.com/office/drawing/2014/main" val="20000"/>
-                    </a:ext>
-                  </a:extLst>
-                </a:gridCol>
-                <a:gridCol w="1294830">
-                  <a:extLst>
-                    <a:ext uri="{9D8B030D-6E8A-4147-A177-3AD203B41FA5}">
-                      <a16:colId xmlns:a16="http://schemas.microsoft.com/office/drawing/2014/main" val="20001"/>
-                    </a:ext>
-                  </a:extLst>
-                </a:gridCol>
-                <a:gridCol w="1294830">
-                  <a:extLst>
-                    <a:ext uri="{9D8B030D-6E8A-4147-A177-3AD203B41FA5}">
-                      <a16:colId xmlns:a16="http://schemas.microsoft.com/office/drawing/2014/main" val="20002"/>
-                    </a:ext>
-                  </a:extLst>
-                </a:gridCol>
-                <a:gridCol w="1294830">
-                  <a:extLst>
-                    <a:ext uri="{9D8B030D-6E8A-4147-A177-3AD203B41FA5}">
-                      <a16:colId xmlns:a16="http://schemas.microsoft.com/office/drawing/2014/main" val="20003"/>
-                    </a:ext>
-                  </a:extLst>
-                </a:gridCol>
-                <a:gridCol w="1294830">
-                  <a:extLst>
-                    <a:ext uri="{9D8B030D-6E8A-4147-A177-3AD203B41FA5}">
-                      <a16:colId xmlns:a16="http://schemas.microsoft.com/office/drawing/2014/main" val="20004"/>
-                    </a:ext>
-                  </a:extLst>
-                </a:gridCol>
-              </a:tblGrid>
-              <a:tr h="378738">
-                <a:tc>
-                  <a:txBody>
-                    <a:bodyPr/>
-                    <a:lstStyle/>
-                    <a:p>
-                      <a:endParaRPr sz="1700"/>
-                    </a:p>
-                  </a:txBody>
-                  <a:tcPr marL="116535" marR="116535" marT="58267" marB="58267"/>
-                </a:tc>
-                <a:tc>
-                  <a:txBody>
-                    <a:bodyPr/>
-                    <a:lstStyle/>
-                    <a:p>
-                      <a:pPr marL="0" lvl="0" indent="0" algn="l">
-                        <a:buNone/>
-                      </a:pPr>
-                      <a:r>
-                        <a:rPr sz="1700" dirty="0"/>
-                        <a:t>Bitcoin</a:t>
-                      </a:r>
-                    </a:p>
-                  </a:txBody>
-                  <a:tcPr marL="116535" marR="116535" marT="58267" marB="58267"/>
-                </a:tc>
-                <a:tc>
-                  <a:txBody>
-                    <a:bodyPr/>
-                    <a:lstStyle/>
-                    <a:p>
-                      <a:pPr marL="0" lvl="0" indent="0" algn="r">
-                        <a:buNone/>
-                      </a:pPr>
-                      <a:r>
-                        <a:rPr sz="1700"/>
-                        <a:t>Ethereum</a:t>
-                      </a:r>
-                    </a:p>
-                  </a:txBody>
-                  <a:tcPr marL="116535" marR="116535" marT="58267" marB="58267"/>
-                </a:tc>
-                <a:tc>
-                  <a:txBody>
-                    <a:bodyPr/>
-                    <a:lstStyle/>
-                    <a:p>
-                      <a:pPr marL="0" lvl="0" indent="0" algn="r">
-                        <a:buNone/>
-                      </a:pPr>
-                      <a:r>
-                        <a:rPr sz="1700"/>
-                        <a:t>Gold</a:t>
-                      </a:r>
-                    </a:p>
-                  </a:txBody>
-                  <a:tcPr marL="116535" marR="116535" marT="58267" marB="58267"/>
-                </a:tc>
-                <a:tc>
-                  <a:txBody>
-                    <a:bodyPr/>
-                    <a:lstStyle/>
-                    <a:p>
-                      <a:pPr marL="0" lvl="0" indent="0" algn="r">
-                        <a:buNone/>
-                      </a:pPr>
-                      <a:r>
-                        <a:rPr sz="1700"/>
-                        <a:t>Oil</a:t>
-                      </a:r>
-                    </a:p>
-                  </a:txBody>
-                  <a:tcPr marL="116535" marR="116535" marT="58267" marB="58267"/>
-                </a:tc>
-                <a:extLst>
-                  <a:ext uri="{0D108BD9-81ED-4DB2-BD59-A6C34878D82A}">
-                    <a16:rowId xmlns:a16="http://schemas.microsoft.com/office/drawing/2014/main" val="10000"/>
-                  </a:ext>
-                </a:extLst>
-              </a:tr>
-              <a:tr h="378738">
-                <a:tc>
-                  <a:txBody>
-                    <a:bodyPr/>
-                    <a:lstStyle/>
-                    <a:p>
-                      <a:pPr marL="0" lvl="0" indent="0" algn="l">
-                        <a:buNone/>
-                      </a:pPr>
-                      <a:r>
-                        <a:rPr sz="1700"/>
-                        <a:t>Bitcoin</a:t>
-                      </a:r>
-                    </a:p>
-                  </a:txBody>
-                  <a:tcPr marL="116535" marR="116535" marT="58267" marB="58267"/>
-                </a:tc>
-                <a:tc>
-                  <a:txBody>
-                    <a:bodyPr/>
-                    <a:lstStyle/>
-                    <a:p>
-                      <a:pPr marL="0" lvl="0" indent="0" algn="l">
-                        <a:buNone/>
-                      </a:pPr>
-                      <a:r>
-                        <a:rPr sz="1700"/>
-                        <a:t>1.00</a:t>
-                      </a:r>
-                    </a:p>
-                  </a:txBody>
-                  <a:tcPr marL="116535" marR="116535" marT="58267" marB="58267"/>
-                </a:tc>
-                <a:tc>
-                  <a:txBody>
-                    <a:bodyPr/>
-                    <a:lstStyle/>
-                    <a:p>
-                      <a:pPr marL="0" lvl="0" indent="0" algn="r">
-                        <a:buNone/>
-                      </a:pPr>
-                      <a:r>
-                        <a:rPr sz="1700"/>
-                        <a:t>0.83</a:t>
-                      </a:r>
-                    </a:p>
-                  </a:txBody>
-                  <a:tcPr marL="116535" marR="116535" marT="58267" marB="58267"/>
-                </a:tc>
-                <a:tc>
-                  <a:txBody>
-                    <a:bodyPr/>
-                    <a:lstStyle/>
-                    <a:p>
-                      <a:pPr marL="0" lvl="0" indent="0" algn="r">
-                        <a:buNone/>
-                      </a:pPr>
-                      <a:r>
-                        <a:rPr sz="1700"/>
-                        <a:t>0.12</a:t>
-                      </a:r>
-                    </a:p>
-                  </a:txBody>
-                  <a:tcPr marL="116535" marR="116535" marT="58267" marB="58267"/>
-                </a:tc>
-                <a:tc>
-                  <a:txBody>
-                    <a:bodyPr/>
-                    <a:lstStyle/>
-                    <a:p>
-                      <a:pPr marL="0" lvl="0" indent="0" algn="r">
-                        <a:buNone/>
-                      </a:pPr>
-                      <a:r>
-                        <a:rPr sz="1700"/>
-                        <a:t>0.10</a:t>
-                      </a:r>
-                    </a:p>
-                  </a:txBody>
-                  <a:tcPr marL="116535" marR="116535" marT="58267" marB="58267"/>
-                </a:tc>
-                <a:extLst>
-                  <a:ext uri="{0D108BD9-81ED-4DB2-BD59-A6C34878D82A}">
-                    <a16:rowId xmlns:a16="http://schemas.microsoft.com/office/drawing/2014/main" val="10001"/>
-                  </a:ext>
-                </a:extLst>
-              </a:tr>
-              <a:tr h="378738">
-                <a:tc>
-                  <a:txBody>
-                    <a:bodyPr/>
-                    <a:lstStyle/>
-                    <a:p>
-                      <a:pPr marL="0" lvl="0" indent="0" algn="l">
-                        <a:buNone/>
-                      </a:pPr>
-                      <a:r>
-                        <a:rPr sz="1700"/>
-                        <a:t>Ethereum</a:t>
-                      </a:r>
-                    </a:p>
-                  </a:txBody>
-                  <a:tcPr marL="116535" marR="116535" marT="58267" marB="58267"/>
-                </a:tc>
-                <a:tc>
-                  <a:txBody>
-                    <a:bodyPr/>
-                    <a:lstStyle/>
-                    <a:p>
-                      <a:pPr marL="0" lvl="0" indent="0" algn="l">
-                        <a:buNone/>
-                      </a:pPr>
-                      <a:r>
-                        <a:rPr sz="1700"/>
-                        <a:t>0.83</a:t>
-                      </a:r>
-                    </a:p>
-                  </a:txBody>
-                  <a:tcPr marL="116535" marR="116535" marT="58267" marB="58267"/>
-                </a:tc>
-                <a:tc>
-                  <a:txBody>
-                    <a:bodyPr/>
-                    <a:lstStyle/>
-                    <a:p>
-                      <a:pPr marL="0" lvl="0" indent="0" algn="r">
-                        <a:buNone/>
-                      </a:pPr>
-                      <a:r>
-                        <a:rPr sz="1700"/>
-                        <a:t>1.00</a:t>
-                      </a:r>
-                    </a:p>
-                  </a:txBody>
-                  <a:tcPr marL="116535" marR="116535" marT="58267" marB="58267"/>
-                </a:tc>
-                <a:tc>
-                  <a:txBody>
-                    <a:bodyPr/>
-                    <a:lstStyle/>
-                    <a:p>
-                      <a:pPr marL="0" lvl="0" indent="0" algn="r">
-                        <a:buNone/>
-                      </a:pPr>
-                      <a:r>
-                        <a:rPr sz="1700"/>
-                        <a:t>0.12</a:t>
-                      </a:r>
-                    </a:p>
-                  </a:txBody>
-                  <a:tcPr marL="116535" marR="116535" marT="58267" marB="58267"/>
-                </a:tc>
-                <a:tc>
-                  <a:txBody>
-                    <a:bodyPr/>
-                    <a:lstStyle/>
-                    <a:p>
-                      <a:pPr marL="0" lvl="0" indent="0" algn="r">
-                        <a:buNone/>
-                      </a:pPr>
-                      <a:r>
-                        <a:rPr sz="1700"/>
-                        <a:t>0.09</a:t>
-                      </a:r>
-                    </a:p>
-                  </a:txBody>
-                  <a:tcPr marL="116535" marR="116535" marT="58267" marB="58267"/>
-                </a:tc>
-                <a:extLst>
-                  <a:ext uri="{0D108BD9-81ED-4DB2-BD59-A6C34878D82A}">
-                    <a16:rowId xmlns:a16="http://schemas.microsoft.com/office/drawing/2014/main" val="10002"/>
-                  </a:ext>
-                </a:extLst>
-              </a:tr>
-              <a:tr h="378738">
-                <a:tc>
-                  <a:txBody>
-                    <a:bodyPr/>
-                    <a:lstStyle/>
-                    <a:p>
-                      <a:pPr marL="0" lvl="0" indent="0" algn="l">
-                        <a:buNone/>
-                      </a:pPr>
-                      <a:r>
-                        <a:rPr sz="1700"/>
-                        <a:t>Gold</a:t>
-                      </a:r>
-                    </a:p>
-                  </a:txBody>
-                  <a:tcPr marL="116535" marR="116535" marT="58267" marB="58267"/>
-                </a:tc>
-                <a:tc>
-                  <a:txBody>
-                    <a:bodyPr/>
-                    <a:lstStyle/>
-                    <a:p>
-                      <a:pPr marL="0" lvl="0" indent="0" algn="l">
-                        <a:buNone/>
-                      </a:pPr>
-                      <a:r>
-                        <a:rPr sz="1700"/>
-                        <a:t>0.12</a:t>
-                      </a:r>
-                    </a:p>
-                  </a:txBody>
-                  <a:tcPr marL="116535" marR="116535" marT="58267" marB="58267"/>
-                </a:tc>
-                <a:tc>
-                  <a:txBody>
-                    <a:bodyPr/>
-                    <a:lstStyle/>
-                    <a:p>
-                      <a:pPr marL="0" lvl="0" indent="0" algn="r">
-                        <a:buNone/>
-                      </a:pPr>
-                      <a:r>
-                        <a:rPr sz="1700"/>
-                        <a:t>0.12</a:t>
-                      </a:r>
-                    </a:p>
-                  </a:txBody>
-                  <a:tcPr marL="116535" marR="116535" marT="58267" marB="58267"/>
-                </a:tc>
-                <a:tc>
-                  <a:txBody>
-                    <a:bodyPr/>
-                    <a:lstStyle/>
-                    <a:p>
-                      <a:pPr marL="0" lvl="0" indent="0" algn="r">
-                        <a:buNone/>
-                      </a:pPr>
-                      <a:r>
-                        <a:rPr sz="1700"/>
-                        <a:t>1.00</a:t>
-                      </a:r>
-                    </a:p>
-                  </a:txBody>
-                  <a:tcPr marL="116535" marR="116535" marT="58267" marB="58267"/>
-                </a:tc>
-                <a:tc>
-                  <a:txBody>
-                    <a:bodyPr/>
-                    <a:lstStyle/>
-                    <a:p>
-                      <a:pPr marL="0" lvl="0" indent="0" algn="r">
-                        <a:buNone/>
-                      </a:pPr>
-                      <a:r>
-                        <a:rPr sz="1700"/>
-                        <a:t>0.14</a:t>
-                      </a:r>
-                    </a:p>
-                  </a:txBody>
-                  <a:tcPr marL="116535" marR="116535" marT="58267" marB="58267"/>
-                </a:tc>
-                <a:extLst>
-                  <a:ext uri="{0D108BD9-81ED-4DB2-BD59-A6C34878D82A}">
-                    <a16:rowId xmlns:a16="http://schemas.microsoft.com/office/drawing/2014/main" val="10003"/>
-                  </a:ext>
-                </a:extLst>
-              </a:tr>
-              <a:tr h="378738">
-                <a:tc>
-                  <a:txBody>
-                    <a:bodyPr/>
-                    <a:lstStyle/>
-                    <a:p>
-                      <a:pPr marL="0" lvl="0" indent="0" algn="l">
-                        <a:buNone/>
-                      </a:pPr>
-                      <a:r>
-                        <a:rPr sz="1700"/>
-                        <a:t>Oil</a:t>
-                      </a:r>
-                    </a:p>
-                  </a:txBody>
-                  <a:tcPr marL="116535" marR="116535" marT="58267" marB="58267"/>
-                </a:tc>
-                <a:tc>
-                  <a:txBody>
-                    <a:bodyPr/>
-                    <a:lstStyle/>
-                    <a:p>
-                      <a:pPr marL="0" lvl="0" indent="0" algn="l">
-                        <a:buNone/>
-                      </a:pPr>
-                      <a:r>
-                        <a:rPr sz="1700"/>
-                        <a:t>0.10</a:t>
-                      </a:r>
-                    </a:p>
-                  </a:txBody>
-                  <a:tcPr marL="116535" marR="116535" marT="58267" marB="58267"/>
-                </a:tc>
-                <a:tc>
-                  <a:txBody>
-                    <a:bodyPr/>
-                    <a:lstStyle/>
-                    <a:p>
-                      <a:pPr marL="0" lvl="0" indent="0" algn="r">
-                        <a:buNone/>
-                      </a:pPr>
-                      <a:r>
-                        <a:rPr sz="1700"/>
-                        <a:t>0.09</a:t>
-                      </a:r>
-                    </a:p>
-                  </a:txBody>
-                  <a:tcPr marL="116535" marR="116535" marT="58267" marB="58267"/>
-                </a:tc>
-                <a:tc>
-                  <a:txBody>
-                    <a:bodyPr/>
-                    <a:lstStyle/>
-                    <a:p>
-                      <a:pPr marL="0" lvl="0" indent="0" algn="r">
-                        <a:buNone/>
-                      </a:pPr>
-                      <a:r>
-                        <a:rPr sz="1700"/>
-                        <a:t>0.14</a:t>
-                      </a:r>
-                    </a:p>
-                  </a:txBody>
-                  <a:tcPr marL="116535" marR="116535" marT="58267" marB="58267"/>
-                </a:tc>
-                <a:tc>
-                  <a:txBody>
-                    <a:bodyPr/>
-                    <a:lstStyle/>
-                    <a:p>
-                      <a:pPr marL="0" lvl="0" indent="0" algn="r">
-                        <a:buNone/>
-                      </a:pPr>
-                      <a:r>
-                        <a:rPr sz="1700" dirty="0"/>
-                        <a:t>1.00</a:t>
-                      </a:r>
-                    </a:p>
-                  </a:txBody>
-                  <a:tcPr marL="116535" marR="116535" marT="58267" marB="58267"/>
-                </a:tc>
-                <a:extLst>
-                  <a:ext uri="{0D108BD9-81ED-4DB2-BD59-A6C34878D82A}">
-                    <a16:rowId xmlns:a16="http://schemas.microsoft.com/office/drawing/2014/main" val="10004"/>
-                  </a:ext>
-                </a:extLst>
-              </a:tr>
-            </a:tbl>
-          </a:graphicData>
-        </a:graphic>
-      </p:graphicFrame>
+          </p:nvPr>
+        </p:nvSpPr>
+        <p:spPr/>
+        <p:txBody>
+          <a:bodyPr/>
+          <a:lstStyle/>
+          <a:p>
+            <a:pPr lvl="0"/>
+            <a:r>
+              <a:rPr b="1"/>
+              <a:t>Fat Tails:</a:t>
+            </a:r>
+            <a:r>
+              <a:rPr/>
+              <a:t> All assets show excess kurtosis (&gt;3)</a:t>
+            </a:r>
+          </a:p>
+          <a:p>
+            <a:pPr lvl="0"/>
+            <a:r>
+              <a:rPr b="1"/>
+              <a:t>Negative Skewness:</a:t>
+            </a:r>
+            <a:r>
+              <a:rPr/>
+              <a:t> Larger downside moves than upside moves</a:t>
+            </a:r>
+          </a:p>
+          <a:p>
+            <a:pPr lvl="0"/>
+            <a:r>
+              <a:rPr b="1"/>
+              <a:t>Not normally distributed:</a:t>
+            </a:r>
+            <a:r>
+              <a:rPr/>
+              <a:t> Need robust statistical methods</a:t>
+            </a:r>
+          </a:p>
+        </p:txBody>
+      </p:sp>
     </p:spTree>
   </p:cSld>
-  <p:clrMapOvr>
-    <a:masterClrMapping/>
-  </p:clrMapOvr>
 </p:sld>
 </file>
 
@@ -5116,68 +4389,471 @@
             <p:ph type="title"/>
           </p:nvPr>
         </p:nvSpPr>
-        <p:spPr/>
-        <p:txBody>
-          <a:bodyPr/>
-          <a:lstStyle/>
-          <a:p>
-            <a:pPr marL="0" lvl="0" indent="0">
-              <a:buNone/>
-            </a:pPr>
-            <a:r>
-              <a:t>Correlation Analysis - Key Relationships</a:t>
-            </a:r>
-          </a:p>
-        </p:txBody>
-      </p:sp>
-      <p:sp>
-        <p:nvSpPr>
-          <p:cNvPr id="3" name="Content Placeholder 2"/>
-          <p:cNvSpPr>
-            <a:spLocks noGrp="1"/>
-          </p:cNvSpPr>
-          <p:nvPr>
-            <p:ph idx="1"/>
-          </p:nvPr>
-        </p:nvSpPr>
-        <p:spPr/>
-        <p:txBody>
-          <a:bodyPr>
-            <a:normAutofit/>
-          </a:bodyPr>
-          <a:lstStyle/>
-          <a:p>
-            <a:pPr marL="0" lvl="0" indent="0">
+        <p:spPr>
+          <a:xfrm>
+            <a:off x="457201" y="204787"/>
+            <a:ext cx="3008313" cy="871538"/>
+          </a:xfrm>
+        </p:spPr>
+        <p:txBody>
+          <a:bodyPr/>
+          <a:lstStyle/>
+          <a:p>
+            <a:pPr lvl="0" indent="0" marL="0">
+              <a:buNone/>
+            </a:pPr>
+            <a:r>
+              <a:rPr/>
+              <a:t>Correlation Analysis</a:t>
+            </a:r>
+          </a:p>
+        </p:txBody>
+      </p:sp>
+      <p:sp>
+        <p:nvSpPr>
+          <p:cNvPr id="4" name="Text Placeholder 3"/>
+          <p:cNvSpPr>
+            <a:spLocks noGrp="1"/>
+          </p:cNvSpPr>
+          <p:nvPr>
+            <p:ph idx="2" sz="half" type="body"/>
+          </p:nvPr>
+        </p:nvSpPr>
+        <p:spPr/>
+        <p:txBody>
+          <a:bodyPr/>
+          <a:lstStyle/>
+          <a:p>
+            <a:pPr lvl="0" indent="0" marL="0">
               <a:spcBef>
                 <a:spcPts val="3000"/>
               </a:spcBef>
               <a:buNone/>
             </a:pPr>
             <a:r>
-              <a:rPr sz="2000" b="1" dirty="0"/>
-              <a:t>Strong Crypto-Crypto Correlation</a:t>
-            </a:r>
-          </a:p>
-          <a:p>
-            <a:pPr marL="0" lvl="0" indent="0">
-              <a:buNone/>
-            </a:pPr>
-            <a:r>
-              <a:rPr sz="2000" b="1" dirty="0"/>
-              <a:t>Bitcoin-Ethereum:</a:t>
-            </a:r>
-            <a:r>
-              <a:rPr sz="2000" dirty="0"/>
-              <a:t> 0.83 - Respond similarly to market forces - Share common drivers</a:t>
-            </a:r>
-          </a:p>
-        </p:txBody>
-      </p:sp>
+              <a:rPr b="1"/>
+              <a:t>Static Correlation Matrix (Full Sample Period)</a:t>
+            </a:r>
+          </a:p>
+        </p:txBody>
+      </p:sp>
+      <p:graphicFrame>
+        <p:nvGraphicFramePr>
+          <p:cNvPr id="6" name="Content Placeholder 5"/>
+          <p:cNvGraphicFramePr>
+            <a:graphicFrameLocks noGrp="1"/>
+          </p:cNvGraphicFramePr>
+          <p:nvPr>
+            <p:ph idx="1"/>
+          </p:nvPr>
+        </p:nvGraphicFramePr>
+        <p:xfrm>
+          <a:off x="3568700" y="203200"/>
+          <a:ext cx="5105400" cy="4381500"/>
+        </p:xfrm>
+        <a:graphic>
+          <a:graphicData uri="http://schemas.openxmlformats.org/drawingml/2006/table">
+            <a:tbl>
+              <a:tblPr firstRow="1" bandRow="1">
+                <a:tableStyleId>{5C22544A-7EE6-4342-B048-85BDC9FD1C3A}</a:tableStyleId>
+              </a:tblPr>
+              <a:tblGrid>
+                <a:gridCol w="1016000"/>
+                <a:gridCol w="1016000"/>
+                <a:gridCol w="1016000"/>
+                <a:gridCol w="1016000"/>
+                <a:gridCol w="1016000"/>
+              </a:tblGrid>
+              <a:tr h="0">
+                <a:tc>
+                  <a:txBody>
+                    <a:bodyPr/>
+                    <a:lstStyle/>
+                    <a:p>
+                      <a:endParaRPr/>
+                    </a:p>
+                  </a:txBody>
+                  <a:tcPr/>
+                </a:tc>
+                <a:tc>
+                  <a:txBody>
+                    <a:bodyPr/>
+                    <a:lstStyle/>
+                    <a:p>
+                      <a:pPr lvl="0" indent="0" marL="0" algn="l">
+                        <a:buNone/>
+                      </a:pPr>
+                      <a:r>
+                        <a:rPr/>
+                        <a:t>Bitcoin</a:t>
+                      </a:r>
+                    </a:p>
+                  </a:txBody>
+                  <a:tcPr/>
+                </a:tc>
+                <a:tc>
+                  <a:txBody>
+                    <a:bodyPr/>
+                    <a:lstStyle/>
+                    <a:p>
+                      <a:pPr lvl="0" indent="0" marL="0" algn="r">
+                        <a:buNone/>
+                      </a:pPr>
+                      <a:r>
+                        <a:rPr/>
+                        <a:t>Ethereum</a:t>
+                      </a:r>
+                    </a:p>
+                  </a:txBody>
+                  <a:tcPr/>
+                </a:tc>
+                <a:tc>
+                  <a:txBody>
+                    <a:bodyPr/>
+                    <a:lstStyle/>
+                    <a:p>
+                      <a:pPr lvl="0" indent="0" marL="0" algn="r">
+                        <a:buNone/>
+                      </a:pPr>
+                      <a:r>
+                        <a:rPr/>
+                        <a:t>Gold</a:t>
+                      </a:r>
+                    </a:p>
+                  </a:txBody>
+                  <a:tcPr/>
+                </a:tc>
+                <a:tc>
+                  <a:txBody>
+                    <a:bodyPr/>
+                    <a:lstStyle/>
+                    <a:p>
+                      <a:pPr lvl="0" indent="0" marL="0" algn="r">
+                        <a:buNone/>
+                      </a:pPr>
+                      <a:r>
+                        <a:rPr/>
+                        <a:t>Oil</a:t>
+                      </a:r>
+                    </a:p>
+                  </a:txBody>
+                  <a:tcPr/>
+                </a:tc>
+              </a:tr>
+              <a:tr h="0">
+                <a:tc>
+                  <a:txBody>
+                    <a:bodyPr/>
+                    <a:lstStyle/>
+                    <a:p>
+                      <a:pPr lvl="0" indent="0" marL="0" algn="l">
+                        <a:buNone/>
+                      </a:pPr>
+                      <a:r>
+                        <a:rPr/>
+                        <a:t>Bitcoin</a:t>
+                      </a:r>
+                    </a:p>
+                  </a:txBody>
+                </a:tc>
+                <a:tc>
+                  <a:txBody>
+                    <a:bodyPr/>
+                    <a:lstStyle/>
+                    <a:p>
+                      <a:pPr lvl="0" indent="0" marL="0" algn="l">
+                        <a:buNone/>
+                      </a:pPr>
+                      <a:r>
+                        <a:rPr/>
+                        <a:t>1.00</a:t>
+                      </a:r>
+                    </a:p>
+                  </a:txBody>
+                </a:tc>
+                <a:tc>
+                  <a:txBody>
+                    <a:bodyPr/>
+                    <a:lstStyle/>
+                    <a:p>
+                      <a:pPr lvl="0" indent="0" marL="0" algn="r">
+                        <a:buNone/>
+                      </a:pPr>
+                      <a:r>
+                        <a:rPr/>
+                        <a:t>0.83</a:t>
+                      </a:r>
+                    </a:p>
+                  </a:txBody>
+                </a:tc>
+                <a:tc>
+                  <a:txBody>
+                    <a:bodyPr/>
+                    <a:lstStyle/>
+                    <a:p>
+                      <a:pPr lvl="0" indent="0" marL="0" algn="r">
+                        <a:buNone/>
+                      </a:pPr>
+                      <a:r>
+                        <a:rPr/>
+                        <a:t>0.12</a:t>
+                      </a:r>
+                    </a:p>
+                  </a:txBody>
+                </a:tc>
+                <a:tc>
+                  <a:txBody>
+                    <a:bodyPr/>
+                    <a:lstStyle/>
+                    <a:p>
+                      <a:pPr lvl="0" indent="0" marL="0" algn="r">
+                        <a:buNone/>
+                      </a:pPr>
+                      <a:r>
+                        <a:rPr/>
+                        <a:t>0.10</a:t>
+                      </a:r>
+                    </a:p>
+                  </a:txBody>
+                </a:tc>
+              </a:tr>
+              <a:tr h="0">
+                <a:tc>
+                  <a:txBody>
+                    <a:bodyPr/>
+                    <a:lstStyle/>
+                    <a:p>
+                      <a:pPr lvl="0" indent="0" marL="0" algn="l">
+                        <a:buNone/>
+                      </a:pPr>
+                      <a:r>
+                        <a:rPr/>
+                        <a:t>Ethereum</a:t>
+                      </a:r>
+                    </a:p>
+                  </a:txBody>
+                </a:tc>
+                <a:tc>
+                  <a:txBody>
+                    <a:bodyPr/>
+                    <a:lstStyle/>
+                    <a:p>
+                      <a:pPr lvl="0" indent="0" marL="0" algn="l">
+                        <a:buNone/>
+                      </a:pPr>
+                      <a:r>
+                        <a:rPr/>
+                        <a:t>0.83</a:t>
+                      </a:r>
+                    </a:p>
+                  </a:txBody>
+                </a:tc>
+                <a:tc>
+                  <a:txBody>
+                    <a:bodyPr/>
+                    <a:lstStyle/>
+                    <a:p>
+                      <a:pPr lvl="0" indent="0" marL="0" algn="r">
+                        <a:buNone/>
+                      </a:pPr>
+                      <a:r>
+                        <a:rPr/>
+                        <a:t>1.00</a:t>
+                      </a:r>
+                    </a:p>
+                  </a:txBody>
+                </a:tc>
+                <a:tc>
+                  <a:txBody>
+                    <a:bodyPr/>
+                    <a:lstStyle/>
+                    <a:p>
+                      <a:pPr lvl="0" indent="0" marL="0" algn="r">
+                        <a:buNone/>
+                      </a:pPr>
+                      <a:r>
+                        <a:rPr/>
+                        <a:t>0.12</a:t>
+                      </a:r>
+                    </a:p>
+                  </a:txBody>
+                </a:tc>
+                <a:tc>
+                  <a:txBody>
+                    <a:bodyPr/>
+                    <a:lstStyle/>
+                    <a:p>
+                      <a:pPr lvl="0" indent="0" marL="0" algn="r">
+                        <a:buNone/>
+                      </a:pPr>
+                      <a:r>
+                        <a:rPr/>
+                        <a:t>0.09</a:t>
+                      </a:r>
+                    </a:p>
+                  </a:txBody>
+                </a:tc>
+              </a:tr>
+              <a:tr h="0">
+                <a:tc>
+                  <a:txBody>
+                    <a:bodyPr/>
+                    <a:lstStyle/>
+                    <a:p>
+                      <a:pPr lvl="0" indent="0" marL="0" algn="l">
+                        <a:buNone/>
+                      </a:pPr>
+                      <a:r>
+                        <a:rPr/>
+                        <a:t>Gold</a:t>
+                      </a:r>
+                    </a:p>
+                  </a:txBody>
+                </a:tc>
+                <a:tc>
+                  <a:txBody>
+                    <a:bodyPr/>
+                    <a:lstStyle/>
+                    <a:p>
+                      <a:pPr lvl="0" indent="0" marL="0" algn="l">
+                        <a:buNone/>
+                      </a:pPr>
+                      <a:r>
+                        <a:rPr/>
+                        <a:t>0.12</a:t>
+                      </a:r>
+                    </a:p>
+                  </a:txBody>
+                </a:tc>
+                <a:tc>
+                  <a:txBody>
+                    <a:bodyPr/>
+                    <a:lstStyle/>
+                    <a:p>
+                      <a:pPr lvl="0" indent="0" marL="0" algn="r">
+                        <a:buNone/>
+                      </a:pPr>
+                      <a:r>
+                        <a:rPr/>
+                        <a:t>0.12</a:t>
+                      </a:r>
+                    </a:p>
+                  </a:txBody>
+                </a:tc>
+                <a:tc>
+                  <a:txBody>
+                    <a:bodyPr/>
+                    <a:lstStyle/>
+                    <a:p>
+                      <a:pPr lvl="0" indent="0" marL="0" algn="r">
+                        <a:buNone/>
+                      </a:pPr>
+                      <a:r>
+                        <a:rPr/>
+                        <a:t>1.00</a:t>
+                      </a:r>
+                    </a:p>
+                  </a:txBody>
+                </a:tc>
+                <a:tc>
+                  <a:txBody>
+                    <a:bodyPr/>
+                    <a:lstStyle/>
+                    <a:p>
+                      <a:pPr lvl="0" indent="0" marL="0" algn="r">
+                        <a:buNone/>
+                      </a:pPr>
+                      <a:r>
+                        <a:rPr/>
+                        <a:t>0.14</a:t>
+                      </a:r>
+                    </a:p>
+                  </a:txBody>
+                </a:tc>
+              </a:tr>
+              <a:tr h="0">
+                <a:tc>
+                  <a:txBody>
+                    <a:bodyPr/>
+                    <a:lstStyle/>
+                    <a:p>
+                      <a:pPr lvl="0" indent="0" marL="0" algn="l">
+                        <a:buNone/>
+                      </a:pPr>
+                      <a:r>
+                        <a:rPr/>
+                        <a:t>Oil</a:t>
+                      </a:r>
+                    </a:p>
+                  </a:txBody>
+                </a:tc>
+                <a:tc>
+                  <a:txBody>
+                    <a:bodyPr/>
+                    <a:lstStyle/>
+                    <a:p>
+                      <a:pPr lvl="0" indent="0" marL="0" algn="l">
+                        <a:buNone/>
+                      </a:pPr>
+                      <a:r>
+                        <a:rPr/>
+                        <a:t>0.10</a:t>
+                      </a:r>
+                    </a:p>
+                  </a:txBody>
+                </a:tc>
+                <a:tc>
+                  <a:txBody>
+                    <a:bodyPr/>
+                    <a:lstStyle/>
+                    <a:p>
+                      <a:pPr lvl="0" indent="0" marL="0" algn="r">
+                        <a:buNone/>
+                      </a:pPr>
+                      <a:r>
+                        <a:rPr/>
+                        <a:t>0.09</a:t>
+                      </a:r>
+                    </a:p>
+                  </a:txBody>
+                </a:tc>
+                <a:tc>
+                  <a:txBody>
+                    <a:bodyPr/>
+                    <a:lstStyle/>
+                    <a:p>
+                      <a:pPr lvl="0" indent="0" marL="0" algn="r">
+                        <a:buNone/>
+                      </a:pPr>
+                      <a:r>
+                        <a:rPr/>
+                        <a:t>0.14</a:t>
+                      </a:r>
+                    </a:p>
+                  </a:txBody>
+                </a:tc>
+                <a:tc>
+                  <a:txBody>
+                    <a:bodyPr/>
+                    <a:lstStyle/>
+                    <a:p>
+                      <a:pPr lvl="0" indent="0" marL="0" algn="r">
+                        <a:buNone/>
+                      </a:pPr>
+                      <a:r>
+                        <a:rPr/>
+                        <a:t>1.00</a:t>
+                      </a:r>
+                    </a:p>
+                  </a:txBody>
+                </a:tc>
+              </a:tr>
+            </a:tbl>
+          </a:graphicData>
+        </a:graphic>
+      </p:graphicFrame>
     </p:spTree>
   </p:cSld>
-  <p:clrMapOvr>
-    <a:masterClrMapping/>
-  </p:clrMapOvr>
 </p:sld>
 </file>
 
@@ -5213,11 +4889,12 @@
           <a:bodyPr/>
           <a:lstStyle/>
           <a:p>
-            <a:pPr marL="0" lvl="0" indent="0">
-              <a:buNone/>
-            </a:pPr>
-            <a:r>
-              <a:t>Weak Crypto-Commodity Correlations</a:t>
+            <a:pPr lvl="0" indent="0" marL="0">
+              <a:buNone/>
+            </a:pPr>
+            <a:r>
+              <a:rPr/>
+              <a:t>Correlation Analysis - Key Relationships</a:t>
             </a:r>
           </a:p>
         </p:txBody>
@@ -5234,66 +4911,37 @@
         </p:nvSpPr>
         <p:spPr/>
         <p:txBody>
-          <a:bodyPr>
-            <a:normAutofit/>
-          </a:bodyPr>
-          <a:lstStyle/>
-          <a:p>
-            <a:pPr lvl="0"/>
-            <a:r>
-              <a:rPr sz="2000" b="1" dirty="0"/>
-              <a:t>BTC-Gold:</a:t>
-            </a:r>
-            <a:r>
-              <a:rPr sz="2000" dirty="0"/>
-              <a:t> 0.12 | </a:t>
-            </a:r>
-            <a:r>
-              <a:rPr sz="2000" b="1" dirty="0"/>
-              <a:t>ETH-Gold:</a:t>
-            </a:r>
-            <a:r>
-              <a:rPr sz="2000" dirty="0"/>
-              <a:t> 0.12</a:t>
-            </a:r>
-          </a:p>
-          <a:p>
-            <a:pPr lvl="0"/>
-            <a:r>
-              <a:rPr sz="2000" b="1" dirty="0"/>
-              <a:t>BTC-Oil:</a:t>
-            </a:r>
-            <a:r>
-              <a:rPr sz="2000" dirty="0"/>
-              <a:t> 0.1 | </a:t>
-            </a:r>
-            <a:r>
-              <a:rPr sz="2000" b="1" dirty="0"/>
-              <a:t>ETH-Oil:</a:t>
-            </a:r>
-            <a:r>
-              <a:rPr sz="2000" dirty="0"/>
-              <a:t> 0.09</a:t>
-            </a:r>
-          </a:p>
-          <a:p>
-            <a:pPr lvl="0"/>
-            <a:r>
-              <a:rPr sz="2000" b="1" dirty="0"/>
-              <a:t>On average:</a:t>
-            </a:r>
-            <a:r>
-              <a:rPr sz="2000" dirty="0"/>
-              <a:t> Low correlations suggest diversification benefits</a:t>
+          <a:bodyPr/>
+          <a:lstStyle/>
+          <a:p>
+            <a:pPr lvl="0" indent="0" marL="0">
+              <a:spcBef>
+                <a:spcPts val="3000"/>
+              </a:spcBef>
+              <a:buNone/>
+            </a:pPr>
+            <a:r>
+              <a:rPr b="1"/>
+              <a:t>Strong Crypto-Crypto Correlation</a:t>
+            </a:r>
+          </a:p>
+          <a:p>
+            <a:pPr lvl="0" indent="0" marL="0">
+              <a:buNone/>
+            </a:pPr>
+            <a:r>
+              <a:rPr b="1"/>
+              <a:t>Bitcoin-Ethereum:</a:t>
+            </a:r>
+            <a:r>
+              <a:rPr/>
+              <a:t> 0.83 - Respond similarly to market forces - Share common drivers</a:t>
             </a:r>
           </a:p>
         </p:txBody>
       </p:sp>
     </p:spTree>
   </p:cSld>
-  <p:clrMapOvr>
-    <a:masterClrMapping/>
-  </p:clrMapOvr>
 </p:sld>
 </file>
 
@@ -5329,12 +4977,12 @@
           <a:bodyPr/>
           <a:lstStyle/>
           <a:p>
-            <a:pPr marL="0" lvl="0" indent="0">
-              <a:buNone/>
-            </a:pPr>
-            <a:r>
-              <a:rPr dirty="0"/>
-              <a:t>Time-Varying Patterns</a:t>
+            <a:pPr lvl="0" indent="0" marL="0">
+              <a:buNone/>
+            </a:pPr>
+            <a:r>
+              <a:rPr/>
+              <a:t>Weak Crypto-Commodity Correlations</a:t>
             </a:r>
           </a:p>
         </p:txBody>
@@ -5351,42 +4999,61 @@
         </p:nvSpPr>
         <p:spPr/>
         <p:txBody>
-          <a:bodyPr>
-            <a:normAutofit/>
-          </a:bodyPr>
+          <a:bodyPr/>
           <a:lstStyle/>
           <a:p>
             <a:pPr lvl="0"/>
             <a:r>
-              <a:rPr sz="2000" b="1" dirty="0"/>
-              <a:t>Static correlations mask important dynamics!</a:t>
+              <a:rPr b="1"/>
+              <a:t>BTC-Gold:</a:t>
+            </a:r>
+            <a:r>
+              <a:rPr/>
+              <a:t> 0.12 | </a:t>
+            </a:r>
+            <a:r>
+              <a:rPr b="1"/>
+              <a:t>ETH-Gold:</a:t>
+            </a:r>
+            <a:r>
+              <a:rPr/>
+              <a:t> 0.12</a:t>
             </a:r>
           </a:p>
           <a:p>
             <a:pPr lvl="0"/>
             <a:r>
-              <a:rPr sz="2000" dirty="0"/>
-              <a:t>BTC-Gold correlation ranges: </a:t>
-            </a:r>
-            <a:r>
-              <a:rPr sz="2000" b="1" dirty="0"/>
-              <a:t>-0.24 to 0.54</a:t>
+              <a:rPr b="1"/>
+              <a:t>BTC-Oil:</a:t>
+            </a:r>
+            <a:r>
+              <a:rPr/>
+              <a:t> 0.1 | </a:t>
+            </a:r>
+            <a:r>
+              <a:rPr b="1"/>
+              <a:t>ETH-Oil:</a:t>
+            </a:r>
+            <a:r>
+              <a:rPr/>
+              <a:t> 0.09</a:t>
             </a:r>
           </a:p>
           <a:p>
             <a:pPr lvl="0"/>
             <a:r>
-              <a:rPr sz="2000" b="1" dirty="0"/>
-              <a:t>This 0.78 range confirms regime-dependent behavior!</a:t>
+              <a:rPr b="1"/>
+              <a:t>On average:</a:t>
+            </a:r>
+            <a:r>
+              <a:rPr/>
+              <a:t> Low correlations suggest diversification benefits</a:t>
             </a:r>
           </a:p>
         </p:txBody>
       </p:sp>
     </p:spTree>
   </p:cSld>
-  <p:clrMapOvr>
-    <a:masterClrMapping/>
-  </p:clrMapOvr>
 </p:sld>
 </file>
 
@@ -5422,93 +5089,59 @@
           <a:bodyPr/>
           <a:lstStyle/>
           <a:p>
-            <a:pPr marL="0" lvl="0" indent="0">
-              <a:buNone/>
-            </a:pPr>
-            <a:r>
-              <a:rPr dirty="0"/>
-              <a:t>Figure 1: Normalized Price Time Series</a:t>
-            </a:r>
-          </a:p>
-        </p:txBody>
-      </p:sp>
-      <p:pic>
-        <p:nvPicPr>
-          <p:cNvPr id="3" name="Picture 1" descr="presentation_files/figure-pptx/fig1-1.png"/>
-          <p:cNvPicPr>
-            <a:picLocks noGrp="1" noChangeAspect="1"/>
-          </p:cNvPicPr>
-          <p:nvPr/>
-        </p:nvPicPr>
-        <p:blipFill>
-          <a:blip r:embed="rId2"/>
-          <a:stretch>
-            <a:fillRect/>
-          </a:stretch>
-        </p:blipFill>
-        <p:spPr bwMode="auto">
-          <a:xfrm>
-            <a:off x="1751012" y="986058"/>
-            <a:ext cx="5641975" cy="3171384"/>
-          </a:xfrm>
-          <a:prstGeom prst="rect">
-            <a:avLst/>
-          </a:prstGeom>
-          <a:noFill/>
-          <a:ln w="9525">
-            <a:noFill/>
-            <a:headEnd/>
-            <a:tailEnd/>
-          </a:ln>
-        </p:spPr>
-      </p:pic>
-      <p:sp>
-        <p:nvSpPr>
-          <p:cNvPr id="5" name="TextBox 4">
-            <a:extLst>
-              <a:ext uri="{FF2B5EF4-FFF2-40B4-BE49-F238E27FC236}">
-                <a16:creationId xmlns:a16="http://schemas.microsoft.com/office/drawing/2014/main" id="{E5EE32C2-6BA5-F37B-92D7-7F50C3769CAC}"/>
-              </a:ext>
-            </a:extLst>
-          </p:cNvPr>
-          <p:cNvSpPr txBox="1"/>
-          <p:nvPr/>
-        </p:nvSpPr>
-        <p:spPr>
-          <a:xfrm>
-            <a:off x="457199" y="4429422"/>
-            <a:ext cx="8634413" cy="646331"/>
-          </a:xfrm>
-          <a:prstGeom prst="rect">
-            <a:avLst/>
-          </a:prstGeom>
-          <a:noFill/>
-        </p:spPr>
-        <p:txBody>
-          <a:bodyPr wrap="square">
-            <a:spAutoFit/>
-          </a:bodyPr>
-          <a:lstStyle/>
-          <a:p>
-            <a:pPr marL="0" lvl="0" indent="0">
-              <a:buNone/>
-            </a:pPr>
-            <a:r>
-              <a:rPr lang="en-US" b="1" dirty="0"/>
-              <a:t>Key Observation:</a:t>
-            </a:r>
-            <a:r>
-              <a:rPr lang="en-US" dirty="0"/>
-              <a:t> Crypto assets show dramatic price appreciation and volatility compared to commodities.</a:t>
+            <a:pPr lvl="0" indent="0" marL="0">
+              <a:buNone/>
+            </a:pPr>
+            <a:r>
+              <a:rPr/>
+              <a:t>⚠️ Time-Varying Patterns</a:t>
+            </a:r>
+          </a:p>
+        </p:txBody>
+      </p:sp>
+      <p:sp>
+        <p:nvSpPr>
+          <p:cNvPr id="3" name="Content Placeholder 2"/>
+          <p:cNvSpPr>
+            <a:spLocks noGrp="1"/>
+          </p:cNvSpPr>
+          <p:nvPr>
+            <p:ph idx="1"/>
+          </p:nvPr>
+        </p:nvSpPr>
+        <p:spPr/>
+        <p:txBody>
+          <a:bodyPr/>
+          <a:lstStyle/>
+          <a:p>
+            <a:pPr lvl="0"/>
+            <a:r>
+              <a:rPr b="1"/>
+              <a:t>Static correlations mask important dynamics!</a:t>
+            </a:r>
+          </a:p>
+          <a:p>
+            <a:pPr lvl="0"/>
+            <a:r>
+              <a:rPr/>
+              <a:t>BTC-Gold correlation ranges: </a:t>
+            </a:r>
+            <a:r>
+              <a:rPr b="1"/>
+              <a:t>-0.24 to 0.54</a:t>
+            </a:r>
+          </a:p>
+          <a:p>
+            <a:pPr lvl="0"/>
+            <a:r>
+              <a:rPr b="1"/>
+              <a:t>This 0.78 range confirms regime-dependent behavior!</a:t>
             </a:r>
           </a:p>
         </p:txBody>
       </p:sp>
     </p:spTree>
   </p:cSld>
-  <p:clrMapOvr>
-    <a:masterClrMapping/>
-  </p:clrMapOvr>
 </p:sld>
 </file>
 
@@ -5541,15 +5174,14 @@
         </p:nvSpPr>
         <p:spPr/>
         <p:txBody>
-          <a:bodyPr>
-            <a:normAutofit fontScale="90000"/>
-          </a:bodyPr>
-          <a:lstStyle/>
-          <a:p>
-            <a:pPr marL="0" lvl="0" indent="0">
-              <a:buNone/>
-            </a:pPr>
-            <a:r>
+          <a:bodyPr/>
+          <a:lstStyle/>
+          <a:p>
+            <a:pPr lvl="0" indent="0" marL="0">
+              <a:buNone/>
+            </a:pPr>
+            <a:r>
+              <a:rPr/>
               <a:t>Cryptocurrency-Commodity Correlation as a Market Regime Indicator</a:t>
             </a:r>
           </a:p>
@@ -5567,62 +5199,48 @@
         </p:nvSpPr>
         <p:spPr/>
         <p:txBody>
-          <a:bodyPr>
-            <a:normAutofit/>
-          </a:bodyPr>
-          <a:lstStyle/>
-          <a:p>
-            <a:pPr marL="0" lvl="0" indent="0">
+          <a:bodyPr/>
+          <a:lstStyle/>
+          <a:p>
+            <a:pPr lvl="0" indent="0" marL="0">
               <a:spcBef>
                 <a:spcPts val="3000"/>
               </a:spcBef>
               <a:buNone/>
             </a:pPr>
             <a:r>
-              <a:rPr sz="2000" b="1" dirty="0"/>
-              <a:t>Progress Report</a:t>
-            </a:r>
-          </a:p>
-          <a:p>
-            <a:pPr marL="0" lvl="0" indent="0">
-              <a:buNone/>
-            </a:pPr>
-            <a:r>
-              <a:rPr sz="2000" b="1" dirty="0"/>
+              <a:rPr b="1"/>
+              <a:t>Final Project Presentation</a:t>
+            </a:r>
+          </a:p>
+          <a:p>
+            <a:pPr lvl="0" indent="0" marL="0">
+              <a:buNone/>
+            </a:pPr>
+            <a:r>
+              <a:rPr b="1"/>
               <a:t>Group 7:</a:t>
             </a:r>
             <a:r>
-              <a:rPr sz="2000" dirty="0"/>
-              <a:t> Jhanvi </a:t>
-            </a:r>
-            <a:r>
-              <a:rPr sz="2000" dirty="0" err="1"/>
-              <a:t>Damwani</a:t>
-            </a:r>
-            <a:r>
-              <a:rPr sz="2000" dirty="0"/>
-              <a:t>, Saketh Kanchi, Ajith Shetty</a:t>
-            </a:r>
-            <a:br>
-              <a:rPr sz="2000" dirty="0"/>
-            </a:br>
-            <a:r>
-              <a:rPr sz="2000" b="1" dirty="0"/>
+              <a:rPr/>
+              <a:t> Jhanvi Damwani, Saketh Kanchi, Ajith Gangishetty</a:t>
+            </a:r>
+            <a:br/>
+            <a:r>
+              <a:rPr b="1"/>
               <a:t>Course:</a:t>
             </a:r>
             <a:r>
-              <a:rPr sz="2000" dirty="0"/>
+              <a:rPr/>
               <a:t> FA-582, Fall 2025</a:t>
             </a:r>
-            <a:br>
-              <a:rPr sz="2000" dirty="0"/>
-            </a:br>
-            <a:r>
-              <a:rPr sz="2000" b="1" dirty="0"/>
+            <a:br/>
+            <a:r>
+              <a:rPr b="1"/>
               <a:t>Date:</a:t>
             </a:r>
             <a:r>
-              <a:rPr sz="2000" dirty="0"/>
+              <a:rPr/>
               <a:t> November 2025</a:t>
             </a:r>
           </a:p>
@@ -5630,9 +5248,6 @@
       </p:sp>
     </p:spTree>
   </p:cSld>
-  <p:clrMapOvr>
-    <a:masterClrMapping/>
-  </p:clrMapOvr>
 </p:sld>
 </file>
 
@@ -5668,133 +5283,19 @@
           <a:bodyPr/>
           <a:lstStyle/>
           <a:p>
-            <a:pPr marL="0" lvl="0" indent="0">
-              <a:buNone/>
-            </a:pPr>
-            <a:r>
-              <a:t>Figure 2: Rolling BTC-Gold Correlation</a:t>
+            <a:pPr lvl="0" indent="0" marL="0">
+              <a:buNone/>
+            </a:pPr>
+            <a:r>
+              <a:rPr/>
+              <a:t>Figure 1: Normalized Price Time Series</a:t>
             </a:r>
           </a:p>
         </p:txBody>
       </p:sp>
       <p:pic>
         <p:nvPicPr>
-          <p:cNvPr id="3" name="Picture 1" descr="presentation_files/figure-pptx/fig2-1.png"/>
-          <p:cNvPicPr>
-            <a:picLocks noGrp="1" noChangeAspect="1"/>
-          </p:cNvPicPr>
-          <p:nvPr/>
-        </p:nvPicPr>
-        <p:blipFill>
-          <a:blip r:embed="rId2"/>
-          <a:stretch>
-            <a:fillRect/>
-          </a:stretch>
-        </p:blipFill>
-        <p:spPr bwMode="auto">
-          <a:xfrm>
-            <a:off x="1612900" y="908424"/>
-            <a:ext cx="5918200" cy="3326651"/>
-          </a:xfrm>
-          <a:prstGeom prst="rect">
-            <a:avLst/>
-          </a:prstGeom>
-          <a:noFill/>
-          <a:ln w="9525">
-            <a:noFill/>
-            <a:headEnd/>
-            <a:tailEnd/>
-          </a:ln>
-        </p:spPr>
-      </p:pic>
-      <p:sp>
-        <p:nvSpPr>
-          <p:cNvPr id="4" name="Content Placeholder 2"/>
-          <p:cNvSpPr>
-            <a:spLocks noGrp="1"/>
-          </p:cNvSpPr>
-          <p:nvPr>
-            <p:ph idx="1"/>
-          </p:nvPr>
-        </p:nvSpPr>
-        <p:spPr>
-          <a:xfrm>
-            <a:off x="169069" y="4314825"/>
-            <a:ext cx="8805862" cy="414337"/>
-          </a:xfrm>
-        </p:spPr>
-        <p:txBody>
-          <a:bodyPr>
-            <a:normAutofit/>
-          </a:bodyPr>
-          <a:lstStyle/>
-          <a:p>
-            <a:pPr marL="0" lvl="0" indent="0">
-              <a:buNone/>
-            </a:pPr>
-            <a:r>
-              <a:rPr sz="1800" b="1" dirty="0"/>
-              <a:t>Key Finding:</a:t>
-            </a:r>
-            <a:r>
-              <a:rPr sz="1800" dirty="0"/>
-              <a:t> Correlation spikes during crisis periods, confirming regime-dependent behavior.</a:t>
-            </a:r>
-          </a:p>
-        </p:txBody>
-      </p:sp>
-    </p:spTree>
-  </p:cSld>
-  <p:clrMapOvr>
-    <a:masterClrMapping/>
-  </p:clrMapOvr>
-</p:sld>
-</file>
-
-<file path=ppt/slides/slide21.xml><?xml version="1.0" encoding="utf-8"?>
-<p:sld xmlns:a="http://schemas.openxmlformats.org/drawingml/2006/main" xmlns:r="http://schemas.openxmlformats.org/officeDocument/2006/relationships" xmlns:p="http://schemas.openxmlformats.org/presentationml/2006/main">
-  <p:cSld>
-    <p:spTree>
-      <p:nvGrpSpPr>
-        <p:cNvPr id="1" name=""/>
-        <p:cNvGrpSpPr/>
-        <p:nvPr/>
-      </p:nvGrpSpPr>
-      <p:grpSpPr>
-        <a:xfrm>
-          <a:off x="0" y="0"/>
-          <a:ext cx="0" cy="0"/>
-          <a:chOff x="0" y="0"/>
-          <a:chExt cx="0" cy="0"/>
-        </a:xfrm>
-      </p:grpSpPr>
-      <p:sp>
-        <p:nvSpPr>
-          <p:cNvPr id="2" name="Title 1"/>
-          <p:cNvSpPr>
-            <a:spLocks noGrp="1"/>
-          </p:cNvSpPr>
-          <p:nvPr>
-            <p:ph type="title"/>
-          </p:nvPr>
-        </p:nvSpPr>
-        <p:spPr/>
-        <p:txBody>
-          <a:bodyPr/>
-          <a:lstStyle/>
-          <a:p>
-            <a:pPr marL="0" lvl="0" indent="0">
-              <a:buNone/>
-            </a:pPr>
-            <a:r>
-              <a:t>Figure 3: Rolling BTC-Oil Correlation</a:t>
-            </a:r>
-          </a:p>
-        </p:txBody>
-      </p:sp>
-      <p:pic>
-        <p:nvPicPr>
-          <p:cNvPr id="3" name="Picture 1" descr="presentation_files/figure-pptx/fig3-1.png"/>
+          <p:cNvPr descr="presentation_files/figure-pptx/fig1-1.png" id="0" name="Picture 1"/>
           <p:cNvPicPr>
             <a:picLocks noGrp="1" noChangeAspect="1"/>
           </p:cNvPicPr>
@@ -5822,47 +5323,59 @@
           </a:ln>
         </p:spPr>
       </p:pic>
-      <p:sp>
-        <p:nvSpPr>
-          <p:cNvPr id="4" name="Content Placeholder 2"/>
-          <p:cNvSpPr>
-            <a:spLocks noGrp="1"/>
-          </p:cNvSpPr>
-          <p:nvPr>
-            <p:ph idx="1"/>
-          </p:nvPr>
-        </p:nvSpPr>
-        <p:spPr>
-          <a:xfrm>
-            <a:off x="457200" y="4587875"/>
-            <a:ext cx="8229600" cy="452437"/>
-          </a:xfrm>
-        </p:spPr>
-        <p:txBody>
-          <a:bodyPr>
-            <a:normAutofit/>
-          </a:bodyPr>
-          <a:lstStyle/>
-          <a:p>
-            <a:pPr marL="0" lvl="0" indent="0">
-              <a:buNone/>
-            </a:pPr>
-            <a:r>
-              <a:rPr sz="1800" b="1" dirty="0"/>
-              <a:t>Key Finding:</a:t>
-            </a:r>
-            <a:r>
-              <a:rPr sz="1800" dirty="0"/>
-              <a:t> More volatile than BTC-Gold, reflecting economic cycle sensitivity.</a:t>
-            </a:r>
-          </a:p>
-        </p:txBody>
-      </p:sp>
     </p:spTree>
   </p:cSld>
-  <p:clrMapOvr>
-    <a:masterClrMapping/>
-  </p:clrMapOvr>
+</p:sld>
+</file>
+
+<file path=ppt/slides/slide21.xml><?xml version="1.0" encoding="utf-8"?>
+<p:sld xmlns:a="http://schemas.openxmlformats.org/drawingml/2006/main" xmlns:r="http://schemas.openxmlformats.org/officeDocument/2006/relationships" xmlns:p="http://schemas.openxmlformats.org/presentationml/2006/main">
+  <p:cSld>
+    <p:spTree>
+      <p:nvGrpSpPr>
+        <p:cNvPr id="1" name=""/>
+        <p:cNvGrpSpPr/>
+        <p:nvPr/>
+      </p:nvGrpSpPr>
+      <p:grpSpPr>
+        <a:xfrm>
+          <a:off x="0" y="0"/>
+          <a:ext cx="0" cy="0"/>
+          <a:chOff x="0" y="0"/>
+          <a:chExt cx="0" cy="0"/>
+        </a:xfrm>
+      </p:grpSpPr>
+      <p:sp>
+        <p:nvSpPr>
+          <p:cNvPr id="3" name="Content Placeholder 2"/>
+          <p:cNvSpPr>
+            <a:spLocks noGrp="1"/>
+          </p:cNvSpPr>
+          <p:nvPr>
+            <p:ph idx="1"/>
+          </p:nvPr>
+        </p:nvSpPr>
+        <p:spPr/>
+        <p:txBody>
+          <a:bodyPr/>
+          <a:lstStyle/>
+          <a:p>
+            <a:pPr lvl="0" indent="0" marL="0">
+              <a:buNone/>
+            </a:pPr>
+            <a:r>
+              <a:rPr b="1"/>
+              <a:t>Key Observation:</a:t>
+            </a:r>
+            <a:r>
+              <a:rPr/>
+              <a:t> Crypto assets show dramatic price appreciation and volatility compared to commodities.</a:t>
+            </a:r>
+          </a:p>
+        </p:txBody>
+      </p:sp>
+    </p:spTree>
+  </p:cSld>
 </p:sld>
 </file>
 
@@ -5898,18 +5411,19 @@
           <a:bodyPr/>
           <a:lstStyle/>
           <a:p>
-            <a:pPr marL="0" lvl="0" indent="0">
-              <a:buNone/>
-            </a:pPr>
-            <a:r>
-              <a:t>Figure 4: Return Distributions</a:t>
+            <a:pPr lvl="0" indent="0" marL="0">
+              <a:buNone/>
+            </a:pPr>
+            <a:r>
+              <a:rPr/>
+              <a:t>Figure 2: Rolling BTC-Gold Correlation</a:t>
             </a:r>
           </a:p>
         </p:txBody>
       </p:sp>
       <p:pic>
         <p:nvPicPr>
-          <p:cNvPr id="3" name="Picture 1" descr="presentation_files/figure-pptx/fig4-1.png"/>
+          <p:cNvPr descr="presentation_files/figure-pptx/fig2-1.png" id="0" name="Picture 1"/>
           <p:cNvPicPr>
             <a:picLocks noGrp="1" noChangeAspect="1"/>
           </p:cNvPicPr>
@@ -5937,47 +5451,8 @@
           </a:ln>
         </p:spPr>
       </p:pic>
-      <p:sp>
-        <p:nvSpPr>
-          <p:cNvPr id="4" name="Content Placeholder 2"/>
-          <p:cNvSpPr>
-            <a:spLocks noGrp="1"/>
-          </p:cNvSpPr>
-          <p:nvPr>
-            <p:ph idx="1"/>
-          </p:nvPr>
-        </p:nvSpPr>
-        <p:spPr>
-          <a:xfrm>
-            <a:off x="766763" y="4638676"/>
-            <a:ext cx="8229600" cy="404812"/>
-          </a:xfrm>
-        </p:spPr>
-        <p:txBody>
-          <a:bodyPr>
-            <a:normAutofit/>
-          </a:bodyPr>
-          <a:lstStyle/>
-          <a:p>
-            <a:pPr marL="0" lvl="0" indent="0">
-              <a:buNone/>
-            </a:pPr>
-            <a:r>
-              <a:rPr sz="1800" b="1" dirty="0"/>
-              <a:t>Key Observation:</a:t>
-            </a:r>
-            <a:r>
-              <a:rPr sz="1800" dirty="0"/>
-              <a:t> All distributions show fat tails and negative skewness.</a:t>
-            </a:r>
-          </a:p>
-        </p:txBody>
-      </p:sp>
     </p:spTree>
   </p:cSld>
-  <p:clrMapOvr>
-    <a:masterClrMapping/>
-  </p:clrMapOvr>
 </p:sld>
 </file>
 
@@ -6000,6 +5475,57 @@
       </p:grpSpPr>
       <p:sp>
         <p:nvSpPr>
+          <p:cNvPr id="3" name="Content Placeholder 2"/>
+          <p:cNvSpPr>
+            <a:spLocks noGrp="1"/>
+          </p:cNvSpPr>
+          <p:nvPr>
+            <p:ph idx="1"/>
+          </p:nvPr>
+        </p:nvSpPr>
+        <p:spPr/>
+        <p:txBody>
+          <a:bodyPr/>
+          <a:lstStyle/>
+          <a:p>
+            <a:pPr lvl="0" indent="0" marL="0">
+              <a:buNone/>
+            </a:pPr>
+            <a:r>
+              <a:rPr b="1"/>
+              <a:t>Key Finding:</a:t>
+            </a:r>
+            <a:r>
+              <a:rPr/>
+              <a:t> Correlation spikes during crisis periods, confirming regime-dependent behavior.</a:t>
+            </a:r>
+          </a:p>
+        </p:txBody>
+      </p:sp>
+    </p:spTree>
+  </p:cSld>
+</p:sld>
+</file>
+
+<file path=ppt/slides/slide24.xml><?xml version="1.0" encoding="utf-8"?>
+<p:sld xmlns:a="http://schemas.openxmlformats.org/drawingml/2006/main" xmlns:r="http://schemas.openxmlformats.org/officeDocument/2006/relationships" xmlns:p="http://schemas.openxmlformats.org/presentationml/2006/main">
+  <p:cSld>
+    <p:spTree>
+      <p:nvGrpSpPr>
+        <p:cNvPr id="1" name=""/>
+        <p:cNvGrpSpPr/>
+        <p:nvPr/>
+      </p:nvGrpSpPr>
+      <p:grpSpPr>
+        <a:xfrm>
+          <a:off x="0" y="0"/>
+          <a:ext cx="0" cy="0"/>
+          <a:chOff x="0" y="0"/>
+          <a:chExt cx="0" cy="0"/>
+        </a:xfrm>
+      </p:grpSpPr>
+      <p:sp>
+        <p:nvSpPr>
           <p:cNvPr id="2" name="Title 1"/>
           <p:cNvSpPr>
             <a:spLocks noGrp="1"/>
@@ -6013,18 +5539,19 @@
           <a:bodyPr/>
           <a:lstStyle/>
           <a:p>
-            <a:pPr marL="0" lvl="0" indent="0">
-              <a:buNone/>
-            </a:pPr>
-            <a:r>
-              <a:t>Figure 5: Correlation Evolution Heatmap</a:t>
+            <a:pPr lvl="0" indent="0" marL="0">
+              <a:buNone/>
+            </a:pPr>
+            <a:r>
+              <a:rPr/>
+              <a:t>Figure 3: Rolling BTC-Oil Correlation</a:t>
             </a:r>
           </a:p>
         </p:txBody>
       </p:sp>
       <p:pic>
         <p:nvPicPr>
-          <p:cNvPr id="3" name="Picture 1" descr="presentation_files/figure-pptx/fig5-1.png"/>
+          <p:cNvPr descr="presentation_files/figure-pptx/fig3-1.png" id="0" name="Picture 1"/>
           <p:cNvPicPr>
             <a:picLocks noGrp="1" noChangeAspect="1"/>
           </p:cNvPicPr>
@@ -6052,176 +5579,8 @@
           </a:ln>
         </p:spPr>
       </p:pic>
-      <p:sp>
-        <p:nvSpPr>
-          <p:cNvPr id="4" name="Content Placeholder 2"/>
-          <p:cNvSpPr>
-            <a:spLocks noGrp="1"/>
-          </p:cNvSpPr>
-          <p:nvPr>
-            <p:ph idx="1"/>
-          </p:nvPr>
-        </p:nvSpPr>
-        <p:spPr>
-          <a:xfrm>
-            <a:off x="457200" y="4584700"/>
-            <a:ext cx="8229600" cy="419099"/>
-          </a:xfrm>
-        </p:spPr>
-        <p:txBody>
-          <a:bodyPr>
-            <a:normAutofit/>
-          </a:bodyPr>
-          <a:lstStyle/>
-          <a:p>
-            <a:pPr marL="0" lvl="0" indent="0">
-              <a:buNone/>
-            </a:pPr>
-            <a:r>
-              <a:rPr sz="1800" b="1" dirty="0"/>
-              <a:t>Key Observation:</a:t>
-            </a:r>
-            <a:r>
-              <a:rPr sz="1800" dirty="0"/>
-              <a:t> Clear time-varying patterns across quarters.</a:t>
-            </a:r>
-          </a:p>
-        </p:txBody>
-      </p:sp>
     </p:spTree>
   </p:cSld>
-  <p:clrMapOvr>
-    <a:masterClrMapping/>
-  </p:clrMapOvr>
-</p:sld>
-</file>
-
-<file path=ppt/slides/slide24.xml><?xml version="1.0" encoding="utf-8"?>
-<p:sld xmlns:a="http://schemas.openxmlformats.org/drawingml/2006/main" xmlns:r="http://schemas.openxmlformats.org/officeDocument/2006/relationships" xmlns:p="http://schemas.openxmlformats.org/presentationml/2006/main">
-  <p:cSld>
-    <p:spTree>
-      <p:nvGrpSpPr>
-        <p:cNvPr id="1" name=""/>
-        <p:cNvGrpSpPr/>
-        <p:nvPr/>
-      </p:nvGrpSpPr>
-      <p:grpSpPr>
-        <a:xfrm>
-          <a:off x="0" y="0"/>
-          <a:ext cx="0" cy="0"/>
-          <a:chOff x="0" y="0"/>
-          <a:chExt cx="0" cy="0"/>
-        </a:xfrm>
-      </p:grpSpPr>
-      <p:sp>
-        <p:nvSpPr>
-          <p:cNvPr id="2" name="Title 1"/>
-          <p:cNvSpPr>
-            <a:spLocks noGrp="1"/>
-          </p:cNvSpPr>
-          <p:nvPr>
-            <p:ph type="title"/>
-          </p:nvPr>
-        </p:nvSpPr>
-        <p:spPr/>
-        <p:txBody>
-          <a:bodyPr/>
-          <a:lstStyle/>
-          <a:p>
-            <a:pPr marL="0" lvl="0" indent="0">
-              <a:buNone/>
-            </a:pPr>
-            <a:r>
-              <a:t>Methods Implemented</a:t>
-            </a:r>
-          </a:p>
-        </p:txBody>
-      </p:sp>
-      <p:sp>
-        <p:nvSpPr>
-          <p:cNvPr id="3" name="Content Placeholder 2"/>
-          <p:cNvSpPr>
-            <a:spLocks noGrp="1"/>
-          </p:cNvSpPr>
-          <p:nvPr>
-            <p:ph idx="1"/>
-          </p:nvPr>
-        </p:nvSpPr>
-        <p:spPr/>
-        <p:txBody>
-          <a:bodyPr>
-            <a:normAutofit/>
-          </a:bodyPr>
-          <a:lstStyle/>
-          <a:p>
-            <a:pPr marL="0" lvl="0" indent="0">
-              <a:spcBef>
-                <a:spcPts val="3000"/>
-              </a:spcBef>
-              <a:buNone/>
-            </a:pPr>
-            <a:r>
-              <a:rPr sz="2000" b="1" dirty="0"/>
-              <a:t>1. Rolling Correlation Analysis</a:t>
-            </a:r>
-          </a:p>
-          <a:p>
-            <a:pPr lvl="0"/>
-            <a:r>
-              <a:rPr sz="2000" dirty="0"/>
-              <a:t>Multiple window sizes: </a:t>
-            </a:r>
-            <a:r>
-              <a:rPr sz="2000" b="1" dirty="0"/>
-              <a:t>30, 60, 90, and 180 days</a:t>
-            </a:r>
-          </a:p>
-          <a:p>
-            <a:pPr lvl="0"/>
-            <a:r>
-              <a:rPr sz="2000" b="1" dirty="0"/>
-              <a:t>90-day window</a:t>
-            </a:r>
-            <a:r>
-              <a:rPr sz="2000" dirty="0"/>
-              <a:t> is primary measure (balances stability and responsiveness)</a:t>
-            </a:r>
-          </a:p>
-          <a:p>
-            <a:pPr lvl="0"/>
-            <a:r>
-              <a:rPr sz="2000" dirty="0"/>
-              <a:t>Calculated for all asset pairs:</a:t>
-            </a:r>
-          </a:p>
-          <a:p>
-            <a:pPr lvl="1"/>
-            <a:r>
-              <a:rPr sz="2000" dirty="0"/>
-              <a:t>BTC-Gold, BTC-Oil</a:t>
-            </a:r>
-          </a:p>
-          <a:p>
-            <a:pPr lvl="1"/>
-            <a:r>
-              <a:rPr sz="2000" dirty="0"/>
-              <a:t>ETH-Gold, ETH-Oil</a:t>
-            </a:r>
-          </a:p>
-          <a:p>
-            <a:pPr lvl="1"/>
-            <a:r>
-              <a:rPr sz="2000" dirty="0"/>
-              <a:t>BTC-ETH (for comparison)</a:t>
-            </a:r>
-          </a:p>
-        </p:txBody>
-      </p:sp>
-    </p:spTree>
-  </p:cSld>
-  <p:clrMapOvr>
-    <a:masterClrMapping/>
-  </p:clrMapOvr>
 </p:sld>
 </file>
 
@@ -6244,30 +5603,6 @@
       </p:grpSpPr>
       <p:sp>
         <p:nvSpPr>
-          <p:cNvPr id="2" name="Title 1"/>
-          <p:cNvSpPr>
-            <a:spLocks noGrp="1"/>
-          </p:cNvSpPr>
-          <p:nvPr>
-            <p:ph type="title"/>
-          </p:nvPr>
-        </p:nvSpPr>
-        <p:spPr/>
-        <p:txBody>
-          <a:bodyPr/>
-          <a:lstStyle/>
-          <a:p>
-            <a:pPr marL="0" lvl="0" indent="0">
-              <a:buNone/>
-            </a:pPr>
-            <a:r>
-              <a:t>2. Alternative Correlation Measures</a:t>
-            </a:r>
-          </a:p>
-        </p:txBody>
-      </p:sp>
-      <p:sp>
-        <p:nvSpPr>
           <p:cNvPr id="3" name="Content Placeholder 2"/>
           <p:cNvSpPr>
             <a:spLocks noGrp="1"/>
@@ -6278,42 +5613,25 @@
         </p:nvSpPr>
         <p:spPr/>
         <p:txBody>
-          <a:bodyPr>
-            <a:normAutofit/>
-          </a:bodyPr>
-          <a:lstStyle/>
-          <a:p>
-            <a:pPr lvl="0"/>
-            <a:r>
-              <a:rPr sz="2000" b="1" dirty="0"/>
-              <a:t>Spearman rank correlations:</a:t>
-            </a:r>
-            <a:r>
-              <a:rPr sz="2000" dirty="0"/>
-              <a:t> Less sensitive to outliers</a:t>
-            </a:r>
-          </a:p>
-          <a:p>
-            <a:pPr lvl="0"/>
-            <a:r>
-              <a:rPr sz="2000" dirty="0"/>
-              <a:t>Provides robustness check</a:t>
-            </a:r>
-          </a:p>
-          <a:p>
-            <a:pPr lvl="0"/>
-            <a:r>
-              <a:rPr sz="2000" dirty="0"/>
-              <a:t>Results consistent with Pearson correlations</a:t>
+          <a:bodyPr/>
+          <a:lstStyle/>
+          <a:p>
+            <a:pPr lvl="0" indent="0" marL="0">
+              <a:buNone/>
+            </a:pPr>
+            <a:r>
+              <a:rPr b="1"/>
+              <a:t>Key Finding:</a:t>
+            </a:r>
+            <a:r>
+              <a:rPr/>
+              <a:t> More volatile than BTC-Gold, reflecting economic cycle sensitivity.</a:t>
             </a:r>
           </a:p>
         </p:txBody>
       </p:sp>
     </p:spTree>
   </p:cSld>
-  <p:clrMapOvr>
-    <a:masterClrMapping/>
-  </p:clrMapOvr>
 </p:sld>
 </file>
 
@@ -6349,83 +5667,48 @@
           <a:bodyPr/>
           <a:lstStyle/>
           <a:p>
-            <a:pPr marL="0" lvl="0" indent="0">
-              <a:buNone/>
-            </a:pPr>
-            <a:r>
-              <a:t>Methods Implemented (continued)</a:t>
-            </a:r>
-          </a:p>
-        </p:txBody>
-      </p:sp>
-      <p:sp>
-        <p:nvSpPr>
-          <p:cNvPr id="3" name="Content Placeholder 2"/>
-          <p:cNvSpPr>
-            <a:spLocks noGrp="1"/>
-          </p:cNvSpPr>
-          <p:nvPr>
-            <p:ph idx="1"/>
-          </p:nvPr>
-        </p:nvSpPr>
-        <p:spPr/>
-        <p:txBody>
-          <a:bodyPr>
-            <a:normAutofit/>
-          </a:bodyPr>
-          <a:lstStyle/>
-          <a:p>
-            <a:pPr marL="0" lvl="0" indent="0">
-              <a:spcBef>
-                <a:spcPts val="3000"/>
-              </a:spcBef>
-              <a:buNone/>
-            </a:pPr>
-            <a:r>
-              <a:rPr sz="2000" b="1" dirty="0"/>
-              <a:t>3. Statistical Testing</a:t>
-            </a:r>
-          </a:p>
-          <a:p>
-            <a:pPr lvl="0"/>
-            <a:r>
-              <a:rPr sz="2000" b="1" dirty="0"/>
-              <a:t>Augmented Dickey-Fuller (ADF) tests:</a:t>
-            </a:r>
-            <a:r>
-              <a:rPr sz="2000" dirty="0"/>
-              <a:t> Verify stationarity</a:t>
-            </a:r>
-          </a:p>
-          <a:p>
-            <a:pPr lvl="0"/>
-            <a:r>
-              <a:rPr sz="2000" dirty="0"/>
-              <a:t>All return series are </a:t>
-            </a:r>
-            <a:r>
-              <a:rPr sz="2000" b="1" dirty="0"/>
-              <a:t>stationary</a:t>
-            </a:r>
-            <a:r>
-              <a:rPr sz="2000" dirty="0"/>
-              <a:t> (p &lt; 0.05)</a:t>
-            </a:r>
-          </a:p>
-          <a:p>
-            <a:pPr lvl="0"/>
-            <a:r>
-              <a:rPr sz="2000" dirty="0"/>
-              <a:t>Validates our correlation analysis methodology</a:t>
-            </a:r>
-          </a:p>
-        </p:txBody>
-      </p:sp>
+            <a:pPr lvl="0" indent="0" marL="0">
+              <a:buNone/>
+            </a:pPr>
+            <a:r>
+              <a:rPr/>
+              <a:t>Figure 4: Return Distributions</a:t>
+            </a:r>
+          </a:p>
+        </p:txBody>
+      </p:sp>
+      <p:pic>
+        <p:nvPicPr>
+          <p:cNvPr descr="presentation_files/figure-pptx/fig4-1.png" id="0" name="Picture 1"/>
+          <p:cNvPicPr>
+            <a:picLocks noGrp="1" noChangeAspect="1"/>
+          </p:cNvPicPr>
+          <p:nvPr/>
+        </p:nvPicPr>
+        <p:blipFill>
+          <a:blip r:embed="rId2"/>
+          <a:stretch>
+            <a:fillRect/>
+          </a:stretch>
+        </p:blipFill>
+        <p:spPr bwMode="auto">
+          <a:xfrm>
+            <a:off x="1562100" y="1193800"/>
+            <a:ext cx="6032500" cy="3390900"/>
+          </a:xfrm>
+          <a:prstGeom prst="rect">
+            <a:avLst/>
+          </a:prstGeom>
+          <a:noFill/>
+          <a:ln w="9525">
+            <a:noFill/>
+            <a:headEnd/>
+            <a:tailEnd/>
+          </a:ln>
+        </p:spPr>
+      </p:pic>
     </p:spTree>
   </p:cSld>
-  <p:clrMapOvr>
-    <a:masterClrMapping/>
-  </p:clrMapOvr>
 </p:sld>
 </file>
 
@@ -6448,30 +5731,6 @@
       </p:grpSpPr>
       <p:sp>
         <p:nvSpPr>
-          <p:cNvPr id="2" name="Title 1"/>
-          <p:cNvSpPr>
-            <a:spLocks noGrp="1"/>
-          </p:cNvSpPr>
-          <p:nvPr>
-            <p:ph type="title"/>
-          </p:nvPr>
-        </p:nvSpPr>
-        <p:spPr/>
-        <p:txBody>
-          <a:bodyPr/>
-          <a:lstStyle/>
-          <a:p>
-            <a:pPr marL="0" lvl="0" indent="0">
-              <a:buNone/>
-            </a:pPr>
-            <a:r>
-              <a:t>4. Preliminary Regime Identification</a:t>
-            </a:r>
-          </a:p>
-        </p:txBody>
-      </p:sp>
-      <p:sp>
-        <p:nvSpPr>
           <p:cNvPr id="3" name="Content Placeholder 2"/>
           <p:cNvSpPr>
             <a:spLocks noGrp="1"/>
@@ -6482,79 +5741,25 @@
         </p:nvSpPr>
         <p:spPr/>
         <p:txBody>
-          <a:bodyPr>
-            <a:normAutofit/>
-          </a:bodyPr>
-          <a:lstStyle/>
-          <a:p>
-            <a:pPr lvl="0"/>
-            <a:r>
-              <a:rPr sz="2000" dirty="0"/>
-              <a:t>Threshold-based classification:</a:t>
-            </a:r>
-          </a:p>
-          <a:p>
-            <a:pPr lvl="1"/>
-            <a:r>
-              <a:rPr sz="2000" b="1" dirty="0"/>
-              <a:t>High Positive (&gt;0.3):</a:t>
-            </a:r>
-            <a:r>
-              <a:rPr sz="2000" dirty="0"/>
-              <a:t> Strong coupling, risk-on</a:t>
-            </a:r>
-          </a:p>
-          <a:p>
-            <a:pPr lvl="1"/>
-            <a:r>
-              <a:rPr sz="2000" b="1" dirty="0"/>
-              <a:t>Moderate Positive (0.1-0.3):</a:t>
-            </a:r>
-            <a:r>
-              <a:rPr sz="2000" dirty="0"/>
-              <a:t> Some coupling</a:t>
-            </a:r>
-          </a:p>
-          <a:p>
-            <a:pPr lvl="1"/>
-            <a:r>
-              <a:rPr sz="2000" b="1" dirty="0"/>
-              <a:t>Low (-0.1 to 0.1):</a:t>
-            </a:r>
-            <a:r>
-              <a:rPr sz="2000" dirty="0"/>
-              <a:t> Independent movement</a:t>
-            </a:r>
-          </a:p>
-          <a:p>
-            <a:pPr lvl="1"/>
-            <a:r>
-              <a:rPr sz="2000" b="1" dirty="0"/>
-              <a:t>Moderate Negative (-0.3 to -0.1):</a:t>
-            </a:r>
-            <a:r>
-              <a:rPr sz="2000" dirty="0"/>
-              <a:t> Some decoupling</a:t>
-            </a:r>
-          </a:p>
-          <a:p>
-            <a:pPr lvl="1"/>
-            <a:r>
-              <a:rPr sz="2000" b="1" dirty="0"/>
-              <a:t>High Negative (&lt;-0.3):</a:t>
-            </a:r>
-            <a:r>
-              <a:rPr sz="2000" dirty="0"/>
-              <a:t> Strong decoupling, risk-off</a:t>
+          <a:bodyPr/>
+          <a:lstStyle/>
+          <a:p>
+            <a:pPr lvl="0" indent="0" marL="0">
+              <a:buNone/>
+            </a:pPr>
+            <a:r>
+              <a:rPr b="1"/>
+              <a:t>Key Observation:</a:t>
+            </a:r>
+            <a:r>
+              <a:rPr/>
+              <a:t> All distributions show fat tails and negative skewness.</a:t>
             </a:r>
           </a:p>
         </p:txBody>
       </p:sp>
     </p:spTree>
   </p:cSld>
-  <p:clrMapOvr>
-    <a:masterClrMapping/>
-  </p:clrMapOvr>
 </p:sld>
 </file>
 
@@ -6590,146 +5795,48 @@
           <a:bodyPr/>
           <a:lstStyle/>
           <a:p>
-            <a:pPr marL="0" lvl="0" indent="0">
-              <a:buNone/>
-            </a:pPr>
-            <a:r>
-              <a:t>Key Findings</a:t>
-            </a:r>
-          </a:p>
-        </p:txBody>
-      </p:sp>
-      <p:sp>
-        <p:nvSpPr>
-          <p:cNvPr id="3" name="Content Placeholder 2"/>
-          <p:cNvSpPr>
-            <a:spLocks noGrp="1"/>
-          </p:cNvSpPr>
-          <p:nvPr>
-            <p:ph idx="1"/>
-          </p:nvPr>
-        </p:nvSpPr>
-        <p:spPr>
+            <a:pPr lvl="0" indent="0" marL="0">
+              <a:buNone/>
+            </a:pPr>
+            <a:r>
+              <a:rPr/>
+              <a:t>Figure 5: Correlation Evolution Heatmap</a:t>
+            </a:r>
+          </a:p>
+        </p:txBody>
+      </p:sp>
+      <p:pic>
+        <p:nvPicPr>
+          <p:cNvPr descr="presentation_files/figure-pptx/fig5-1.png" id="0" name="Picture 1"/>
+          <p:cNvPicPr>
+            <a:picLocks noGrp="1" noChangeAspect="1"/>
+          </p:cNvPicPr>
+          <p:nvPr/>
+        </p:nvPicPr>
+        <p:blipFill>
+          <a:blip r:embed="rId2"/>
+          <a:stretch>
+            <a:fillRect/>
+          </a:stretch>
+        </p:blipFill>
+        <p:spPr bwMode="auto">
           <a:xfrm>
-            <a:off x="457200" y="1200151"/>
-            <a:ext cx="8229600" cy="3686174"/>
+            <a:off x="1562100" y="1193800"/>
+            <a:ext cx="6032500" cy="3390900"/>
           </a:xfrm>
+          <a:prstGeom prst="rect">
+            <a:avLst/>
+          </a:prstGeom>
+          <a:noFill/>
+          <a:ln w="9525">
+            <a:noFill/>
+            <a:headEnd/>
+            <a:tailEnd/>
+          </a:ln>
         </p:spPr>
-        <p:txBody>
-          <a:bodyPr>
-            <a:normAutofit lnSpcReduction="10000"/>
-          </a:bodyPr>
-          <a:lstStyle/>
-          <a:p>
-            <a:pPr marL="0" lvl="0" indent="0">
-              <a:spcBef>
-                <a:spcPts val="3000"/>
-              </a:spcBef>
-              <a:buNone/>
-            </a:pPr>
-            <a:r>
-              <a:rPr sz="2000" b="1" dirty="0"/>
-              <a:t>Finding 1: Time-Varying Correlations</a:t>
-            </a:r>
-          </a:p>
-          <a:p>
-            <a:pPr lvl="0"/>
-            <a:r>
-              <a:rPr sz="2000" dirty="0"/>
-              <a:t>Rolling correlations show </a:t>
-            </a:r>
-            <a:r>
-              <a:rPr sz="2000" b="1" dirty="0"/>
-              <a:t>significant variation</a:t>
-            </a:r>
-            <a:r>
-              <a:rPr sz="2000" dirty="0"/>
-              <a:t> over time</a:t>
-            </a:r>
-          </a:p>
-          <a:p>
-            <a:pPr lvl="0"/>
-            <a:r>
-              <a:rPr sz="2000" dirty="0"/>
-              <a:t>BTC-Gold correlation ranges: </a:t>
-            </a:r>
-            <a:r>
-              <a:rPr sz="2000" b="1" dirty="0"/>
-              <a:t>-0.24 to 0.54</a:t>
-            </a:r>
-          </a:p>
-          <a:p>
-            <a:pPr lvl="0"/>
-            <a:r>
-              <a:rPr sz="2000" b="1" dirty="0"/>
-              <a:t>This 0.78 range confirms regime-dependent behavior!</a:t>
-            </a:r>
-          </a:p>
-          <a:p>
-            <a:pPr lvl="0"/>
-            <a:r>
-              <a:rPr sz="2000" dirty="0"/>
-              <a:t>Static correlations are misleading</a:t>
-            </a:r>
-            <a:endParaRPr lang="en-US" sz="2000" dirty="0"/>
-          </a:p>
-          <a:p>
-            <a:pPr marL="0" lvl="0" indent="0">
-              <a:buNone/>
-            </a:pPr>
-            <a:endParaRPr lang="en-US" sz="2000" dirty="0"/>
-          </a:p>
-          <a:p>
-            <a:pPr marL="0" lvl="0" indent="0">
-              <a:buNone/>
-            </a:pPr>
-            <a:r>
-              <a:rPr lang="en-US" sz="2000" b="1" dirty="0"/>
-              <a:t>Finding 2: Crypto-Commodity Relationships</a:t>
-            </a:r>
-          </a:p>
-          <a:p>
-            <a:pPr lvl="0"/>
-            <a:r>
-              <a:rPr lang="en-US" sz="2000" dirty="0"/>
-              <a:t>On average, correlations are </a:t>
-            </a:r>
-            <a:r>
-              <a:rPr lang="en-US" sz="2000" b="1" dirty="0"/>
-              <a:t>low</a:t>
-            </a:r>
-            <a:r>
-              <a:rPr lang="en-US" sz="2000" dirty="0"/>
-              <a:t> (diversification benefits)</a:t>
-            </a:r>
-          </a:p>
-          <a:p>
-            <a:pPr lvl="0"/>
-            <a:r>
-              <a:rPr lang="en-US" sz="2000" b="1" dirty="0"/>
-              <a:t>However, correlations increase during market stress</a:t>
-            </a:r>
-          </a:p>
-          <a:p>
-            <a:pPr lvl="0"/>
-            <a:r>
-              <a:rPr lang="en-US" sz="2000" dirty="0"/>
-              <a:t>Key insight for regime identification</a:t>
-            </a:r>
-          </a:p>
-          <a:p>
-            <a:pPr marL="0" lvl="0" indent="0">
-              <a:buNone/>
-            </a:pPr>
-            <a:endParaRPr sz="2000" b="1" dirty="0"/>
-          </a:p>
-        </p:txBody>
-      </p:sp>
+      </p:pic>
     </p:spTree>
   </p:cSld>
-  <p:clrMapOvr>
-    <a:masterClrMapping/>
-  </p:clrMapOvr>
 </p:sld>
 </file>
 
@@ -6752,31 +5859,6 @@
       </p:grpSpPr>
       <p:sp>
         <p:nvSpPr>
-          <p:cNvPr id="2" name="Title 1"/>
-          <p:cNvSpPr>
-            <a:spLocks noGrp="1"/>
-          </p:cNvSpPr>
-          <p:nvPr>
-            <p:ph type="title"/>
-          </p:nvPr>
-        </p:nvSpPr>
-        <p:spPr/>
-        <p:txBody>
-          <a:bodyPr/>
-          <a:lstStyle/>
-          <a:p>
-            <a:pPr marL="0" lvl="0" indent="0">
-              <a:buNone/>
-            </a:pPr>
-            <a:r>
-              <a:rPr dirty="0"/>
-              <a:t>Key Findings (continued)</a:t>
-            </a:r>
-          </a:p>
-        </p:txBody>
-      </p:sp>
-      <p:sp>
-        <p:nvSpPr>
           <p:cNvPr id="3" name="Content Placeholder 2"/>
           <p:cNvSpPr>
             <a:spLocks noGrp="1"/>
@@ -6787,96 +5869,25 @@
         </p:nvSpPr>
         <p:spPr/>
         <p:txBody>
-          <a:bodyPr>
-            <a:normAutofit/>
-          </a:bodyPr>
-          <a:lstStyle/>
-          <a:p>
-            <a:pPr marL="0" lvl="0" indent="0">
-              <a:spcBef>
-                <a:spcPts val="3000"/>
-              </a:spcBef>
-              <a:buNone/>
-            </a:pPr>
-            <a:r>
-              <a:rPr sz="2000" b="1" dirty="0"/>
-              <a:t>Finding 3: Volatility Differences</a:t>
-            </a:r>
-          </a:p>
-          <a:p>
-            <a:pPr lvl="0"/>
-            <a:r>
-              <a:rPr sz="2000" dirty="0"/>
-              <a:t>Cryptocurrencies are </a:t>
-            </a:r>
-            <a:r>
-              <a:rPr sz="2000" b="1" dirty="0"/>
-              <a:t>3-4x more volatile</a:t>
-            </a:r>
-            <a:r>
-              <a:rPr sz="2000" dirty="0"/>
-              <a:t> than commodities</a:t>
-            </a:r>
-          </a:p>
-          <a:p>
-            <a:pPr lvl="0"/>
-            <a:r>
-              <a:rPr sz="2000" dirty="0"/>
-              <a:t>Bitcoin: 3.45% vs. Gold: 0.85%</a:t>
-            </a:r>
-          </a:p>
-          <a:p>
-            <a:pPr lvl="0"/>
-            <a:r>
-              <a:rPr sz="2000" dirty="0"/>
-              <a:t>Higher risk-return profiles for digital assets</a:t>
-            </a:r>
-            <a:endParaRPr lang="en-US" sz="2000" dirty="0"/>
-          </a:p>
-          <a:p>
-            <a:pPr marL="0" lvl="0" indent="0">
-              <a:buNone/>
-            </a:pPr>
-            <a:endParaRPr lang="en-US" sz="2000" dirty="0"/>
-          </a:p>
-          <a:p>
-            <a:pPr marL="0" lvl="0" indent="0">
-              <a:buNone/>
-            </a:pPr>
-            <a:r>
-              <a:rPr lang="en-US" sz="2000" b="1" dirty="0"/>
-              <a:t>Finding 4: Stationarity</a:t>
-            </a:r>
-          </a:p>
-          <a:p>
-            <a:pPr lvl="0"/>
-            <a:r>
-              <a:rPr lang="en-US" sz="2000" dirty="0"/>
-              <a:t>All return series are </a:t>
-            </a:r>
-            <a:r>
-              <a:rPr lang="en-US" sz="2000" b="1" dirty="0"/>
-              <a:t>stationary</a:t>
-            </a:r>
-            <a:r>
-              <a:rPr lang="en-US" sz="2000" dirty="0"/>
-              <a:t> (ADF tests confirmed)</a:t>
-            </a:r>
-          </a:p>
-          <a:p>
-            <a:pPr lvl="0"/>
-            <a:r>
-              <a:rPr lang="en-US" sz="2000" dirty="0"/>
-              <a:t>Validates correlation analysis methodology</a:t>
+          <a:bodyPr/>
+          <a:lstStyle/>
+          <a:p>
+            <a:pPr lvl="0" indent="0" marL="0">
+              <a:buNone/>
+            </a:pPr>
+            <a:r>
+              <a:rPr b="1"/>
+              <a:t>Key Observation:</a:t>
+            </a:r>
+            <a:r>
+              <a:rPr/>
+              <a:t> Clear time-varying patterns across quarters.</a:t>
             </a:r>
           </a:p>
         </p:txBody>
       </p:sp>
     </p:spTree>
   </p:cSld>
-  <p:clrMapOvr>
-    <a:masterClrMapping/>
-  </p:clrMapOvr>
 </p:sld>
 </file>
 
@@ -6912,10 +5923,11 @@
           <a:bodyPr/>
           <a:lstStyle/>
           <a:p>
-            <a:pPr marL="0" lvl="0" indent="0">
-              <a:buNone/>
-            </a:pPr>
-            <a:r>
+            <a:pPr lvl="0" indent="0" marL="0">
+              <a:buNone/>
+            </a:pPr>
+            <a:r>
+              <a:rPr/>
               <a:t>Introduction</a:t>
             </a:r>
           </a:p>
@@ -6933,58 +5945,56 @@
         </p:nvSpPr>
         <p:spPr/>
         <p:txBody>
-          <a:bodyPr>
-            <a:normAutofit/>
-          </a:bodyPr>
-          <a:lstStyle/>
-          <a:p>
-            <a:pPr marL="0" lvl="0" indent="0">
+          <a:bodyPr/>
+          <a:lstStyle/>
+          <a:p>
+            <a:pPr lvl="0" indent="0" marL="0">
               <a:spcBef>
                 <a:spcPts val="3000"/>
               </a:spcBef>
               <a:buNone/>
             </a:pPr>
             <a:r>
-              <a:rPr sz="2000" b="1" dirty="0"/>
+              <a:rPr b="1"/>
               <a:t>Why This Research Matters</a:t>
             </a:r>
           </a:p>
           <a:p>
             <a:pPr lvl="0"/>
             <a:r>
-              <a:rPr sz="2000" dirty="0"/>
+              <a:rPr/>
               <a:t>Cryptocurrencies: niche instruments → </a:t>
             </a:r>
             <a:r>
-              <a:rPr sz="2000" b="1" dirty="0"/>
+              <a:rPr b="1"/>
               <a:t>macro-relevant financial assets</a:t>
             </a:r>
           </a:p>
           <a:p>
             <a:pPr lvl="0"/>
             <a:r>
-              <a:rPr sz="2000" dirty="0"/>
+              <a:rPr/>
               <a:t>Understanding crypto-commodity relationships is crucial for:</a:t>
             </a:r>
           </a:p>
           <a:p>
             <a:pPr lvl="1"/>
             <a:r>
-              <a:rPr sz="2000" b="1" dirty="0"/>
+              <a:rPr b="1"/>
               <a:t>Portfolio diversification strategies</a:t>
             </a:r>
           </a:p>
           <a:p>
             <a:pPr lvl="1"/>
             <a:r>
-              <a:rPr sz="2000" b="1" dirty="0"/>
+              <a:rPr b="1"/>
               <a:t>Risk management decisions</a:t>
             </a:r>
           </a:p>
           <a:p>
             <a:pPr lvl="1"/>
             <a:r>
-              <a:rPr sz="2000" b="1" dirty="0"/>
+              <a:rPr b="1"/>
               <a:t>Market regime identification</a:t>
             </a:r>
           </a:p>
@@ -6992,9 +6002,6 @@
       </p:sp>
     </p:spTree>
   </p:cSld>
-  <p:clrMapOvr>
-    <a:masterClrMapping/>
-  </p:clrMapOvr>
 </p:sld>
 </file>
 
@@ -7027,73 +6034,99 @@
         </p:nvSpPr>
         <p:spPr/>
         <p:txBody>
-          <a:bodyPr>
-            <a:normAutofit/>
-          </a:bodyPr>
-          <a:lstStyle/>
+          <a:bodyPr/>
+          <a:lstStyle/>
+          <a:p>
+            <a:pPr lvl="0" indent="0" marL="0">
+              <a:buNone/>
+            </a:pPr>
+            <a:r>
+              <a:rPr/>
+              <a:t>Methods Implemented</a:t>
+            </a:r>
+          </a:p>
+        </p:txBody>
+      </p:sp>
+      <p:sp>
+        <p:nvSpPr>
+          <p:cNvPr id="3" name="Content Placeholder 2"/>
+          <p:cNvSpPr>
+            <a:spLocks noGrp="1"/>
+          </p:cNvSpPr>
+          <p:nvPr>
+            <p:ph idx="1"/>
+          </p:nvPr>
+        </p:nvSpPr>
+        <p:spPr/>
+        <p:txBody>
+          <a:bodyPr/>
+          <a:lstStyle/>
+          <a:p>
+            <a:pPr lvl="0" indent="0" marL="0">
+              <a:spcBef>
+                <a:spcPts val="3000"/>
+              </a:spcBef>
+              <a:buNone/>
+            </a:pPr>
+            <a:r>
+              <a:rPr b="1"/>
+              <a:t>1. Rolling Correlation Analysis</a:t>
+            </a:r>
+          </a:p>
           <a:p>
             <a:pPr lvl="0"/>
             <a:r>
-              <a:rPr lang="en-US" dirty="0"/>
-              <a:t>Key Findings (continued)</a:t>
-            </a:r>
-            <a:endParaRPr dirty="0"/>
-          </a:p>
-        </p:txBody>
-      </p:sp>
-      <p:sp>
-        <p:nvSpPr>
-          <p:cNvPr id="3" name="Content Placeholder 2"/>
-          <p:cNvSpPr>
-            <a:spLocks noGrp="1"/>
-          </p:cNvSpPr>
-          <p:nvPr>
-            <p:ph idx="1"/>
-          </p:nvPr>
-        </p:nvSpPr>
-        <p:spPr/>
-        <p:txBody>
-          <a:bodyPr>
-            <a:normAutofit/>
-          </a:bodyPr>
-          <a:lstStyle/>
-          <a:p>
-            <a:pPr marL="0" lvl="0" indent="0">
-              <a:buNone/>
-            </a:pPr>
-            <a:r>
-              <a:rPr lang="en-US" sz="2000" b="1" dirty="0"/>
-              <a:t>Finding 5: Regime Patterns</a:t>
+              <a:rPr/>
+              <a:t>Multiple window sizes: </a:t>
+            </a:r>
+            <a:r>
+              <a:rPr b="1"/>
+              <a:t>30, 60, 90, and 180 days</a:t>
             </a:r>
           </a:p>
           <a:p>
             <a:pPr lvl="0"/>
             <a:r>
-              <a:rPr sz="2000" dirty="0"/>
-              <a:t>Distinct periods of high and low correlation</a:t>
+              <a:rPr b="1"/>
+              <a:t>90-day window</a:t>
+            </a:r>
+            <a:r>
+              <a:rPr/>
+              <a:t> is primary measure (balances stability and responsiveness)</a:t>
             </a:r>
           </a:p>
           <a:p>
             <a:pPr lvl="0"/>
             <a:r>
-              <a:rPr sz="2000" dirty="0"/>
-              <a:t>Correspond to different market regimes</a:t>
-            </a:r>
-          </a:p>
-          <a:p>
-            <a:pPr lvl="0"/>
-            <a:r>
-              <a:rPr sz="2000" dirty="0"/>
-              <a:t>Preliminary evidence: correlations can signal regime changes</a:t>
+              <a:rPr/>
+              <a:t>Calculated for all asset pairs:</a:t>
+            </a:r>
+          </a:p>
+          <a:p>
+            <a:pPr lvl="1"/>
+            <a:r>
+              <a:rPr/>
+              <a:t>BTC-Gold, BTC-Oil</a:t>
+            </a:r>
+          </a:p>
+          <a:p>
+            <a:pPr lvl="1"/>
+            <a:r>
+              <a:rPr/>
+              <a:t>ETH-Gold, ETH-Oil</a:t>
+            </a:r>
+          </a:p>
+          <a:p>
+            <a:pPr lvl="1"/>
+            <a:r>
+              <a:rPr/>
+              <a:t>BTC-ETH (for comparison)</a:t>
             </a:r>
           </a:p>
         </p:txBody>
       </p:sp>
     </p:spTree>
   </p:cSld>
-  <p:clrMapOvr>
-    <a:masterClrMapping/>
-  </p:clrMapOvr>
 </p:sld>
 </file>
 
@@ -7129,12 +6162,12 @@
           <a:bodyPr/>
           <a:lstStyle/>
           <a:p>
-            <a:pPr marL="0" lvl="0" indent="0">
-              <a:buNone/>
-            </a:pPr>
-            <a:r>
-              <a:rPr dirty="0"/>
-              <a:t>Issues Encountered</a:t>
+            <a:pPr lvl="0" indent="0" marL="0">
+              <a:buNone/>
+            </a:pPr>
+            <a:r>
+              <a:rPr/>
+              <a:t>2. Alternative Correlation Measures</a:t>
             </a:r>
           </a:p>
         </p:txBody>
@@ -7149,117 +6182,39 @@
             <p:ph idx="1"/>
           </p:nvPr>
         </p:nvSpPr>
-        <p:spPr>
-          <a:xfrm>
-            <a:off x="457200" y="1200151"/>
-            <a:ext cx="8229600" cy="3737370"/>
-          </a:xfrm>
-        </p:spPr>
-        <p:txBody>
-          <a:bodyPr>
-            <a:noAutofit/>
-          </a:bodyPr>
-          <a:lstStyle/>
-          <a:p>
-            <a:pPr marL="0" lvl="0" indent="0">
-              <a:spcBef>
-                <a:spcPts val="3000"/>
-              </a:spcBef>
-              <a:buNone/>
-            </a:pPr>
-            <a:r>
-              <a:rPr sz="2000" b="1" dirty="0"/>
-              <a:t>Technical Challenges</a:t>
-            </a:r>
-          </a:p>
-          <a:p>
-            <a:pPr marL="342900" lvl="0" indent="-342900">
-              <a:buAutoNum type="arabicPeriod"/>
-            </a:pPr>
-            <a:r>
-              <a:rPr sz="2000" b="1" dirty="0"/>
-              <a:t>Trading Calendar Alignment</a:t>
-            </a:r>
-          </a:p>
-          <a:p>
-            <a:pPr lvl="1"/>
-            <a:r>
-              <a:rPr sz="2000" dirty="0"/>
-              <a:t>Crypto trades 24/7, commodities trade weekdays only</a:t>
-            </a:r>
-          </a:p>
-          <a:p>
-            <a:pPr lvl="1"/>
-            <a:r>
-              <a:rPr sz="2000" b="1" dirty="0"/>
-              <a:t>Solution:</a:t>
-            </a:r>
-            <a:r>
-              <a:rPr sz="2000" dirty="0"/>
-              <a:t> Forward-fill weekend values</a:t>
-            </a:r>
-          </a:p>
-          <a:p>
-            <a:pPr marL="342900" lvl="0" indent="-342900">
-              <a:buAutoNum type="arabicPeriod"/>
-            </a:pPr>
-            <a:r>
-              <a:rPr sz="2000" b="1" dirty="0"/>
-              <a:t>Data Availability</a:t>
-            </a:r>
-          </a:p>
-          <a:p>
-            <a:pPr lvl="1"/>
-            <a:r>
-              <a:rPr sz="2000" dirty="0"/>
-              <a:t>Missing data due to holidays or feed issues</a:t>
-            </a:r>
-          </a:p>
-          <a:p>
-            <a:pPr lvl="1"/>
-            <a:r>
-              <a:rPr sz="2000" b="1" dirty="0"/>
-              <a:t>Solution:</a:t>
-            </a:r>
-            <a:r>
-              <a:rPr sz="2000" dirty="0"/>
-              <a:t> Forward-fill methods</a:t>
-            </a:r>
-          </a:p>
-          <a:p>
-            <a:pPr marL="342900" lvl="0" indent="-342900">
-              <a:buAutoNum type="arabicPeriod"/>
-            </a:pPr>
-            <a:r>
-              <a:rPr sz="2000" b="1" dirty="0"/>
-              <a:t>API Rate Limiting</a:t>
-            </a:r>
-          </a:p>
-          <a:p>
-            <a:pPr lvl="1"/>
-            <a:r>
-              <a:rPr sz="2000" dirty="0"/>
-              <a:t>Yahoo Finance API rate limits</a:t>
-            </a:r>
-          </a:p>
-          <a:p>
-            <a:pPr lvl="1"/>
-            <a:r>
-              <a:rPr sz="2000" b="1" dirty="0"/>
-              <a:t>Solution:</a:t>
-            </a:r>
-            <a:r>
-              <a:rPr sz="2000" dirty="0"/>
-              <a:t> Retry logic with delays</a:t>
+        <p:spPr/>
+        <p:txBody>
+          <a:bodyPr/>
+          <a:lstStyle/>
+          <a:p>
+            <a:pPr lvl="0"/>
+            <a:r>
+              <a:rPr b="1"/>
+              <a:t>Spearman rank correlations:</a:t>
+            </a:r>
+            <a:r>
+              <a:rPr/>
+              <a:t> Less sensitive to outliers</a:t>
+            </a:r>
+          </a:p>
+          <a:p>
+            <a:pPr lvl="0"/>
+            <a:r>
+              <a:rPr/>
+              <a:t>Provides robustness check</a:t>
+            </a:r>
+          </a:p>
+          <a:p>
+            <a:pPr lvl="0"/>
+            <a:r>
+              <a:rPr/>
+              <a:t>Results consistent with Pearson correlations</a:t>
             </a:r>
           </a:p>
         </p:txBody>
       </p:sp>
     </p:spTree>
   </p:cSld>
-  <p:clrMapOvr>
-    <a:masterClrMapping/>
-  </p:clrMapOvr>
 </p:sld>
 </file>
 
@@ -7282,13 +6237,7 @@
       </p:grpSpPr>
       <p:sp>
         <p:nvSpPr>
-          <p:cNvPr id="2" name="Title 1">
-            <a:extLst>
-              <a:ext uri="{FF2B5EF4-FFF2-40B4-BE49-F238E27FC236}">
-                <a16:creationId xmlns:a16="http://schemas.microsoft.com/office/drawing/2014/main" id="{9E693662-9F0B-5AA6-34D1-1EE8C4D84C75}"/>
-              </a:ext>
-            </a:extLst>
-          </p:cNvPr>
+          <p:cNvPr id="2" name="Title 1"/>
           <p:cNvSpPr>
             <a:spLocks noGrp="1"/>
           </p:cNvSpPr>
@@ -7301,22 +6250,19 @@
           <a:bodyPr/>
           <a:lstStyle/>
           <a:p>
-            <a:r>
-              <a:rPr lang="en-US" dirty="0"/>
-              <a:t>Issues Encountered</a:t>
-            </a:r>
-          </a:p>
-        </p:txBody>
-      </p:sp>
-      <p:sp>
-        <p:nvSpPr>
-          <p:cNvPr id="3" name="Content Placeholder 2">
-            <a:extLst>
-              <a:ext uri="{FF2B5EF4-FFF2-40B4-BE49-F238E27FC236}">
-                <a16:creationId xmlns:a16="http://schemas.microsoft.com/office/drawing/2014/main" id="{450E8A41-A955-8A9D-71C4-64A826E47A34}"/>
-              </a:ext>
-            </a:extLst>
-          </p:cNvPr>
+            <a:pPr lvl="0" indent="0" marL="0">
+              <a:buNone/>
+            </a:pPr>
+            <a:r>
+              <a:rPr/>
+              <a:t>Methods Implemented (continued)</a:t>
+            </a:r>
+          </a:p>
+        </p:txBody>
+      </p:sp>
+      <p:sp>
+        <p:nvSpPr>
+          <p:cNvPr id="3" name="Content Placeholder 2"/>
           <p:cNvSpPr>
             <a:spLocks noGrp="1"/>
           </p:cNvSpPr>
@@ -7326,79 +6272,208 @@
         </p:nvSpPr>
         <p:spPr/>
         <p:txBody>
-          <a:bodyPr>
-            <a:normAutofit/>
-          </a:bodyPr>
-          <a:lstStyle/>
-          <a:p>
-            <a:pPr marL="0" lvl="0" indent="0">
-              <a:buNone/>
-            </a:pPr>
-            <a:r>
-              <a:rPr lang="en-US" sz="2000" b="1" dirty="0"/>
-              <a:t>4. Rolling Window Edge Cases</a:t>
+          <a:bodyPr/>
+          <a:lstStyle/>
+          <a:p>
+            <a:pPr lvl="0" indent="0" marL="0">
+              <a:spcBef>
+                <a:spcPts val="3000"/>
+              </a:spcBef>
+              <a:buNone/>
+            </a:pPr>
+            <a:r>
+              <a:rPr b="1"/>
+              <a:t>3. Statistical Testing</a:t>
+            </a:r>
+          </a:p>
+          <a:p>
+            <a:pPr lvl="0"/>
+            <a:r>
+              <a:rPr b="1"/>
+              <a:t>Augmented Dickey-Fuller (ADF) tests:</a:t>
+            </a:r>
+            <a:r>
+              <a:rPr/>
+              <a:t> Verify stationarity</a:t>
+            </a:r>
+          </a:p>
+          <a:p>
+            <a:pPr lvl="0"/>
+            <a:r>
+              <a:rPr/>
+              <a:t>All return series are </a:t>
+            </a:r>
+            <a:r>
+              <a:rPr b="1"/>
+              <a:t>stationary</a:t>
+            </a:r>
+            <a:r>
+              <a:rPr/>
+              <a:t> (p &lt; 0.05)</a:t>
+            </a:r>
+          </a:p>
+          <a:p>
+            <a:pPr lvl="0"/>
+            <a:r>
+              <a:rPr/>
+              <a:t>Validates our correlation analysis methodology</a:t>
+            </a:r>
+          </a:p>
+          <a:p>
+            <a:pPr lvl="0" indent="0" marL="0">
+              <a:spcBef>
+                <a:spcPts val="3000"/>
+              </a:spcBef>
+              <a:buNone/>
+            </a:pPr>
+            <a:r>
+              <a:rPr b="1"/>
+              <a:t>4. Correlation Significance Tests</a:t>
+            </a:r>
+          </a:p>
+          <a:p>
+            <a:pPr lvl="0"/>
+            <a:r>
+              <a:rPr b="1"/>
+              <a:t>Hypothesis test:</a:t>
+            </a:r>
+            <a:r>
+              <a:rPr/>
+              <a:t> H0: correlation = 0 vs Ha: correlation ≠ 0</a:t>
+            </a:r>
+          </a:p>
+          <a:p>
+            <a:pPr lvl="0"/>
+            <a:r>
+              <a:rPr/>
+              <a:t>Rolling correlation tests with </a:t>
+            </a:r>
+            <a:r>
+              <a:rPr b="1"/>
+              <a:t>p-values</a:t>
+            </a:r>
+            <a:r>
+              <a:rPr/>
+              <a:t> for each window</a:t>
+            </a:r>
+          </a:p>
+          <a:p>
+            <a:pPr lvl="0"/>
+            <a:r>
+              <a:rPr/>
+              <a:t>Tests statistical significance of correlations over time</a:t>
+            </a:r>
+          </a:p>
+          <a:p>
+            <a:pPr lvl="0"/>
+            <a:r>
+              <a:rPr/>
+              <a:t>Calculated for all pairs: BTC-Gold, BTC-Oil, ETH-Gold, ETH-Oil</a:t>
+            </a:r>
+          </a:p>
+          <a:p>
+            <a:pPr lvl="0" indent="0" marL="0">
+              <a:spcBef>
+                <a:spcPts val="3000"/>
+              </a:spcBef>
+              <a:buNone/>
+            </a:pPr>
+            <a:r>
+              <a:rPr b="1"/>
+              <a:t>5. Regime Identification for All Pairs</a:t>
+            </a:r>
+          </a:p>
+          <a:p>
+            <a:pPr lvl="0"/>
+            <a:r>
+              <a:rPr b="1"/>
+              <a:t>Threshold-based classification</a:t>
+            </a:r>
+            <a:r>
+              <a:rPr/>
+              <a:t> applied to all four pairs</a:t>
+            </a:r>
+          </a:p>
+          <a:p>
+            <a:pPr lvl="0"/>
+            <a:r>
+              <a:rPr b="1"/>
+              <a:t>Threshold justification:</a:t>
             </a:r>
           </a:p>
           <a:p>
             <a:pPr lvl="1"/>
             <a:r>
-              <a:rPr lang="en-US" sz="2000" dirty="0"/>
-              <a:t>Can’t calculate correlations at start of series</a:t>
+              <a:rPr/>
+              <a:t>Based on standard finance literature (Bodie, Kane, Marcus)</a:t>
             </a:r>
           </a:p>
           <a:p>
             <a:pPr lvl="1"/>
             <a:r>
-              <a:rPr lang="en-US" sz="2000" b="1" dirty="0"/>
-              <a:t>Solution:</a:t>
-            </a:r>
-            <a:r>
-              <a:rPr lang="en-US" sz="2000" dirty="0"/>
-              <a:t> Set initial values to NA, require minimum observations</a:t>
-            </a:r>
-          </a:p>
-          <a:p>
-            <a:pPr marL="0" lvl="0" indent="0">
-              <a:buNone/>
-            </a:pPr>
-            <a:r>
-              <a:rPr lang="en-US" sz="2000" b="1" dirty="0"/>
-              <a:t>5. Computational Efficiency</a:t>
+              <a:rPr/>
+              <a:t>Symmetric thresholds around zero</a:t>
             </a:r>
           </a:p>
           <a:p>
             <a:pPr lvl="1"/>
             <a:r>
-              <a:rPr lang="en-US" sz="2000" dirty="0"/>
-              <a:t>Many calculations for multiple windows and pairs</a:t>
+              <a:rPr b="1"/>
+              <a:t>High Positive (&gt;0.3):</a:t>
+            </a:r>
+            <a:r>
+              <a:rPr/>
+              <a:t> Strong coupling, risk-on</a:t>
             </a:r>
           </a:p>
           <a:p>
             <a:pPr lvl="1"/>
             <a:r>
-              <a:rPr lang="en-US" sz="2000" b="1" dirty="0"/>
-              <a:t>Solution:</a:t>
-            </a:r>
-            <a:r>
-              <a:rPr lang="en-US" sz="2000" dirty="0"/>
-              <a:t> Optimized rolling correlation functions</a:t>
-            </a:r>
-          </a:p>
-          <a:p>
-            <a:endParaRPr lang="en-US" sz="2000" dirty="0"/>
+              <a:rPr b="1"/>
+              <a:t>Moderate Positive (0.1-0.3):</a:t>
+            </a:r>
+            <a:r>
+              <a:rPr/>
+              <a:t> Weak to moderate coupling</a:t>
+            </a:r>
+          </a:p>
+          <a:p>
+            <a:pPr lvl="1"/>
+            <a:r>
+              <a:rPr b="1"/>
+              <a:t>Low (-0.1 to 0.1):</a:t>
+            </a:r>
+            <a:r>
+              <a:rPr/>
+              <a:t> Independent movement</a:t>
+            </a:r>
+          </a:p>
+          <a:p>
+            <a:pPr lvl="1"/>
+            <a:r>
+              <a:rPr b="1"/>
+              <a:t>Moderate Negative (-0.3 to -0.1):</a:t>
+            </a:r>
+            <a:r>
+              <a:rPr/>
+              <a:t> Weak to moderate decoupling</a:t>
+            </a:r>
+          </a:p>
+          <a:p>
+            <a:pPr lvl="1"/>
+            <a:r>
+              <a:rPr b="1"/>
+              <a:t>High Negative (&lt;-0.3):</a:t>
+            </a:r>
+            <a:r>
+              <a:rPr/>
+              <a:t> Strong decoupling, risk-off</a:t>
+            </a:r>
           </a:p>
         </p:txBody>
       </p:sp>
     </p:spTree>
-    <p:extLst>
-      <p:ext uri="{BB962C8B-B14F-4D97-AF65-F5344CB8AC3E}">
-        <p14:creationId xmlns:p14="http://schemas.microsoft.com/office/powerpoint/2010/main" val="3642600968"/>
-      </p:ext>
-    </p:extLst>
   </p:cSld>
-  <p:clrMapOvr>
-    <a:masterClrMapping/>
-  </p:clrMapOvr>
 </p:sld>
 </file>
 
@@ -7434,11 +6509,12 @@
           <a:bodyPr/>
           <a:lstStyle/>
           <a:p>
-            <a:pPr marL="0" lvl="0" indent="0">
-              <a:buNone/>
-            </a:pPr>
-            <a:r>
-              <a:t>Next Steps</a:t>
+            <a:pPr lvl="0" indent="0" marL="0">
+              <a:buNone/>
+            </a:pPr>
+            <a:r>
+              <a:rPr/>
+              <a:t>Key Findings</a:t>
             </a:r>
           </a:p>
         </p:txBody>
@@ -7453,102 +6529,66 @@
             <p:ph idx="1"/>
           </p:nvPr>
         </p:nvSpPr>
-        <p:spPr>
-          <a:xfrm>
-            <a:off x="457200" y="1004888"/>
-            <a:ext cx="8229600" cy="3589735"/>
-          </a:xfrm>
-        </p:spPr>
-        <p:txBody>
-          <a:bodyPr>
-            <a:noAutofit/>
-          </a:bodyPr>
-          <a:lstStyle/>
-          <a:p>
-            <a:pPr marL="0" lvl="0" indent="0">
+        <p:spPr/>
+        <p:txBody>
+          <a:bodyPr/>
+          <a:lstStyle/>
+          <a:p>
+            <a:pPr lvl="0" indent="0" marL="0">
               <a:spcBef>
                 <a:spcPts val="3000"/>
               </a:spcBef>
               <a:buNone/>
             </a:pPr>
             <a:r>
-              <a:rPr sz="2000" b="1" dirty="0"/>
-              <a:t>1. Advanced Regime Detection</a:t>
-            </a:r>
-          </a:p>
-          <a:p>
-            <a:pPr lvl="1"/>
-            <a:r>
-              <a:rPr sz="1700" dirty="0"/>
-              <a:t>Change-point detection algorithms</a:t>
-            </a:r>
-          </a:p>
-          <a:p>
-            <a:pPr lvl="1"/>
-            <a:r>
-              <a:rPr sz="1700" dirty="0"/>
-              <a:t>Clustering analysis (K-means, hierarchical)</a:t>
-            </a:r>
-          </a:p>
-          <a:p>
-            <a:pPr lvl="1"/>
-            <a:r>
-              <a:rPr sz="1700" dirty="0"/>
-              <a:t>Machine learning approaches for regime classification</a:t>
-            </a:r>
-            <a:endParaRPr lang="en-US" sz="1700" dirty="0"/>
-          </a:p>
-          <a:p>
-            <a:pPr marL="0" lvl="0" indent="0">
-              <a:buNone/>
-            </a:pPr>
-            <a:r>
-              <a:rPr lang="en-US" sz="2000" b="1" dirty="0"/>
-              <a:t>2. Event Study Analysis</a:t>
-            </a:r>
-          </a:p>
-          <a:p>
-            <a:pPr lvl="1"/>
-            <a:r>
-              <a:rPr lang="en-US" sz="1700" dirty="0"/>
-              <a:t>Detailed analysis around major events:</a:t>
-            </a:r>
-          </a:p>
-          <a:p>
-            <a:pPr lvl="2"/>
-            <a:r>
-              <a:rPr lang="en-US" sz="1700" dirty="0"/>
-              <a:t>COVID-19 market crash (March 2020)</a:t>
-            </a:r>
-          </a:p>
-          <a:p>
-            <a:pPr lvl="2"/>
-            <a:r>
-              <a:rPr lang="en-US" sz="1700" dirty="0"/>
-              <a:t>Federal Reserve policy announcements</a:t>
-            </a:r>
-          </a:p>
-          <a:p>
-            <a:pPr lvl="2"/>
-            <a:r>
-              <a:rPr lang="en-US" sz="1700" dirty="0"/>
-              <a:t>Major crypto events (FTX collapse, ETF approvals)</a:t>
-            </a:r>
-          </a:p>
-          <a:p>
-            <a:pPr lvl="2"/>
-            <a:r>
-              <a:rPr lang="en-US" sz="1700" dirty="0"/>
-              <a:t>Analyze correlation behavior using ±30 day event windows</a:t>
+              <a:rPr b="1"/>
+              <a:t>Finding 1: Time-Varying Correlations</a:t>
+            </a:r>
+          </a:p>
+          <a:p>
+            <a:pPr lvl="0"/>
+            <a:r>
+              <a:rPr/>
+              <a:t>Rolling correlations show </a:t>
+            </a:r>
+            <a:r>
+              <a:rPr b="1"/>
+              <a:t>significant variation</a:t>
+            </a:r>
+            <a:r>
+              <a:rPr/>
+              <a:t> over time</a:t>
+            </a:r>
+          </a:p>
+          <a:p>
+            <a:pPr lvl="0"/>
+            <a:r>
+              <a:rPr/>
+              <a:t>BTC-Gold correlation ranges: </a:t>
+            </a:r>
+            <a:r>
+              <a:rPr b="1"/>
+              <a:t>-0.24 to 0.54</a:t>
+            </a:r>
+          </a:p>
+          <a:p>
+            <a:pPr lvl="0"/>
+            <a:r>
+              <a:rPr b="1"/>
+              <a:t>This 0.78 range confirms regime-dependent behavior!</a:t>
+            </a:r>
+          </a:p>
+          <a:p>
+            <a:pPr lvl="0"/>
+            <a:r>
+              <a:rPr/>
+              <a:t>Static correlations are misleading</a:t>
             </a:r>
           </a:p>
         </p:txBody>
       </p:sp>
     </p:spTree>
   </p:cSld>
-  <p:clrMapOvr>
-    <a:masterClrMapping/>
-  </p:clrMapOvr>
 </p:sld>
 </file>
 
@@ -7584,12 +6624,12 @@
           <a:bodyPr/>
           <a:lstStyle/>
           <a:p>
-            <a:pPr marL="0" lvl="0" indent="0">
-              <a:buNone/>
-            </a:pPr>
-            <a:r>
-              <a:rPr dirty="0"/>
-              <a:t>Next Steps (continued)</a:t>
+            <a:pPr lvl="0" indent="0" marL="0">
+              <a:buNone/>
+            </a:pPr>
+            <a:r>
+              <a:rPr/>
+              <a:t>Finding 2: Crypto-Commodity Relationships</a:t>
             </a:r>
           </a:p>
         </p:txBody>
@@ -7606,87 +6646,41 @@
         </p:nvSpPr>
         <p:spPr/>
         <p:txBody>
-          <a:bodyPr>
-            <a:normAutofit/>
-          </a:bodyPr>
-          <a:lstStyle/>
-          <a:p>
-            <a:pPr marL="0" lvl="0" indent="0">
-              <a:spcBef>
-                <a:spcPts val="3000"/>
-              </a:spcBef>
-              <a:buNone/>
-            </a:pPr>
-            <a:r>
-              <a:rPr sz="2000" b="1" dirty="0"/>
-              <a:t>3. Comparative Analysis</a:t>
-            </a:r>
-          </a:p>
-          <a:p>
-            <a:pPr lvl="1"/>
-            <a:r>
-              <a:rPr sz="1700" dirty="0"/>
-              <a:t>Deep dive into differences between Bitcoin and Ethereum</a:t>
-            </a:r>
-          </a:p>
-          <a:p>
-            <a:pPr lvl="1"/>
-            <a:r>
-              <a:rPr sz="1700" dirty="0"/>
-              <a:t>Statistical tests for significant differences</a:t>
-            </a:r>
-          </a:p>
-          <a:p>
-            <a:pPr lvl="1"/>
-            <a:r>
-              <a:rPr sz="1700" dirty="0"/>
-              <a:t>Analysis of potential drivers</a:t>
-            </a:r>
-            <a:endParaRPr lang="en-US" sz="1700" dirty="0"/>
-          </a:p>
-          <a:p>
-            <a:pPr marL="0" lvl="0" indent="0">
-              <a:buNone/>
-            </a:pPr>
-            <a:r>
-              <a:rPr lang="en-US" sz="2000" b="1" dirty="0"/>
-              <a:t>4. Advanced Statistical Testing</a:t>
-            </a:r>
-          </a:p>
-          <a:p>
-            <a:pPr lvl="1"/>
-            <a:r>
-              <a:rPr lang="en-US" sz="1700" dirty="0"/>
-              <a:t>Correlation stability tests across regimes</a:t>
-            </a:r>
-          </a:p>
-          <a:p>
-            <a:pPr lvl="1"/>
-            <a:r>
-              <a:rPr lang="en-US" sz="1700" dirty="0"/>
-              <a:t>Granger causality tests</a:t>
-            </a:r>
-          </a:p>
-          <a:p>
-            <a:pPr lvl="1"/>
-            <a:r>
-              <a:rPr lang="en-US" sz="1700" dirty="0"/>
-              <a:t>Cointegration tests</a:t>
-            </a:r>
-          </a:p>
-          <a:p>
-            <a:pPr marL="0" lvl="0" indent="0">
-              <a:buNone/>
-            </a:pPr>
-            <a:endParaRPr sz="2000" dirty="0"/>
+          <a:bodyPr/>
+          <a:lstStyle/>
+          <a:p>
+            <a:pPr lvl="0"/>
+            <a:r>
+              <a:rPr/>
+              <a:t>On average, correlations are </a:t>
+            </a:r>
+            <a:r>
+              <a:rPr b="1"/>
+              <a:t>low</a:t>
+            </a:r>
+            <a:r>
+              <a:rPr/>
+              <a:t> (diversification benefits)</a:t>
+            </a:r>
+          </a:p>
+          <a:p>
+            <a:pPr lvl="0"/>
+            <a:r>
+              <a:rPr b="1"/>
+              <a:t>However, correlations increase during market stress</a:t>
+            </a:r>
+          </a:p>
+          <a:p>
+            <a:pPr lvl="0"/>
+            <a:r>
+              <a:rPr/>
+              <a:t>Key insight for regime identification</a:t>
+            </a:r>
           </a:p>
         </p:txBody>
       </p:sp>
     </p:spTree>
   </p:cSld>
-  <p:clrMapOvr>
-    <a:masterClrMapping/>
-  </p:clrMapOvr>
 </p:sld>
 </file>
 
@@ -7722,12 +6716,13 @@
           <a:bodyPr/>
           <a:lstStyle/>
           <a:p>
-            <a:pPr lvl="0"/>
-            <a:r>
-              <a:rPr lang="en-US" dirty="0"/>
-              <a:t>Next Steps (continued)</a:t>
-            </a:r>
-            <a:endParaRPr dirty="0"/>
+            <a:pPr lvl="0" indent="0" marL="0">
+              <a:buNone/>
+            </a:pPr>
+            <a:r>
+              <a:rPr/>
+              <a:t>Regime Analysis: All Pairs</a:t>
+            </a:r>
           </a:p>
         </p:txBody>
       </p:sp>
@@ -7743,88 +6738,73 @@
         </p:nvSpPr>
         <p:spPr/>
         <p:txBody>
-          <a:bodyPr>
-            <a:normAutofit/>
-          </a:bodyPr>
-          <a:lstStyle/>
-          <a:p>
-            <a:pPr marL="0" lvl="0" indent="0">
-              <a:buNone/>
-            </a:pPr>
-            <a:r>
-              <a:rPr lang="en-US" sz="2000" b="1" dirty="0"/>
-              <a:t>5. Threshold Analysis</a:t>
-            </a:r>
-          </a:p>
-          <a:p>
-            <a:pPr lvl="1"/>
-            <a:r>
-              <a:rPr sz="1700" dirty="0"/>
-              <a:t>Determine specific correlation thresholds</a:t>
-            </a:r>
-          </a:p>
-          <a:p>
-            <a:pPr lvl="1"/>
-            <a:r>
-              <a:rPr sz="1700" dirty="0"/>
-              <a:t>Use ROC analysis</a:t>
-            </a:r>
-          </a:p>
-          <a:p>
-            <a:pPr lvl="1"/>
-            <a:r>
-              <a:rPr sz="1700" dirty="0" err="1"/>
-              <a:t>Backtest</a:t>
-            </a:r>
-            <a:r>
-              <a:rPr sz="1700" dirty="0"/>
-              <a:t> regime signals</a:t>
-            </a:r>
-            <a:endParaRPr lang="en-US" sz="1700" dirty="0"/>
-          </a:p>
-          <a:p>
-            <a:pPr marL="0" indent="0">
-              <a:buNone/>
-            </a:pPr>
-            <a:r>
-              <a:rPr lang="en-US" sz="2000" b="1" dirty="0"/>
-              <a:t>6. Final Report</a:t>
-            </a:r>
-          </a:p>
-          <a:p>
-            <a:pPr lvl="1"/>
-            <a:r>
-              <a:rPr lang="en-US" sz="1700" dirty="0"/>
-              <a:t>Complete analysis of all research questions</a:t>
-            </a:r>
-          </a:p>
-          <a:p>
-            <a:pPr lvl="1"/>
-            <a:r>
-              <a:rPr lang="en-US" sz="1700" dirty="0"/>
-              <a:t>Policy and investment implications</a:t>
-            </a:r>
-          </a:p>
-          <a:p>
-            <a:pPr lvl="1"/>
-            <a:r>
-              <a:rPr lang="en-US" sz="1700" dirty="0"/>
-              <a:t>Limitations and future research directions</a:t>
-            </a:r>
-          </a:p>
-          <a:p>
-            <a:pPr marL="0" indent="0">
-              <a:buNone/>
-            </a:pPr>
-            <a:endParaRPr lang="en-US" sz="2000" b="1" dirty="0"/>
+          <a:bodyPr/>
+          <a:lstStyle/>
+          <a:p>
+            <a:pPr lvl="0" indent="0" marL="0">
+              <a:spcBef>
+                <a:spcPts val="3000"/>
+              </a:spcBef>
+              <a:buNone/>
+            </a:pPr>
+            <a:r>
+              <a:rPr b="1"/>
+              <a:t>BTC_Gold</a:t>
+            </a:r>
+          </a:p>
+          <a:p>
+            <a:pPr lvl="0" indent="0" marL="0">
+              <a:spcBef>
+                <a:spcPts val="3000"/>
+              </a:spcBef>
+              <a:buNone/>
+            </a:pPr>
+            <a:r>
+              <a:rPr b="1"/>
+              <a:t>BTC_Oil</a:t>
+            </a:r>
+          </a:p>
+          <a:p>
+            <a:pPr lvl="0" indent="0" marL="0">
+              <a:spcBef>
+                <a:spcPts val="3000"/>
+              </a:spcBef>
+              <a:buNone/>
+            </a:pPr>
+            <a:r>
+              <a:rPr b="1"/>
+              <a:t>ETH_Gold</a:t>
+            </a:r>
+          </a:p>
+          <a:p>
+            <a:pPr lvl="0" indent="0" marL="0">
+              <a:spcBef>
+                <a:spcPts val="3000"/>
+              </a:spcBef>
+              <a:buNone/>
+            </a:pPr>
+            <a:r>
+              <a:rPr b="1"/>
+              <a:t>ETH_Oil</a:t>
+            </a:r>
+          </a:p>
+          <a:p>
+            <a:pPr lvl="0" indent="0" marL="0">
+              <a:buNone/>
+            </a:pPr>
+            <a:r>
+              <a:rPr b="1"/>
+              <a:t>Key Insight:</a:t>
+            </a:r>
+            <a:r>
+              <a:rPr/>
+              <a:t> Regime distributions vary across pairs, showing different relationship dynamics.</a:t>
+            </a:r>
           </a:p>
         </p:txBody>
       </p:sp>
     </p:spTree>
   </p:cSld>
-  <p:clrMapOvr>
-    <a:masterClrMapping/>
-  </p:clrMapOvr>
 </p:sld>
 </file>
 
@@ -7860,11 +6840,12 @@
           <a:bodyPr/>
           <a:lstStyle/>
           <a:p>
-            <a:pPr marL="0" lvl="0" indent="0">
-              <a:buNone/>
-            </a:pPr>
-            <a:r>
-              <a:t>Conclusions</a:t>
+            <a:pPr lvl="0" indent="0" marL="0">
+              <a:buNone/>
+            </a:pPr>
+            <a:r>
+              <a:rPr/>
+              <a:t>Key Findings (continued)</a:t>
             </a:r>
           </a:p>
         </p:txBody>
@@ -7881,94 +6862,53 @@
         </p:nvSpPr>
         <p:spPr/>
         <p:txBody>
-          <a:bodyPr>
-            <a:normAutofit lnSpcReduction="10000"/>
-          </a:bodyPr>
-          <a:lstStyle/>
-          <a:p>
-            <a:pPr marL="0" lvl="0" indent="0">
+          <a:bodyPr/>
+          <a:lstStyle/>
+          <a:p>
+            <a:pPr lvl="0" indent="0" marL="0">
               <a:spcBef>
                 <a:spcPts val="3000"/>
               </a:spcBef>
               <a:buNone/>
             </a:pPr>
             <a:r>
-              <a:rPr sz="2000" b="1" dirty="0"/>
-              <a:t>Key Takeaways</a:t>
-            </a:r>
-          </a:p>
-          <a:p>
-            <a:pPr marL="342900" lvl="0" indent="-342900">
-              <a:buAutoNum type="arabicPeriod"/>
-            </a:pPr>
-            <a:r>
-              <a:rPr sz="2000" b="1" dirty="0"/>
-              <a:t>Correlations are Dynamic:</a:t>
-            </a:r>
-            <a:r>
-              <a:rPr sz="2000" dirty="0"/>
-              <a:t> Not static - they vary significantly over time</a:t>
-            </a:r>
-          </a:p>
-          <a:p>
-            <a:pPr marL="342900" lvl="0" indent="-342900">
-              <a:buAutoNum type="arabicPeriod"/>
-            </a:pPr>
-            <a:r>
-              <a:rPr sz="2000" b="1" dirty="0"/>
-              <a:t>Regime Indicators Work:</a:t>
-            </a:r>
-            <a:r>
-              <a:rPr sz="2000" dirty="0"/>
-              <a:t> Changes in correlations can signal market regime shifts</a:t>
-            </a:r>
-          </a:p>
-          <a:p>
-            <a:pPr marL="342900" lvl="0" indent="-342900">
-              <a:buAutoNum type="arabicPeriod"/>
-            </a:pPr>
-            <a:r>
-              <a:rPr sz="2000" b="1" dirty="0"/>
-              <a:t>Crisis Behavior:</a:t>
-            </a:r>
-            <a:r>
-              <a:rPr sz="2000" dirty="0"/>
-              <a:t> Correlations spike during market stress, reducing diversification benefits</a:t>
-            </a:r>
-          </a:p>
-          <a:p>
-            <a:pPr marL="342900" lvl="0" indent="-342900">
-              <a:buAutoNum type="arabicPeriod"/>
-            </a:pPr>
-            <a:r>
-              <a:rPr sz="2000" b="1" dirty="0"/>
-              <a:t>Crypto Evolution:</a:t>
-            </a:r>
-            <a:r>
-              <a:rPr sz="2000" dirty="0"/>
-              <a:t> Cryptocurrencies show both similarities and differences to traditional assets</a:t>
-            </a:r>
-          </a:p>
-          <a:p>
-            <a:pPr marL="342900" lvl="0" indent="-342900">
-              <a:buAutoNum type="arabicPeriod"/>
-            </a:pPr>
-            <a:r>
-              <a:rPr sz="2000" b="1" dirty="0"/>
-              <a:t>Practical Value:</a:t>
-            </a:r>
-            <a:r>
-              <a:rPr sz="2000" dirty="0"/>
-              <a:t> This analysis can inform investment and risk management decisions</a:t>
+              <a:rPr b="1"/>
+              <a:t>Finding 3: Volatility Differences</a:t>
+            </a:r>
+          </a:p>
+          <a:p>
+            <a:pPr lvl="0"/>
+            <a:r>
+              <a:rPr/>
+              <a:t>Cryptocurrencies are </a:t>
+            </a:r>
+            <a:r>
+              <a:rPr b="1"/>
+              <a:t>3-4x more volatile</a:t>
+            </a:r>
+            <a:r>
+              <a:rPr/>
+              <a:t> than commodities</a:t>
+            </a:r>
+          </a:p>
+          <a:p>
+            <a:pPr lvl="0"/>
+            <a:r>
+              <a:rPr/>
+              <a:t>Bitcoin: 3.45% vs. Gold: 0.85%</a:t>
+            </a:r>
+          </a:p>
+          <a:p>
+            <a:pPr lvl="0"/>
+            <a:r>
+              <a:rPr/>
+              <a:t>Higher risk-return profiles for digital assets</a:t>
             </a:r>
           </a:p>
         </p:txBody>
       </p:sp>
     </p:spTree>
   </p:cSld>
-  <p:clrMapOvr>
-    <a:masterClrMapping/>
-  </p:clrMapOvr>
 </p:sld>
 </file>
 
@@ -7999,31 +6939,504 @@
             <p:ph type="title"/>
           </p:nvPr>
         </p:nvSpPr>
-        <p:spPr>
-          <a:xfrm>
-            <a:off x="457200" y="2143125"/>
-            <a:ext cx="8229600" cy="857250"/>
-          </a:xfrm>
-        </p:spPr>
-        <p:txBody>
-          <a:bodyPr/>
-          <a:lstStyle/>
-          <a:p>
-            <a:pPr marL="0" lvl="0" indent="0">
-              <a:buNone/>
-            </a:pPr>
-            <a:r>
-              <a:rPr dirty="0"/>
-              <a:t>Thank You!</a:t>
+        <p:spPr/>
+        <p:txBody>
+          <a:bodyPr/>
+          <a:lstStyle/>
+          <a:p>
+            <a:pPr lvl="0" indent="0" marL="0">
+              <a:buNone/>
+            </a:pPr>
+            <a:r>
+              <a:rPr/>
+              <a:t>Finding 4: Stationarity</a:t>
+            </a:r>
+          </a:p>
+        </p:txBody>
+      </p:sp>
+      <p:sp>
+        <p:nvSpPr>
+          <p:cNvPr id="3" name="Content Placeholder 2"/>
+          <p:cNvSpPr>
+            <a:spLocks noGrp="1"/>
+          </p:cNvSpPr>
+          <p:nvPr>
+            <p:ph idx="1"/>
+          </p:nvPr>
+        </p:nvSpPr>
+        <p:spPr/>
+        <p:txBody>
+          <a:bodyPr/>
+          <a:lstStyle/>
+          <a:p>
+            <a:pPr lvl="0"/>
+            <a:r>
+              <a:rPr/>
+              <a:t>All return series are </a:t>
+            </a:r>
+            <a:r>
+              <a:rPr b="1"/>
+              <a:t>stationary</a:t>
+            </a:r>
+            <a:r>
+              <a:rPr/>
+              <a:t> (ADF tests confirmed)</a:t>
+            </a:r>
+          </a:p>
+          <a:p>
+            <a:pPr lvl="0"/>
+            <a:r>
+              <a:rPr/>
+              <a:t>Validates correlation analysis methodology</a:t>
             </a:r>
           </a:p>
         </p:txBody>
       </p:sp>
     </p:spTree>
   </p:cSld>
-  <p:clrMapOvr>
-    <a:masterClrMapping/>
-  </p:clrMapOvr>
+</p:sld>
+</file>
+
+<file path=ppt/slides/slide38.xml><?xml version="1.0" encoding="utf-8"?>
+<p:sld xmlns:a="http://schemas.openxmlformats.org/drawingml/2006/main" xmlns:r="http://schemas.openxmlformats.org/officeDocument/2006/relationships" xmlns:p="http://schemas.openxmlformats.org/presentationml/2006/main">
+  <p:cSld>
+    <p:spTree>
+      <p:nvGrpSpPr>
+        <p:cNvPr id="1" name=""/>
+        <p:cNvGrpSpPr/>
+        <p:nvPr/>
+      </p:nvGrpSpPr>
+      <p:grpSpPr>
+        <a:xfrm>
+          <a:off x="0" y="0"/>
+          <a:ext cx="0" cy="0"/>
+          <a:chOff x="0" y="0"/>
+          <a:chExt cx="0" cy="0"/>
+        </a:xfrm>
+      </p:grpSpPr>
+      <p:sp>
+        <p:nvSpPr>
+          <p:cNvPr id="2" name="Title 1"/>
+          <p:cNvSpPr>
+            <a:spLocks noGrp="1"/>
+          </p:cNvSpPr>
+          <p:nvPr>
+            <p:ph type="title"/>
+          </p:nvPr>
+        </p:nvSpPr>
+        <p:spPr/>
+        <p:txBody>
+          <a:bodyPr/>
+          <a:lstStyle/>
+          <a:p>
+            <a:pPr lvl="0" indent="0" marL="0">
+              <a:buNone/>
+            </a:pPr>
+            <a:r>
+              <a:rPr/>
+              <a:t>Finding 5: Correlation Significance</a:t>
+            </a:r>
+          </a:p>
+        </p:txBody>
+      </p:sp>
+      <p:graphicFrame>
+        <p:nvGraphicFramePr>
+          <p:cNvPr id="6" name="Content Placeholder 5"/>
+          <p:cNvGraphicFramePr>
+            <a:graphicFrameLocks noGrp="1"/>
+          </p:cNvGraphicFramePr>
+          <p:nvPr>
+            <p:ph idx="1"/>
+          </p:nvPr>
+        </p:nvGraphicFramePr>
+        <p:xfrm>
+          <a:off x="457200" y="1193800"/>
+          <a:ext cx="8229600" cy="3390900"/>
+        </p:xfrm>
+        <a:graphic>
+          <a:graphicData uri="http://schemas.openxmlformats.org/drawingml/2006/table">
+            <a:tbl>
+              <a:tblPr firstRow="1" bandRow="1">
+                <a:tableStyleId>{5C22544A-7EE6-4342-B048-85BDC9FD1C3A}</a:tableStyleId>
+              </a:tblPr>
+              <a:tblGrid>
+                <a:gridCol w="2057400"/>
+                <a:gridCol w="2057400"/>
+                <a:gridCol w="2057400"/>
+                <a:gridCol w="2057400"/>
+              </a:tblGrid>
+              <a:tr h="0">
+                <a:tc>
+                  <a:txBody>
+                    <a:bodyPr/>
+                    <a:lstStyle/>
+                    <a:p>
+                      <a:pPr lvl="0" indent="0" marL="0" algn="l">
+                        <a:buNone/>
+                      </a:pPr>
+                      <a:r>
+                        <a:rPr/>
+                        <a:t>Pair</a:t>
+                      </a:r>
+                    </a:p>
+                  </a:txBody>
+                  <a:tcPr/>
+                </a:tc>
+                <a:tc>
+                  <a:txBody>
+                    <a:bodyPr/>
+                    <a:lstStyle/>
+                    <a:p>
+                      <a:pPr lvl="0" indent="0" marL="0" algn="r">
+                        <a:buNone/>
+                      </a:pPr>
+                      <a:r>
+                        <a:rPr/>
+                        <a:t>Mean Correlation</a:t>
+                      </a:r>
+                    </a:p>
+                  </a:txBody>
+                  <a:tcPr/>
+                </a:tc>
+                <a:tc>
+                  <a:txBody>
+                    <a:bodyPr/>
+                    <a:lstStyle/>
+                    <a:p>
+                      <a:pPr lvl="0" indent="0" marL="0" algn="r">
+                        <a:buNone/>
+                      </a:pPr>
+                      <a:r>
+                        <a:rPr/>
+                        <a:t>Mean P-Value</a:t>
+                      </a:r>
+                    </a:p>
+                  </a:txBody>
+                  <a:tcPr/>
+                </a:tc>
+                <a:tc>
+                  <a:txBody>
+                    <a:bodyPr/>
+                    <a:lstStyle/>
+                    <a:p>
+                      <a:pPr lvl="0" indent="0" marL="0" algn="r">
+                        <a:buNone/>
+                      </a:pPr>
+                      <a:r>
+                        <a:rPr/>
+                        <a:t>% Significant (p&lt;0.05)</a:t>
+                      </a:r>
+                    </a:p>
+                  </a:txBody>
+                  <a:tcPr/>
+                </a:tc>
+              </a:tr>
+              <a:tr h="0">
+                <a:tc>
+                  <a:txBody>
+                    <a:bodyPr/>
+                    <a:lstStyle/>
+                    <a:p>
+                      <a:pPr lvl="0" indent="0" marL="0" algn="l">
+                        <a:buNone/>
+                      </a:pPr>
+                      <a:r>
+                        <a:rPr/>
+                        <a:t>BTC_Gold</a:t>
+                      </a:r>
+                    </a:p>
+                  </a:txBody>
+                </a:tc>
+                <a:tc>
+                  <a:txBody>
+                    <a:bodyPr/>
+                    <a:lstStyle/>
+                    <a:p>
+                      <a:pPr lvl="0" indent="0" marL="0" algn="r">
+                        <a:buNone/>
+                      </a:pPr>
+                      <a:r>
+                        <a:rPr/>
+                        <a:t>0.103</a:t>
+                      </a:r>
+                    </a:p>
+                  </a:txBody>
+                </a:tc>
+                <a:tc>
+                  <a:txBody>
+                    <a:bodyPr/>
+                    <a:lstStyle/>
+                    <a:p>
+                      <a:pPr lvl="0" indent="0" marL="0" algn="r">
+                        <a:buNone/>
+                      </a:pPr>
+                      <a:r>
+                        <a:rPr/>
+                        <a:t>0.3075</a:t>
+                      </a:r>
+                    </a:p>
+                  </a:txBody>
+                </a:tc>
+                <a:tc>
+                  <a:txBody>
+                    <a:bodyPr/>
+                    <a:lstStyle/>
+                    <a:p>
+                      <a:pPr lvl="0" indent="0" marL="0" algn="r">
+                        <a:buNone/>
+                      </a:pPr>
+                      <a:r>
+                        <a:rPr/>
+                        <a:t>28.2</a:t>
+                      </a:r>
+                    </a:p>
+                  </a:txBody>
+                </a:tc>
+              </a:tr>
+              <a:tr h="0">
+                <a:tc>
+                  <a:txBody>
+                    <a:bodyPr/>
+                    <a:lstStyle/>
+                    <a:p>
+                      <a:pPr lvl="0" indent="0" marL="0" algn="l">
+                        <a:buNone/>
+                      </a:pPr>
+                      <a:r>
+                        <a:rPr/>
+                        <a:t>BTC_Oil</a:t>
+                      </a:r>
+                    </a:p>
+                  </a:txBody>
+                </a:tc>
+                <a:tc>
+                  <a:txBody>
+                    <a:bodyPr/>
+                    <a:lstStyle/>
+                    <a:p>
+                      <a:pPr lvl="0" indent="0" marL="0" algn="r">
+                        <a:buNone/>
+                      </a:pPr>
+                      <a:r>
+                        <a:rPr/>
+                        <a:t>0.071</a:t>
+                      </a:r>
+                    </a:p>
+                  </a:txBody>
+                </a:tc>
+                <a:tc>
+                  <a:txBody>
+                    <a:bodyPr/>
+                    <a:lstStyle/>
+                    <a:p>
+                      <a:pPr lvl="0" indent="0" marL="0" algn="r">
+                        <a:buNone/>
+                      </a:pPr>
+                      <a:r>
+                        <a:rPr/>
+                        <a:t>0.3584</a:t>
+                      </a:r>
+                    </a:p>
+                  </a:txBody>
+                </a:tc>
+                <a:tc>
+                  <a:txBody>
+                    <a:bodyPr/>
+                    <a:lstStyle/>
+                    <a:p>
+                      <a:pPr lvl="0" indent="0" marL="0" algn="r">
+                        <a:buNone/>
+                      </a:pPr>
+                      <a:r>
+                        <a:rPr/>
+                        <a:t>23.3</a:t>
+                      </a:r>
+                    </a:p>
+                  </a:txBody>
+                </a:tc>
+              </a:tr>
+              <a:tr h="0">
+                <a:tc>
+                  <a:txBody>
+                    <a:bodyPr/>
+                    <a:lstStyle/>
+                    <a:p>
+                      <a:pPr lvl="0" indent="0" marL="0" algn="l">
+                        <a:buNone/>
+                      </a:pPr>
+                      <a:r>
+                        <a:rPr/>
+                        <a:t>ETH_Gold</a:t>
+                      </a:r>
+                    </a:p>
+                  </a:txBody>
+                </a:tc>
+                <a:tc>
+                  <a:txBody>
+                    <a:bodyPr/>
+                    <a:lstStyle/>
+                    <a:p>
+                      <a:pPr lvl="0" indent="0" marL="0" algn="r">
+                        <a:buNone/>
+                      </a:pPr>
+                      <a:r>
+                        <a:rPr/>
+                        <a:t>0.111</a:t>
+                      </a:r>
+                    </a:p>
+                  </a:txBody>
+                </a:tc>
+                <a:tc>
+                  <a:txBody>
+                    <a:bodyPr/>
+                    <a:lstStyle/>
+                    <a:p>
+                      <a:pPr lvl="0" indent="0" marL="0" algn="r">
+                        <a:buNone/>
+                      </a:pPr>
+                      <a:r>
+                        <a:rPr/>
+                        <a:t>0.3419</a:t>
+                      </a:r>
+                    </a:p>
+                  </a:txBody>
+                </a:tc>
+                <a:tc>
+                  <a:txBody>
+                    <a:bodyPr/>
+                    <a:lstStyle/>
+                    <a:p>
+                      <a:pPr lvl="0" indent="0" marL="0" algn="r">
+                        <a:buNone/>
+                      </a:pPr>
+                      <a:r>
+                        <a:rPr/>
+                        <a:t>24.0</a:t>
+                      </a:r>
+                    </a:p>
+                  </a:txBody>
+                </a:tc>
+              </a:tr>
+              <a:tr h="0">
+                <a:tc>
+                  <a:txBody>
+                    <a:bodyPr/>
+                    <a:lstStyle/>
+                    <a:p>
+                      <a:pPr lvl="0" indent="0" marL="0" algn="l">
+                        <a:buNone/>
+                      </a:pPr>
+                      <a:r>
+                        <a:rPr/>
+                        <a:t>ETH_Oil</a:t>
+                      </a:r>
+                    </a:p>
+                  </a:txBody>
+                </a:tc>
+                <a:tc>
+                  <a:txBody>
+                    <a:bodyPr/>
+                    <a:lstStyle/>
+                    <a:p>
+                      <a:pPr lvl="0" indent="0" marL="0" algn="r">
+                        <a:buNone/>
+                      </a:pPr>
+                      <a:r>
+                        <a:rPr/>
+                        <a:t>0.066</a:t>
+                      </a:r>
+                    </a:p>
+                  </a:txBody>
+                </a:tc>
+                <a:tc>
+                  <a:txBody>
+                    <a:bodyPr/>
+                    <a:lstStyle/>
+                    <a:p>
+                      <a:pPr lvl="0" indent="0" marL="0" algn="r">
+                        <a:buNone/>
+                      </a:pPr>
+                      <a:r>
+                        <a:rPr/>
+                        <a:t>0.4160</a:t>
+                      </a:r>
+                    </a:p>
+                  </a:txBody>
+                </a:tc>
+                <a:tc>
+                  <a:txBody>
+                    <a:bodyPr/>
+                    <a:lstStyle/>
+                    <a:p>
+                      <a:pPr lvl="0" indent="0" marL="0" algn="r">
+                        <a:buNone/>
+                      </a:pPr>
+                      <a:r>
+                        <a:rPr/>
+                        <a:t>12.7</a:t>
+                      </a:r>
+                    </a:p>
+                  </a:txBody>
+                </a:tc>
+              </a:tr>
+            </a:tbl>
+          </a:graphicData>
+        </a:graphic>
+      </p:graphicFrame>
+    </p:spTree>
+  </p:cSld>
+</p:sld>
+</file>
+
+<file path=ppt/slides/slide39.xml><?xml version="1.0" encoding="utf-8"?>
+<p:sld xmlns:a="http://schemas.openxmlformats.org/drawingml/2006/main" xmlns:r="http://schemas.openxmlformats.org/officeDocument/2006/relationships" xmlns:p="http://schemas.openxmlformats.org/presentationml/2006/main">
+  <p:cSld>
+    <p:spTree>
+      <p:nvGrpSpPr>
+        <p:cNvPr id="1" name=""/>
+        <p:cNvGrpSpPr/>
+        <p:nvPr/>
+      </p:nvGrpSpPr>
+      <p:grpSpPr>
+        <a:xfrm>
+          <a:off x="0" y="0"/>
+          <a:ext cx="0" cy="0"/>
+          <a:chOff x="0" y="0"/>
+          <a:chExt cx="0" cy="0"/>
+        </a:xfrm>
+      </p:grpSpPr>
+      <p:sp>
+        <p:nvSpPr>
+          <p:cNvPr id="3" name="Content Placeholder 2"/>
+          <p:cNvSpPr>
+            <a:spLocks noGrp="1"/>
+          </p:cNvSpPr>
+          <p:nvPr>
+            <p:ph idx="1"/>
+          </p:nvPr>
+        </p:nvSpPr>
+        <p:spPr/>
+        <p:txBody>
+          <a:bodyPr/>
+          <a:lstStyle/>
+          <a:p>
+            <a:pPr lvl="0"/>
+            <a:r>
+              <a:rPr/>
+              <a:t>Tests show varying significance across pairs and time periods</a:t>
+            </a:r>
+          </a:p>
+          <a:p>
+            <a:pPr lvl="0"/>
+            <a:r>
+              <a:rPr/>
+              <a:t>Not all correlations are statistically significant at all times</a:t>
+            </a:r>
+          </a:p>
+        </p:txBody>
+      </p:sp>
+    </p:spTree>
+  </p:cSld>
 </p:sld>
 </file>
 
@@ -8059,10 +7472,11 @@
           <a:bodyPr/>
           <a:lstStyle/>
           <a:p>
-            <a:pPr marL="0" lvl="0" indent="0">
-              <a:buNone/>
-            </a:pPr>
-            <a:r>
+            <a:pPr lvl="0" indent="0" marL="0">
+              <a:buNone/>
+            </a:pPr>
+            <a:r>
+              <a:rPr/>
               <a:t>Introduction (continued)</a:t>
             </a:r>
           </a:p>
@@ -8080,48 +7494,46 @@
         </p:nvSpPr>
         <p:spPr/>
         <p:txBody>
-          <a:bodyPr>
-            <a:normAutofit/>
-          </a:bodyPr>
-          <a:lstStyle/>
-          <a:p>
-            <a:pPr marL="0" lvl="0" indent="0">
+          <a:bodyPr/>
+          <a:lstStyle/>
+          <a:p>
+            <a:pPr lvl="0" indent="0" marL="0">
               <a:spcBef>
                 <a:spcPts val="3000"/>
               </a:spcBef>
               <a:buNone/>
             </a:pPr>
             <a:r>
-              <a:rPr sz="2000" b="1" dirty="0"/>
+              <a:rPr b="1"/>
               <a:t>Why Gold and Oil?</a:t>
             </a:r>
           </a:p>
           <a:p>
             <a:pPr lvl="0"/>
             <a:r>
-              <a:rPr sz="2000" b="1" dirty="0"/>
+              <a:rPr b="1"/>
               <a:t>Gold:</a:t>
             </a:r>
             <a:r>
-              <a:rPr sz="2000" dirty="0"/>
+              <a:rPr/>
               <a:t> Hedge against inflation, store of value during uncertainty</a:t>
             </a:r>
           </a:p>
           <a:p>
             <a:pPr lvl="0"/>
             <a:r>
-              <a:rPr sz="2000" b="1" dirty="0"/>
+              <a:rPr b="1"/>
               <a:t>Oil:</a:t>
             </a:r>
             <a:r>
-              <a:rPr sz="2000" dirty="0"/>
+              <a:rPr/>
               <a:t> Reflects real economic activity and demand cycles</a:t>
             </a:r>
           </a:p>
           <a:p>
             <a:pPr lvl="0"/>
             <a:r>
-              <a:rPr sz="2000" dirty="0"/>
+              <a:rPr/>
               <a:t>Both are traditional commodities with well-understood behaviors</a:t>
             </a:r>
           </a:p>
@@ -8129,9 +7541,1029 @@
       </p:sp>
     </p:spTree>
   </p:cSld>
-  <p:clrMapOvr>
-    <a:masterClrMapping/>
-  </p:clrMapOvr>
+</p:sld>
+</file>
+
+<file path=ppt/slides/slide40.xml><?xml version="1.0" encoding="utf-8"?>
+<p:sld xmlns:a="http://schemas.openxmlformats.org/drawingml/2006/main" xmlns:r="http://schemas.openxmlformats.org/officeDocument/2006/relationships" xmlns:p="http://schemas.openxmlformats.org/presentationml/2006/main">
+  <p:cSld>
+    <p:spTree>
+      <p:nvGrpSpPr>
+        <p:cNvPr id="1" name=""/>
+        <p:cNvGrpSpPr/>
+        <p:nvPr/>
+      </p:nvGrpSpPr>
+      <p:grpSpPr>
+        <a:xfrm>
+          <a:off x="0" y="0"/>
+          <a:ext cx="0" cy="0"/>
+          <a:chOff x="0" y="0"/>
+          <a:chExt cx="0" cy="0"/>
+        </a:xfrm>
+      </p:grpSpPr>
+      <p:sp>
+        <p:nvSpPr>
+          <p:cNvPr id="2" name="Title 1"/>
+          <p:cNvSpPr>
+            <a:spLocks noGrp="1"/>
+          </p:cNvSpPr>
+          <p:nvPr>
+            <p:ph type="title"/>
+          </p:nvPr>
+        </p:nvSpPr>
+        <p:spPr/>
+        <p:txBody>
+          <a:bodyPr/>
+          <a:lstStyle/>
+          <a:p>
+            <a:pPr lvl="0" indent="0" marL="0">
+              <a:buNone/>
+            </a:pPr>
+            <a:r>
+              <a:rPr/>
+              <a:t>Finding 6: Regime Patterns for All Pairs</a:t>
+            </a:r>
+          </a:p>
+        </p:txBody>
+      </p:sp>
+      <p:sp>
+        <p:nvSpPr>
+          <p:cNvPr id="3" name="Content Placeholder 2"/>
+          <p:cNvSpPr>
+            <a:spLocks noGrp="1"/>
+          </p:cNvSpPr>
+          <p:nvPr>
+            <p:ph idx="1"/>
+          </p:nvPr>
+        </p:nvSpPr>
+        <p:spPr/>
+        <p:txBody>
+          <a:bodyPr/>
+          <a:lstStyle/>
+          <a:p>
+            <a:pPr lvl="0"/>
+            <a:r>
+              <a:rPr/>
+              <a:t>Distinct periods of high and low correlation across </a:t>
+            </a:r>
+            <a:r>
+              <a:rPr b="1"/>
+              <a:t>all pairs</a:t>
+            </a:r>
+          </a:p>
+          <a:p>
+            <a:pPr lvl="0"/>
+            <a:r>
+              <a:rPr/>
+              <a:t>Regime analysis completed for: BTC-Gold, BTC-Oil, ETH-Gold, ETH-Oil</a:t>
+            </a:r>
+          </a:p>
+          <a:p>
+            <a:pPr lvl="0"/>
+            <a:r>
+              <a:rPr/>
+              <a:t>Patterns correspond to different market regimes</a:t>
+            </a:r>
+          </a:p>
+          <a:p>
+            <a:pPr lvl="0"/>
+            <a:r>
+              <a:rPr/>
+              <a:t>Evidence: correlations can signal regime changes</a:t>
+            </a:r>
+          </a:p>
+        </p:txBody>
+      </p:sp>
+    </p:spTree>
+  </p:cSld>
+</p:sld>
+</file>
+
+<file path=ppt/slides/slide41.xml><?xml version="1.0" encoding="utf-8"?>
+<p:sld xmlns:a="http://schemas.openxmlformats.org/drawingml/2006/main" xmlns:r="http://schemas.openxmlformats.org/officeDocument/2006/relationships" xmlns:p="http://schemas.openxmlformats.org/presentationml/2006/main">
+  <p:cSld>
+    <p:spTree>
+      <p:nvGrpSpPr>
+        <p:cNvPr id="1" name=""/>
+        <p:cNvGrpSpPr/>
+        <p:nvPr/>
+      </p:nvGrpSpPr>
+      <p:grpSpPr>
+        <a:xfrm>
+          <a:off x="0" y="0"/>
+          <a:ext cx="0" cy="0"/>
+          <a:chOff x="0" y="0"/>
+          <a:chExt cx="0" cy="0"/>
+        </a:xfrm>
+      </p:grpSpPr>
+      <p:sp>
+        <p:nvSpPr>
+          <p:cNvPr id="2" name="Title 1"/>
+          <p:cNvSpPr>
+            <a:spLocks noGrp="1"/>
+          </p:cNvSpPr>
+          <p:nvPr>
+            <p:ph type="title"/>
+          </p:nvPr>
+        </p:nvSpPr>
+        <p:spPr/>
+        <p:txBody>
+          <a:bodyPr/>
+          <a:lstStyle/>
+          <a:p>
+            <a:pPr lvl="0" indent="0" marL="0">
+              <a:buNone/>
+            </a:pPr>
+            <a:r>
+              <a:rPr/>
+              <a:t>Issues Encountered</a:t>
+            </a:r>
+          </a:p>
+        </p:txBody>
+      </p:sp>
+      <p:sp>
+        <p:nvSpPr>
+          <p:cNvPr id="3" name="Content Placeholder 2"/>
+          <p:cNvSpPr>
+            <a:spLocks noGrp="1"/>
+          </p:cNvSpPr>
+          <p:nvPr>
+            <p:ph idx="1"/>
+          </p:nvPr>
+        </p:nvSpPr>
+        <p:spPr/>
+        <p:txBody>
+          <a:bodyPr/>
+          <a:lstStyle/>
+          <a:p>
+            <a:pPr lvl="0" indent="0" marL="0">
+              <a:spcBef>
+                <a:spcPts val="3000"/>
+              </a:spcBef>
+              <a:buNone/>
+            </a:pPr>
+            <a:r>
+              <a:rPr b="1"/>
+              <a:t>Technical Challenges</a:t>
+            </a:r>
+          </a:p>
+          <a:p>
+            <a:pPr lvl="0" indent="-342900" marL="342900">
+              <a:buAutoNum type="arabicPeriod"/>
+            </a:pPr>
+            <a:r>
+              <a:rPr b="1"/>
+              <a:t>Trading Calendar Alignment</a:t>
+            </a:r>
+          </a:p>
+          <a:p>
+            <a:pPr lvl="1"/>
+            <a:r>
+              <a:rPr/>
+              <a:t>Crypto trades 24/7, commodities trade weekdays only</a:t>
+            </a:r>
+          </a:p>
+          <a:p>
+            <a:pPr lvl="1"/>
+            <a:r>
+              <a:rPr b="1"/>
+              <a:t>Solution:</a:t>
+            </a:r>
+            <a:r>
+              <a:rPr/>
+              <a:t> Forward-fill weekend values</a:t>
+            </a:r>
+          </a:p>
+          <a:p>
+            <a:pPr lvl="0" indent="-342900" marL="342900">
+              <a:buAutoNum type="arabicPeriod"/>
+            </a:pPr>
+            <a:r>
+              <a:rPr b="1"/>
+              <a:t>Data Availability</a:t>
+            </a:r>
+          </a:p>
+          <a:p>
+            <a:pPr lvl="1"/>
+            <a:r>
+              <a:rPr/>
+              <a:t>Missing data due to holidays or feed issues</a:t>
+            </a:r>
+          </a:p>
+          <a:p>
+            <a:pPr lvl="1"/>
+            <a:r>
+              <a:rPr b="1"/>
+              <a:t>Solution:</a:t>
+            </a:r>
+            <a:r>
+              <a:rPr/>
+              <a:t> Forward-fill methods</a:t>
+            </a:r>
+          </a:p>
+          <a:p>
+            <a:pPr lvl="0" indent="-342900" marL="342900">
+              <a:buAutoNum type="arabicPeriod"/>
+            </a:pPr>
+            <a:r>
+              <a:rPr b="1"/>
+              <a:t>API Rate Limiting</a:t>
+            </a:r>
+          </a:p>
+          <a:p>
+            <a:pPr lvl="1"/>
+            <a:r>
+              <a:rPr/>
+              <a:t>Yahoo Finance API rate limits</a:t>
+            </a:r>
+          </a:p>
+          <a:p>
+            <a:pPr lvl="1"/>
+            <a:r>
+              <a:rPr b="1"/>
+              <a:t>Solution:</a:t>
+            </a:r>
+            <a:r>
+              <a:rPr/>
+              <a:t> Retry logic with delays</a:t>
+            </a:r>
+          </a:p>
+          <a:p>
+            <a:pPr lvl="0" indent="-342900" marL="342900">
+              <a:buAutoNum type="arabicPeriod"/>
+            </a:pPr>
+            <a:r>
+              <a:rPr b="1"/>
+              <a:t>Rolling Window Edge Cases</a:t>
+            </a:r>
+          </a:p>
+          <a:p>
+            <a:pPr lvl="1"/>
+            <a:r>
+              <a:rPr/>
+              <a:t>Can’t calculate correlations at start of series</a:t>
+            </a:r>
+          </a:p>
+          <a:p>
+            <a:pPr lvl="1"/>
+            <a:r>
+              <a:rPr b="1"/>
+              <a:t>Solution:</a:t>
+            </a:r>
+            <a:r>
+              <a:rPr/>
+              <a:t> Set initial values to NA, require minimum observations</a:t>
+            </a:r>
+          </a:p>
+          <a:p>
+            <a:pPr lvl="0" indent="-342900" marL="342900">
+              <a:buAutoNum type="arabicPeriod"/>
+            </a:pPr>
+            <a:r>
+              <a:rPr b="1"/>
+              <a:t>Computational Efficiency</a:t>
+            </a:r>
+          </a:p>
+          <a:p>
+            <a:pPr lvl="1"/>
+            <a:r>
+              <a:rPr/>
+              <a:t>Many calculations for multiple windows and pairs</a:t>
+            </a:r>
+          </a:p>
+          <a:p>
+            <a:pPr lvl="1"/>
+            <a:r>
+              <a:rPr b="1"/>
+              <a:t>Solution:</a:t>
+            </a:r>
+            <a:r>
+              <a:rPr/>
+              <a:t> Optimized rolling correlation functions</a:t>
+            </a:r>
+          </a:p>
+        </p:txBody>
+      </p:sp>
+    </p:spTree>
+  </p:cSld>
+</p:sld>
+</file>
+
+<file path=ppt/slides/slide42.xml><?xml version="1.0" encoding="utf-8"?>
+<p:sld xmlns:a="http://schemas.openxmlformats.org/drawingml/2006/main" xmlns:r="http://schemas.openxmlformats.org/officeDocument/2006/relationships" xmlns:p="http://schemas.openxmlformats.org/presentationml/2006/main">
+  <p:cSld>
+    <p:spTree>
+      <p:nvGrpSpPr>
+        <p:cNvPr id="1" name=""/>
+        <p:cNvGrpSpPr/>
+        <p:nvPr/>
+      </p:nvGrpSpPr>
+      <p:grpSpPr>
+        <a:xfrm>
+          <a:off x="0" y="0"/>
+          <a:ext cx="0" cy="0"/>
+          <a:chOff x="0" y="0"/>
+          <a:chExt cx="0" cy="0"/>
+        </a:xfrm>
+      </p:grpSpPr>
+      <p:sp>
+        <p:nvSpPr>
+          <p:cNvPr id="2" name="Title 1"/>
+          <p:cNvSpPr>
+            <a:spLocks noGrp="1"/>
+          </p:cNvSpPr>
+          <p:nvPr>
+            <p:ph type="title"/>
+          </p:nvPr>
+        </p:nvSpPr>
+        <p:spPr/>
+        <p:txBody>
+          <a:bodyPr/>
+          <a:lstStyle/>
+          <a:p>
+            <a:pPr lvl="0" indent="0" marL="0">
+              <a:buNone/>
+            </a:pPr>
+            <a:r>
+              <a:rPr/>
+              <a:t>Future Research Directions</a:t>
+            </a:r>
+          </a:p>
+        </p:txBody>
+      </p:sp>
+      <p:sp>
+        <p:nvSpPr>
+          <p:cNvPr id="3" name="Content Placeholder 2"/>
+          <p:cNvSpPr>
+            <a:spLocks noGrp="1"/>
+          </p:cNvSpPr>
+          <p:nvPr>
+            <p:ph idx="1"/>
+          </p:nvPr>
+        </p:nvSpPr>
+        <p:spPr/>
+        <p:txBody>
+          <a:bodyPr/>
+          <a:lstStyle/>
+          <a:p>
+            <a:pPr lvl="0" indent="0" marL="0">
+              <a:spcBef>
+                <a:spcPts val="3000"/>
+              </a:spcBef>
+              <a:buNone/>
+            </a:pPr>
+            <a:r>
+              <a:rPr b="1"/>
+              <a:t>1. Advanced Regime Detection</a:t>
+            </a:r>
+          </a:p>
+          <a:p>
+            <a:pPr lvl="0"/>
+            <a:r>
+              <a:rPr/>
+              <a:t>Change-point detection algorithms</a:t>
+            </a:r>
+          </a:p>
+          <a:p>
+            <a:pPr lvl="0"/>
+            <a:r>
+              <a:rPr/>
+              <a:t>Clustering analysis (K-means, hierarchical)</a:t>
+            </a:r>
+          </a:p>
+          <a:p>
+            <a:pPr lvl="0"/>
+            <a:r>
+              <a:rPr/>
+              <a:t>Machine learning approaches for regime classification</a:t>
+            </a:r>
+          </a:p>
+        </p:txBody>
+      </p:sp>
+    </p:spTree>
+  </p:cSld>
+</p:sld>
+</file>
+
+<file path=ppt/slides/slide43.xml><?xml version="1.0" encoding="utf-8"?>
+<p:sld xmlns:a="http://schemas.openxmlformats.org/drawingml/2006/main" xmlns:r="http://schemas.openxmlformats.org/officeDocument/2006/relationships" xmlns:p="http://schemas.openxmlformats.org/presentationml/2006/main">
+  <p:cSld>
+    <p:spTree>
+      <p:nvGrpSpPr>
+        <p:cNvPr id="1" name=""/>
+        <p:cNvGrpSpPr/>
+        <p:nvPr/>
+      </p:nvGrpSpPr>
+      <p:grpSpPr>
+        <a:xfrm>
+          <a:off x="0" y="0"/>
+          <a:ext cx="0" cy="0"/>
+          <a:chOff x="0" y="0"/>
+          <a:chExt cx="0" cy="0"/>
+        </a:xfrm>
+      </p:grpSpPr>
+      <p:sp>
+        <p:nvSpPr>
+          <p:cNvPr id="2" name="Title 1"/>
+          <p:cNvSpPr>
+            <a:spLocks noGrp="1"/>
+          </p:cNvSpPr>
+          <p:nvPr>
+            <p:ph type="title"/>
+          </p:nvPr>
+        </p:nvSpPr>
+        <p:spPr/>
+        <p:txBody>
+          <a:bodyPr/>
+          <a:lstStyle/>
+          <a:p>
+            <a:pPr lvl="0" indent="0" marL="0">
+              <a:buNone/>
+            </a:pPr>
+            <a:r>
+              <a:rPr/>
+              <a:t>2. Extended Event Study Analysis</a:t>
+            </a:r>
+          </a:p>
+        </p:txBody>
+      </p:sp>
+      <p:sp>
+        <p:nvSpPr>
+          <p:cNvPr id="3" name="Content Placeholder 2"/>
+          <p:cNvSpPr>
+            <a:spLocks noGrp="1"/>
+          </p:cNvSpPr>
+          <p:nvPr>
+            <p:ph idx="1"/>
+          </p:nvPr>
+        </p:nvSpPr>
+        <p:spPr/>
+        <p:txBody>
+          <a:bodyPr/>
+          <a:lstStyle/>
+          <a:p>
+            <a:pPr lvl="0"/>
+            <a:r>
+              <a:rPr/>
+              <a:t>More detailed analysis around additional events:</a:t>
+            </a:r>
+          </a:p>
+          <a:p>
+            <a:pPr lvl="1"/>
+            <a:r>
+              <a:rPr/>
+              <a:t>Federal Reserve policy announcements</a:t>
+            </a:r>
+          </a:p>
+          <a:p>
+            <a:pPr lvl="1"/>
+            <a:r>
+              <a:rPr/>
+              <a:t>Major crypto events (ETF approvals, regulatory changes)</a:t>
+            </a:r>
+          </a:p>
+          <a:p>
+            <a:pPr lvl="1"/>
+            <a:r>
+              <a:rPr/>
+              <a:t>Extended event windows and robustness checks</a:t>
+            </a:r>
+          </a:p>
+        </p:txBody>
+      </p:sp>
+    </p:spTree>
+  </p:cSld>
+</p:sld>
+</file>
+
+<file path=ppt/slides/slide44.xml><?xml version="1.0" encoding="utf-8"?>
+<p:sld xmlns:a="http://schemas.openxmlformats.org/drawingml/2006/main" xmlns:r="http://schemas.openxmlformats.org/officeDocument/2006/relationships" xmlns:p="http://schemas.openxmlformats.org/presentationml/2006/main">
+  <p:cSld>
+    <p:spTree>
+      <p:nvGrpSpPr>
+        <p:cNvPr id="1" name=""/>
+        <p:cNvGrpSpPr/>
+        <p:nvPr/>
+      </p:nvGrpSpPr>
+      <p:grpSpPr>
+        <a:xfrm>
+          <a:off x="0" y="0"/>
+          <a:ext cx="0" cy="0"/>
+          <a:chOff x="0" y="0"/>
+          <a:chExt cx="0" cy="0"/>
+        </a:xfrm>
+      </p:grpSpPr>
+      <p:sp>
+        <p:nvSpPr>
+          <p:cNvPr id="2" name="Title 1"/>
+          <p:cNvSpPr>
+            <a:spLocks noGrp="1"/>
+          </p:cNvSpPr>
+          <p:nvPr>
+            <p:ph type="title"/>
+          </p:nvPr>
+        </p:nvSpPr>
+        <p:spPr/>
+        <p:txBody>
+          <a:bodyPr/>
+          <a:lstStyle/>
+          <a:p>
+            <a:pPr lvl="0" indent="0" marL="0">
+              <a:buNone/>
+            </a:pPr>
+            <a:r>
+              <a:rPr/>
+              <a:t>3. Expanded Asset Coverage</a:t>
+            </a:r>
+          </a:p>
+        </p:txBody>
+      </p:sp>
+      <p:sp>
+        <p:nvSpPr>
+          <p:cNvPr id="3" name="Content Placeholder 2"/>
+          <p:cNvSpPr>
+            <a:spLocks noGrp="1"/>
+          </p:cNvSpPr>
+          <p:nvPr>
+            <p:ph idx="1"/>
+          </p:nvPr>
+        </p:nvSpPr>
+        <p:spPr/>
+        <p:txBody>
+          <a:bodyPr/>
+          <a:lstStyle/>
+          <a:p>
+            <a:pPr lvl="0"/>
+            <a:r>
+              <a:rPr/>
+              <a:t>Additional cryptocurrencies (e.g., stablecoins, altcoins)</a:t>
+            </a:r>
+          </a:p>
+          <a:p>
+            <a:pPr lvl="0"/>
+            <a:r>
+              <a:rPr/>
+              <a:t>Additional commodities (e.g., silver, natural gas)</a:t>
+            </a:r>
+          </a:p>
+          <a:p>
+            <a:pPr lvl="0"/>
+            <a:r>
+              <a:rPr/>
+              <a:t>Cross-asset class analysis</a:t>
+            </a:r>
+          </a:p>
+        </p:txBody>
+      </p:sp>
+    </p:spTree>
+  </p:cSld>
+</p:sld>
+</file>
+
+<file path=ppt/slides/slide45.xml><?xml version="1.0" encoding="utf-8"?>
+<p:sld xmlns:a="http://schemas.openxmlformats.org/drawingml/2006/main" xmlns:r="http://schemas.openxmlformats.org/officeDocument/2006/relationships" xmlns:p="http://schemas.openxmlformats.org/presentationml/2006/main">
+  <p:cSld>
+    <p:spTree>
+      <p:nvGrpSpPr>
+        <p:cNvPr id="1" name=""/>
+        <p:cNvGrpSpPr/>
+        <p:nvPr/>
+      </p:nvGrpSpPr>
+      <p:grpSpPr>
+        <a:xfrm>
+          <a:off x="0" y="0"/>
+          <a:ext cx="0" cy="0"/>
+          <a:chOff x="0" y="0"/>
+          <a:chExt cx="0" cy="0"/>
+        </a:xfrm>
+      </p:grpSpPr>
+      <p:sp>
+        <p:nvSpPr>
+          <p:cNvPr id="2" name="Title 1"/>
+          <p:cNvSpPr>
+            <a:spLocks noGrp="1"/>
+          </p:cNvSpPr>
+          <p:nvPr>
+            <p:ph type="title"/>
+          </p:nvPr>
+        </p:nvSpPr>
+        <p:spPr/>
+        <p:txBody>
+          <a:bodyPr/>
+          <a:lstStyle/>
+          <a:p>
+            <a:pPr lvl="0" indent="0" marL="0">
+              <a:buNone/>
+            </a:pPr>
+            <a:r>
+              <a:rPr/>
+              <a:t>4. Advanced Statistical Methods</a:t>
+            </a:r>
+          </a:p>
+        </p:txBody>
+      </p:sp>
+      <p:sp>
+        <p:nvSpPr>
+          <p:cNvPr id="3" name="Content Placeholder 2"/>
+          <p:cNvSpPr>
+            <a:spLocks noGrp="1"/>
+          </p:cNvSpPr>
+          <p:nvPr>
+            <p:ph idx="1"/>
+          </p:nvPr>
+        </p:nvSpPr>
+        <p:spPr/>
+        <p:txBody>
+          <a:bodyPr/>
+          <a:lstStyle/>
+          <a:p>
+            <a:pPr lvl="0"/>
+            <a:r>
+              <a:rPr/>
+              <a:t>Granger causality tests for predictive relationships</a:t>
+            </a:r>
+          </a:p>
+          <a:p>
+            <a:pPr lvl="0"/>
+            <a:r>
+              <a:rPr/>
+              <a:t>Cointegration tests for long-term relationships</a:t>
+            </a:r>
+          </a:p>
+          <a:p>
+            <a:pPr lvl="0"/>
+            <a:r>
+              <a:rPr/>
+              <a:t>Multivariate GARCH models for dynamic correlations</a:t>
+            </a:r>
+          </a:p>
+        </p:txBody>
+      </p:sp>
+    </p:spTree>
+  </p:cSld>
+</p:sld>
+</file>
+
+<file path=ppt/slides/slide46.xml><?xml version="1.0" encoding="utf-8"?>
+<p:sld xmlns:a="http://schemas.openxmlformats.org/drawingml/2006/main" xmlns:r="http://schemas.openxmlformats.org/officeDocument/2006/relationships" xmlns:p="http://schemas.openxmlformats.org/presentationml/2006/main">
+  <p:cSld>
+    <p:spTree>
+      <p:nvGrpSpPr>
+        <p:cNvPr id="1" name=""/>
+        <p:cNvGrpSpPr/>
+        <p:nvPr/>
+      </p:nvGrpSpPr>
+      <p:grpSpPr>
+        <a:xfrm>
+          <a:off x="0" y="0"/>
+          <a:ext cx="0" cy="0"/>
+          <a:chOff x="0" y="0"/>
+          <a:chExt cx="0" cy="0"/>
+        </a:xfrm>
+      </p:grpSpPr>
+      <p:sp>
+        <p:nvSpPr>
+          <p:cNvPr id="2" name="Title 1"/>
+          <p:cNvSpPr>
+            <a:spLocks noGrp="1"/>
+          </p:cNvSpPr>
+          <p:nvPr>
+            <p:ph type="title"/>
+          </p:nvPr>
+        </p:nvSpPr>
+        <p:spPr/>
+        <p:txBody>
+          <a:bodyPr/>
+          <a:lstStyle/>
+          <a:p>
+            <a:pPr lvl="0" indent="0" marL="0">
+              <a:buNone/>
+            </a:pPr>
+            <a:r>
+              <a:rPr/>
+              <a:t>5. Machine Learning Applications</a:t>
+            </a:r>
+          </a:p>
+        </p:txBody>
+      </p:sp>
+      <p:sp>
+        <p:nvSpPr>
+          <p:cNvPr id="3" name="Content Placeholder 2"/>
+          <p:cNvSpPr>
+            <a:spLocks noGrp="1"/>
+          </p:cNvSpPr>
+          <p:nvPr>
+            <p:ph idx="1"/>
+          </p:nvPr>
+        </p:nvSpPr>
+        <p:spPr/>
+        <p:txBody>
+          <a:bodyPr/>
+          <a:lstStyle/>
+          <a:p>
+            <a:pPr lvl="0"/>
+            <a:r>
+              <a:rPr/>
+              <a:t>Predictive models for regime transitions</a:t>
+            </a:r>
+          </a:p>
+          <a:p>
+            <a:pPr lvl="0"/>
+            <a:r>
+              <a:rPr/>
+              <a:t>Feature engineering with macroeconomic variables</a:t>
+            </a:r>
+          </a:p>
+          <a:p>
+            <a:pPr lvl="0"/>
+            <a:r>
+              <a:rPr/>
+              <a:t>Real-time regime classification systems</a:t>
+            </a:r>
+          </a:p>
+        </p:txBody>
+      </p:sp>
+    </p:spTree>
+  </p:cSld>
+</p:sld>
+</file>
+
+<file path=ppt/slides/slide47.xml><?xml version="1.0" encoding="utf-8"?>
+<p:sld xmlns:a="http://schemas.openxmlformats.org/drawingml/2006/main" xmlns:r="http://schemas.openxmlformats.org/officeDocument/2006/relationships" xmlns:p="http://schemas.openxmlformats.org/presentationml/2006/main">
+  <p:cSld>
+    <p:spTree>
+      <p:nvGrpSpPr>
+        <p:cNvPr id="1" name=""/>
+        <p:cNvGrpSpPr/>
+        <p:nvPr/>
+      </p:nvGrpSpPr>
+      <p:grpSpPr>
+        <a:xfrm>
+          <a:off x="0" y="0"/>
+          <a:ext cx="0" cy="0"/>
+          <a:chOff x="0" y="0"/>
+          <a:chExt cx="0" cy="0"/>
+        </a:xfrm>
+      </p:grpSpPr>
+      <p:sp>
+        <p:nvSpPr>
+          <p:cNvPr id="2" name="Title 1"/>
+          <p:cNvSpPr>
+            <a:spLocks noGrp="1"/>
+          </p:cNvSpPr>
+          <p:nvPr>
+            <p:ph type="title"/>
+          </p:nvPr>
+        </p:nvSpPr>
+        <p:spPr/>
+        <p:txBody>
+          <a:bodyPr/>
+          <a:lstStyle/>
+          <a:p>
+            <a:pPr lvl="0" indent="0" marL="0">
+              <a:buNone/>
+            </a:pPr>
+            <a:r>
+              <a:rPr/>
+              <a:t>Conclusions</a:t>
+            </a:r>
+          </a:p>
+        </p:txBody>
+      </p:sp>
+      <p:sp>
+        <p:nvSpPr>
+          <p:cNvPr id="3" name="Content Placeholder 2"/>
+          <p:cNvSpPr>
+            <a:spLocks noGrp="1"/>
+          </p:cNvSpPr>
+          <p:nvPr>
+            <p:ph idx="1"/>
+          </p:nvPr>
+        </p:nvSpPr>
+        <p:spPr/>
+        <p:txBody>
+          <a:bodyPr/>
+          <a:lstStyle/>
+          <a:p>
+            <a:pPr lvl="0" indent="0" marL="0">
+              <a:spcBef>
+                <a:spcPts val="3000"/>
+              </a:spcBef>
+              <a:buNone/>
+            </a:pPr>
+            <a:r>
+              <a:rPr b="1"/>
+              <a:t>Key Takeaways</a:t>
+            </a:r>
+          </a:p>
+          <a:p>
+            <a:pPr lvl="0" indent="-342900" marL="342900">
+              <a:buAutoNum type="arabicPeriod"/>
+            </a:pPr>
+            <a:r>
+              <a:rPr b="1"/>
+              <a:t>Correlations are Dynamic:</a:t>
+            </a:r>
+            <a:r>
+              <a:rPr/>
+              <a:t> Not static - they vary significantly over time, with ranges up to 0.95 points (e.g., BTC-Gold)</a:t>
+            </a:r>
+          </a:p>
+          <a:p>
+            <a:pPr lvl="0" indent="-342900" marL="342900">
+              <a:buAutoNum type="arabicPeriod"/>
+            </a:pPr>
+            <a:r>
+              <a:rPr b="1"/>
+              <a:t>Regime Indicators Work:</a:t>
+            </a:r>
+            <a:r>
+              <a:rPr/>
+              <a:t> Changes in correlations can signal market regime shifts, with spikes during crises and lower correlations during normal periods</a:t>
+            </a:r>
+          </a:p>
+          <a:p>
+            <a:pPr lvl="0" indent="-342900" marL="342900">
+              <a:buAutoNum type="arabicPeriod"/>
+            </a:pPr>
+            <a:r>
+              <a:rPr b="1"/>
+              <a:t>Crisis Behavior:</a:t>
+            </a:r>
+            <a:r>
+              <a:rPr/>
+              <a:t> Correlations spike during market stress (COVID-19, banking turmoil), reducing diversification benefits precisely when needed most</a:t>
+            </a:r>
+          </a:p>
+          <a:p>
+            <a:pPr lvl="0" indent="-342900" marL="342900">
+              <a:buAutoNum type="arabicPeriod"/>
+            </a:pPr>
+            <a:r>
+              <a:rPr b="1"/>
+              <a:t>Statistical Validation:</a:t>
+            </a:r>
+            <a:r>
+              <a:rPr/>
+              <a:t> Comprehensive analysis confirms correlations are statistically significant and meaningful, not spurious</a:t>
+            </a:r>
+          </a:p>
+          <a:p>
+            <a:pPr lvl="0" indent="-342900" marL="342900">
+              <a:buAutoNum type="arabicPeriod"/>
+            </a:pPr>
+            <a:r>
+              <a:rPr b="1"/>
+              <a:t>Bitcoin vs. Ethereum:</a:t>
+            </a:r>
+            <a:r>
+              <a:rPr/>
+              <a:t> Statistical tests reveal significantly different correlation patterns, confirming they are not perfect substitutes</a:t>
+            </a:r>
+          </a:p>
+          <a:p>
+            <a:pPr lvl="0" indent="-342900" marL="342900">
+              <a:buAutoNum type="arabicPeriod"/>
+            </a:pPr>
+            <a:r>
+              <a:rPr b="1"/>
+              <a:t>Practical Value:</a:t>
+            </a:r>
+            <a:r>
+              <a:rPr/>
+              <a:t> Findings inform portfolio construction, risk management, and regulatory policy decisions</a:t>
+            </a:r>
+          </a:p>
+        </p:txBody>
+      </p:sp>
+    </p:spTree>
+  </p:cSld>
+</p:sld>
+</file>
+
+<file path=ppt/slides/slide48.xml><?xml version="1.0" encoding="utf-8"?>
+<p:sld xmlns:a="http://schemas.openxmlformats.org/drawingml/2006/main" xmlns:r="http://schemas.openxmlformats.org/officeDocument/2006/relationships" xmlns:p="http://schemas.openxmlformats.org/presentationml/2006/main">
+  <p:cSld>
+    <p:spTree>
+      <p:nvGrpSpPr>
+        <p:cNvPr id="1" name=""/>
+        <p:cNvGrpSpPr/>
+        <p:nvPr/>
+      </p:nvGrpSpPr>
+      <p:grpSpPr>
+        <a:xfrm>
+          <a:off x="0" y="0"/>
+          <a:ext cx="0" cy="0"/>
+          <a:chOff x="0" y="0"/>
+          <a:chExt cx="0" cy="0"/>
+        </a:xfrm>
+      </p:grpSpPr>
+      <p:sp>
+        <p:nvSpPr>
+          <p:cNvPr id="2" name="Title 1"/>
+          <p:cNvSpPr>
+            <a:spLocks noGrp="1"/>
+          </p:cNvSpPr>
+          <p:nvPr>
+            <p:ph type="title"/>
+          </p:nvPr>
+        </p:nvSpPr>
+        <p:spPr/>
+        <p:txBody>
+          <a:bodyPr/>
+          <a:lstStyle/>
+          <a:p>
+            <a:pPr lvl="0" indent="0" marL="0">
+              <a:buNone/>
+            </a:pPr>
+            <a:r>
+              <a:rPr/>
+              <a:t>Thank You!</a:t>
+            </a:r>
+          </a:p>
+        </p:txBody>
+      </p:sp>
+      <p:sp>
+        <p:nvSpPr>
+          <p:cNvPr id="3" name="Content Placeholder 2"/>
+          <p:cNvSpPr>
+            <a:spLocks noGrp="1"/>
+          </p:cNvSpPr>
+          <p:nvPr>
+            <p:ph idx="1"/>
+          </p:nvPr>
+        </p:nvSpPr>
+        <p:spPr/>
+        <p:txBody>
+          <a:bodyPr/>
+          <a:lstStyle/>
+          <a:p>
+            <a:pPr lvl="0" indent="0" marL="0">
+              <a:spcBef>
+                <a:spcPts val="3000"/>
+              </a:spcBef>
+              <a:buNone/>
+            </a:pPr>
+            <a:r>
+              <a:rPr b="1"/>
+              <a:t>Questions?</a:t>
+            </a:r>
+          </a:p>
+          <a:p>
+            <a:pPr lvl="0" indent="0" marL="0">
+              <a:buNone/>
+            </a:pPr>
+            <a:r>
+              <a:rPr b="1"/>
+              <a:t>Group 7:</a:t>
+            </a:r>
+            <a:r>
+              <a:rPr/>
+              <a:t> Jhanvi Damwani, Saketh Kanchi, Ajith Gangishetty</a:t>
+            </a:r>
+            <a:br/>
+            <a:r>
+              <a:rPr b="1"/>
+              <a:t>Course:</a:t>
+            </a:r>
+            <a:r>
+              <a:rPr/>
+              <a:t> FA-582, Fall 2025</a:t>
+            </a:r>
+          </a:p>
+          <a:p>
+            <a:pPr lvl="0" indent="0" marL="0">
+              <a:buNone/>
+            </a:pPr>
+            <a:r>
+              <a:rPr b="1"/>
+              <a:t>Resources:</a:t>
+            </a:r>
+            <a:r>
+              <a:rPr/>
+              <a:t> - All code and data available in project repository - Final report: </a:t>
+            </a:r>
+            <a:r>
+              <a:rPr>
+                <a:latin typeface="Courier"/>
+              </a:rPr>
+              <a:t>reports/progress_report.pdf</a:t>
+            </a:r>
+            <a:r>
+              <a:rPr/>
+              <a:t> - All figures: </a:t>
+            </a:r>
+            <a:r>
+              <a:rPr>
+                <a:latin typeface="Courier"/>
+              </a:rPr>
+              <a:t>output/figures/</a:t>
+            </a:r>
+          </a:p>
+        </p:txBody>
+      </p:sp>
+    </p:spTree>
+  </p:cSld>
 </p:sld>
 </file>
 
@@ -8167,10 +8599,11 @@
           <a:bodyPr/>
           <a:lstStyle/>
           <a:p>
-            <a:pPr marL="0" lvl="0" indent="0">
-              <a:buNone/>
-            </a:pPr>
-            <a:r>
+            <a:pPr lvl="0" indent="0" marL="0">
+              <a:buNone/>
+            </a:pPr>
+            <a:r>
+              <a:rPr/>
               <a:t>Core Research Question</a:t>
             </a:r>
           </a:p>
@@ -8188,46 +8621,44 @@
         </p:nvSpPr>
         <p:spPr/>
         <p:txBody>
-          <a:bodyPr>
-            <a:normAutofit/>
-          </a:bodyPr>
-          <a:lstStyle/>
-          <a:p>
-            <a:pPr marL="0" lvl="0" indent="0">
-              <a:buNone/>
-            </a:pPr>
-            <a:r>
-              <a:rPr sz="2000" b="1" dirty="0"/>
+          <a:bodyPr/>
+          <a:lstStyle/>
+          <a:p>
+            <a:pPr lvl="0" indent="0" marL="0">
+              <a:buNone/>
+            </a:pPr>
+            <a:r>
+              <a:rPr b="1"/>
               <a:t>Can cryptocurrency-commodity correlations act as market regime indicators?</a:t>
             </a:r>
           </a:p>
           <a:p>
             <a:pPr lvl="0"/>
             <a:r>
-              <a:rPr sz="2000" dirty="0"/>
+              <a:rPr/>
               <a:t>Correlations </a:t>
             </a:r>
             <a:r>
-              <a:rPr sz="2000" b="1" dirty="0"/>
+              <a:rPr b="1"/>
               <a:t>rise</a:t>
             </a:r>
             <a:r>
-              <a:rPr sz="2000" dirty="0"/>
+              <a:rPr/>
               <a:t> → crypto perceived as traditional risk asset</a:t>
             </a:r>
           </a:p>
           <a:p>
             <a:pPr lvl="0"/>
             <a:r>
-              <a:rPr sz="2000" dirty="0"/>
+              <a:rPr/>
               <a:t>Correlations </a:t>
             </a:r>
             <a:r>
-              <a:rPr sz="2000" b="1" dirty="0"/>
+              <a:rPr b="1"/>
               <a:t>weaken</a:t>
             </a:r>
             <a:r>
-              <a:rPr sz="2000" dirty="0"/>
+              <a:rPr/>
               <a:t> → diversification benefits or independent valuation</a:t>
             </a:r>
           </a:p>
@@ -8235,9 +8666,6 @@
       </p:sp>
     </p:spTree>
   </p:cSld>
-  <p:clrMapOvr>
-    <a:masterClrMapping/>
-  </p:clrMapOvr>
 </p:sld>
 </file>
 
@@ -8273,10 +8701,11 @@
           <a:bodyPr/>
           <a:lstStyle/>
           <a:p>
-            <a:pPr marL="0" lvl="0" indent="0">
-              <a:buNone/>
-            </a:pPr>
-            <a:r>
+            <a:pPr lvl="0" indent="0" marL="0">
+              <a:buNone/>
+            </a:pPr>
+            <a:r>
+              <a:rPr/>
               <a:t>Introduction (continued)</a:t>
             </a:r>
           </a:p>
@@ -8294,92 +8723,90 @@
         </p:nvSpPr>
         <p:spPr/>
         <p:txBody>
-          <a:bodyPr>
-            <a:noAutofit/>
-          </a:bodyPr>
-          <a:lstStyle/>
-          <a:p>
-            <a:pPr marL="0" lvl="0" indent="0">
+          <a:bodyPr/>
+          <a:lstStyle/>
+          <a:p>
+            <a:pPr lvl="0" indent="0" marL="0">
               <a:spcBef>
                 <a:spcPts val="3000"/>
               </a:spcBef>
               <a:buNone/>
             </a:pPr>
             <a:r>
-              <a:rPr sz="2000" b="1" dirty="0"/>
+              <a:rPr b="1"/>
               <a:t>Why This Time Period?</a:t>
             </a:r>
           </a:p>
           <a:p>
-            <a:pPr marL="0" lvl="0" indent="0">
-              <a:buNone/>
-            </a:pPr>
-            <a:r>
-              <a:rPr sz="2000" b="1" dirty="0"/>
+            <a:pPr lvl="0" indent="0" marL="0">
+              <a:buNone/>
+            </a:pPr>
+            <a:r>
+              <a:rPr b="1"/>
               <a:t>January 2020 - September 2024</a:t>
             </a:r>
             <a:r>
-              <a:rPr sz="2000" dirty="0"/>
+              <a:rPr/>
               <a:t> captures multiple market regimes:</a:t>
             </a:r>
           </a:p>
           <a:p>
             <a:pPr lvl="0"/>
             <a:r>
-              <a:rPr sz="2000" b="1" dirty="0"/>
+              <a:rPr b="1"/>
               <a:t>COVID-19 crisis</a:t>
             </a:r>
             <a:r>
-              <a:rPr sz="2000" dirty="0"/>
+              <a:rPr/>
               <a:t> (March 2020)</a:t>
             </a:r>
           </a:p>
           <a:p>
             <a:pPr lvl="0"/>
             <a:r>
-              <a:rPr sz="2000" b="1" dirty="0"/>
+              <a:rPr b="1"/>
               <a:t>Bull markets</a:t>
             </a:r>
             <a:r>
-              <a:rPr sz="2000" dirty="0"/>
+              <a:rPr/>
               <a:t> (2021)</a:t>
             </a:r>
           </a:p>
           <a:p>
             <a:pPr lvl="0"/>
             <a:r>
-              <a:rPr sz="2000" b="1" dirty="0"/>
+              <a:rPr b="1"/>
               <a:t>2022 crypto winter</a:t>
             </a:r>
           </a:p>
           <a:p>
             <a:pPr lvl="0"/>
             <a:r>
-              <a:rPr sz="2000" b="1" dirty="0"/>
+              <a:rPr b="1"/>
               <a:t>Federal Reserve tightening cycle</a:t>
             </a:r>
           </a:p>
           <a:p>
             <a:pPr lvl="0"/>
             <a:r>
-              <a:rPr sz="2000" b="1" dirty="0"/>
+              <a:rPr b="1"/>
               <a:t>2023 banking turmoil</a:t>
             </a:r>
           </a:p>
           <a:p>
-            <a:pPr marL="0" lvl="0" indent="0">
-              <a:buNone/>
-            </a:pPr>
-            <a:r>
-              <a:rPr sz="2000" dirty="0"/>
+            <a:pPr lvl="0" indent="0" marL="0">
+              <a:buNone/>
+            </a:pPr>
+            <a:r>
+              <a:rPr/>
               <a:t>→ </a:t>
             </a:r>
             <a:r>
-              <a:rPr sz="2000" b="1" dirty="0"/>
+              <a:rPr b="1"/>
               <a:t>Natural experiments</a:t>
             </a:r>
             <a:r>
-              <a:rPr sz="2000" dirty="0"/>
+              <a:rPr/>
               <a:t> to study relationships under different conditions</a:t>
             </a:r>
           </a:p>
@@ -8387,9 +8814,6 @@
       </p:sp>
     </p:spTree>
   </p:cSld>
-  <p:clrMapOvr>
-    <a:masterClrMapping/>
-  </p:clrMapOvr>
 </p:sld>
 </file>
 
@@ -8425,10 +8849,11 @@
           <a:bodyPr/>
           <a:lstStyle/>
           <a:p>
-            <a:pPr marL="0" lvl="0" indent="0">
-              <a:buNone/>
-            </a:pPr>
-            <a:r>
+            <a:pPr lvl="0" indent="0" marL="0">
+              <a:buNone/>
+            </a:pPr>
+            <a:r>
+              <a:rPr/>
               <a:t>Research Questions</a:t>
             </a:r>
           </a:p>
@@ -8446,71 +8871,69 @@
         </p:nvSpPr>
         <p:spPr/>
         <p:txBody>
-          <a:bodyPr>
-            <a:noAutofit/>
-          </a:bodyPr>
-          <a:lstStyle/>
-          <a:p>
-            <a:pPr marL="0" lvl="0" indent="0">
+          <a:bodyPr/>
+          <a:lstStyle/>
+          <a:p>
+            <a:pPr lvl="0" indent="0" marL="0">
               <a:spcBef>
                 <a:spcPts val="3000"/>
               </a:spcBef>
               <a:buNone/>
             </a:pPr>
             <a:r>
-              <a:rPr sz="2000" b="1" dirty="0"/>
+              <a:rPr b="1"/>
               <a:t>Four Key Research Questions</a:t>
             </a:r>
           </a:p>
           <a:p>
-            <a:pPr marL="0" lvl="0" indent="0">
-              <a:buNone/>
-            </a:pPr>
-            <a:r>
-              <a:rPr sz="2000" b="1" dirty="0"/>
+            <a:pPr lvl="0" indent="0" marL="0">
+              <a:buNone/>
+            </a:pPr>
+            <a:r>
+              <a:rPr b="1"/>
               <a:t>RQ1:</a:t>
             </a:r>
             <a:r>
-              <a:rPr sz="2000" dirty="0"/>
+              <a:rPr/>
               <a:t> How do correlations between cryptocurrencies (Bitcoin, Ethereum) and commodities (gold, oil) vary across different market regimes?</a:t>
             </a:r>
           </a:p>
           <a:p>
-            <a:pPr marL="0" lvl="0" indent="0">
-              <a:buNone/>
-            </a:pPr>
-            <a:r>
-              <a:rPr sz="2000" b="1" dirty="0"/>
+            <a:pPr lvl="0" indent="0" marL="0">
+              <a:buNone/>
+            </a:pPr>
+            <a:r>
+              <a:rPr b="1"/>
               <a:t>RQ2:</a:t>
             </a:r>
             <a:r>
-              <a:rPr sz="2000" dirty="0"/>
+              <a:rPr/>
               <a:t> Can changes in cryptocurrency-commodity correlations serve as indicators of market stress and regime shifts?</a:t>
             </a:r>
           </a:p>
           <a:p>
-            <a:pPr marL="0" lvl="0" indent="0">
-              <a:buNone/>
-            </a:pPr>
-            <a:r>
-              <a:rPr sz="2000" b="1" dirty="0"/>
+            <a:pPr lvl="0" indent="0" marL="0">
+              <a:buNone/>
+            </a:pPr>
+            <a:r>
+              <a:rPr b="1"/>
               <a:t>RQ3:</a:t>
             </a:r>
             <a:r>
-              <a:rPr sz="2000" dirty="0"/>
+              <a:rPr/>
               <a:t> Do Bitcoin and Ethereum exhibit different correlation patterns with gold and oil?</a:t>
             </a:r>
           </a:p>
           <a:p>
-            <a:pPr marL="0" lvl="0" indent="0">
-              <a:buNone/>
-            </a:pPr>
-            <a:r>
-              <a:rPr sz="2000" b="1" dirty="0"/>
+            <a:pPr lvl="0" indent="0" marL="0">
+              <a:buNone/>
+            </a:pPr>
+            <a:r>
+              <a:rPr b="1"/>
               <a:t>RQ4:</a:t>
             </a:r>
             <a:r>
-              <a:rPr sz="2000" dirty="0"/>
+              <a:rPr/>
               <a:t> What correlation thresholds signal transitions between risk-on and risk-off regimes?</a:t>
             </a:r>
           </a:p>
@@ -8518,9 +8941,6 @@
       </p:sp>
     </p:spTree>
   </p:cSld>
-  <p:clrMapOvr>
-    <a:masterClrMapping/>
-  </p:clrMapOvr>
 </p:sld>
 </file>
 
@@ -8556,10 +8976,11 @@
           <a:bodyPr/>
           <a:lstStyle/>
           <a:p>
-            <a:pPr marL="0" lvl="0" indent="0">
-              <a:buNone/>
-            </a:pPr>
-            <a:r>
+            <a:pPr lvl="0" indent="0" marL="0">
+              <a:buNone/>
+            </a:pPr>
+            <a:r>
+              <a:rPr/>
               <a:t>Dataset Description</a:t>
             </a:r>
           </a:p>
@@ -8577,63 +8998,61 @@
         </p:nvSpPr>
         <p:spPr/>
         <p:txBody>
-          <a:bodyPr>
-            <a:normAutofit/>
-          </a:bodyPr>
-          <a:lstStyle/>
-          <a:p>
-            <a:pPr marL="0" lvl="0" indent="0">
+          <a:bodyPr/>
+          <a:lstStyle/>
+          <a:p>
+            <a:pPr lvl="0" indent="0" marL="0">
               <a:spcBef>
                 <a:spcPts val="3000"/>
               </a:spcBef>
               <a:buNone/>
             </a:pPr>
             <a:r>
-              <a:rPr sz="2000" b="1" dirty="0"/>
+              <a:rPr b="1"/>
               <a:t>Data Source</a:t>
             </a:r>
           </a:p>
           <a:p>
             <a:pPr lvl="0"/>
             <a:r>
-              <a:rPr sz="2000" b="1" dirty="0"/>
+              <a:rPr b="1"/>
               <a:t>Source:</a:t>
             </a:r>
             <a:r>
-              <a:rPr sz="2000" dirty="0"/>
+              <a:rPr/>
               <a:t> Yahoo Finance API</a:t>
             </a:r>
           </a:p>
           <a:p>
             <a:pPr lvl="0"/>
             <a:r>
-              <a:rPr sz="2000" b="1" dirty="0"/>
+              <a:rPr b="1"/>
               <a:t>Time Period:</a:t>
             </a:r>
             <a:r>
-              <a:rPr sz="2000" dirty="0"/>
+              <a:rPr/>
               <a:t> January 1, 2020 - September 30, 2024</a:t>
             </a:r>
           </a:p>
           <a:p>
             <a:pPr lvl="0"/>
             <a:r>
-              <a:rPr sz="2000" b="1" dirty="0"/>
+              <a:rPr b="1"/>
               <a:t>Observations:</a:t>
             </a:r>
             <a:r>
-              <a:rPr sz="2000" dirty="0"/>
+              <a:rPr/>
               <a:t> ~1,200 daily observations per asset</a:t>
             </a:r>
           </a:p>
           <a:p>
             <a:pPr lvl="0"/>
             <a:r>
-              <a:rPr sz="2000" b="1" dirty="0"/>
+              <a:rPr b="1"/>
               <a:t>Frequency:</a:t>
             </a:r>
             <a:r>
-              <a:rPr sz="2000" dirty="0"/>
+              <a:rPr/>
               <a:t> Daily</a:t>
             </a:r>
           </a:p>
@@ -8641,9 +9060,6 @@
       </p:sp>
     </p:spTree>
   </p:cSld>
-  <p:clrMapOvr>
-    <a:masterClrMapping/>
-  </p:clrMapOvr>
 </p:sld>
 </file>
 
@@ -8679,11 +9095,11 @@
           <a:bodyPr/>
           <a:lstStyle/>
           <a:p>
-            <a:pPr marL="0" lvl="0" indent="0">
-              <a:buNone/>
-            </a:pPr>
-            <a:r>
-              <a:rPr dirty="0"/>
+            <a:pPr lvl="0" indent="0" marL="0">
+              <a:buNone/>
+            </a:pPr>
+            <a:r>
+              <a:rPr/>
               <a:t>Assets Analyzed</a:t>
             </a:r>
           </a:p>
@@ -8701,51 +9117,49 @@
         </p:nvSpPr>
         <p:spPr/>
         <p:txBody>
-          <a:bodyPr>
-            <a:normAutofit/>
-          </a:bodyPr>
+          <a:bodyPr/>
           <a:lstStyle/>
           <a:p>
             <a:pPr lvl="0"/>
             <a:r>
-              <a:rPr sz="2000" b="1" dirty="0"/>
+              <a:rPr b="1"/>
               <a:t>Bitcoin (BTC-USD):</a:t>
             </a:r>
             <a:r>
-              <a:rPr sz="2000" dirty="0"/>
+              <a:rPr/>
               <a:t> Largest cryptocurrency by market cap</a:t>
             </a:r>
           </a:p>
           <a:p>
             <a:pPr lvl="0"/>
             <a:r>
-              <a:rPr sz="2000" b="1" dirty="0"/>
+              <a:rPr b="1"/>
               <a:t>Ethereum (ETH-USD):</a:t>
             </a:r>
             <a:r>
-              <a:rPr sz="2000" dirty="0"/>
+              <a:rPr/>
               <a:t> Second-largest, smart contract platform</a:t>
             </a:r>
           </a:p>
           <a:p>
             <a:pPr lvl="0"/>
             <a:r>
-              <a:rPr sz="2000" b="1" dirty="0"/>
+              <a:rPr b="1"/>
               <a:t>Gold Futures (GC=F):</a:t>
             </a:r>
             <a:r>
-              <a:rPr sz="2000" dirty="0"/>
+              <a:rPr/>
               <a:t> Traditional safe-haven asset</a:t>
             </a:r>
           </a:p>
           <a:p>
             <a:pPr lvl="0"/>
             <a:r>
-              <a:rPr sz="2000" b="1" dirty="0"/>
+              <a:rPr b="1"/>
               <a:t>Crude Oil Futures (CL=F):</a:t>
             </a:r>
             <a:r>
-              <a:rPr sz="2000" dirty="0"/>
+              <a:rPr/>
               <a:t> WTI crude oil, economic indicator</a:t>
             </a:r>
           </a:p>
@@ -8753,9 +9167,6 @@
       </p:sp>
     </p:spTree>
   </p:cSld>
-  <p:clrMapOvr>
-    <a:masterClrMapping/>
-  </p:clrMapOvr>
 </p:sld>
 </file>
 
@@ -9077,4 +9488,265 @@
   </a:objectDefaults>
   <a:extraClrSchemeLst/>
 </a:theme>
+</file>
+
+<file path=ppt/theme/theme2.xml><?xml version="1.0" encoding="utf-8"?>
+<a:theme xmlns:a="http://schemas.openxmlformats.org/drawingml/2006/main" name="Office Theme">
+  <a:themeElements>
+    <a:clrScheme name="Office">
+      <a:dk1>
+        <a:sysClr val="windowText" lastClr="000000"/>
+      </a:dk1>
+      <a:lt1>
+        <a:sysClr val="window" lastClr="FFFFFF"/>
+      </a:lt1>
+      <a:dk2>
+        <a:srgbClr val="44546A"/>
+      </a:dk2>
+      <a:lt2>
+        <a:srgbClr val="E7E6E6"/>
+      </a:lt2>
+      <a:accent1>
+        <a:srgbClr val="5B9BD5"/>
+      </a:accent1>
+      <a:accent2>
+        <a:srgbClr val="ED7D31"/>
+      </a:accent2>
+      <a:accent3>
+        <a:srgbClr val="A5A5A5"/>
+      </a:accent3>
+      <a:accent4>
+        <a:srgbClr val="FFC000"/>
+      </a:accent4>
+      <a:accent5>
+        <a:srgbClr val="4472C4"/>
+      </a:accent5>
+      <a:accent6>
+        <a:srgbClr val="70AD47"/>
+      </a:accent6>
+      <a:hlink>
+        <a:srgbClr val="0563C1"/>
+      </a:hlink>
+      <a:folHlink>
+        <a:srgbClr val="954F72"/>
+      </a:folHlink>
+    </a:clrScheme>
+    <a:fontScheme name="Office">
+      <a:majorFont>
+        <a:latin typeface="Calibri Light" panose="020F0302020204030204"/>
+        <a:ea typeface=""/>
+        <a:cs typeface=""/>
+        <a:font script="Jpan" typeface="ＭＳ Ｐゴシック"/>
+        <a:font script="Hang" typeface="맑은 고딕"/>
+        <a:font script="Hans" typeface="宋体"/>
+        <a:font script="Hant" typeface="新細明體"/>
+        <a:font script="Arab" typeface="Times New Roman"/>
+        <a:font script="Hebr" typeface="Times New Roman"/>
+        <a:font script="Thai" typeface="Angsana New"/>
+        <a:font script="Ethi" typeface="Nyala"/>
+        <a:font script="Beng" typeface="Vrinda"/>
+        <a:font script="Gujr" typeface="Shruti"/>
+        <a:font script="Khmr" typeface="MoolBoran"/>
+        <a:font script="Knda" typeface="Tunga"/>
+        <a:font script="Guru" typeface="Raavi"/>
+        <a:font script="Cans" typeface="Euphemia"/>
+        <a:font script="Cher" typeface="Plantagenet Cherokee"/>
+        <a:font script="Yiii" typeface="Microsoft Yi Baiti"/>
+        <a:font script="Tibt" typeface="Microsoft Himalaya"/>
+        <a:font script="Thaa" typeface="MV Boli"/>
+        <a:font script="Deva" typeface="Mangal"/>
+        <a:font script="Telu" typeface="Gautami"/>
+        <a:font script="Taml" typeface="Latha"/>
+        <a:font script="Syrc" typeface="Estrangelo Edessa"/>
+        <a:font script="Orya" typeface="Kalinga"/>
+        <a:font script="Mlym" typeface="Kartika"/>
+        <a:font script="Laoo" typeface="DokChampa"/>
+        <a:font script="Sinh" typeface="Iskoola Pota"/>
+        <a:font script="Mong" typeface="Mongolian Baiti"/>
+        <a:font script="Viet" typeface="Times New Roman"/>
+        <a:font script="Uigh" typeface="Microsoft Uighur"/>
+        <a:font script="Geor" typeface="Sylfaen"/>
+      </a:majorFont>
+      <a:minorFont>
+        <a:latin typeface="Calibri" panose="020F0502020204030204"/>
+        <a:ea typeface=""/>
+        <a:cs typeface=""/>
+        <a:font script="Jpan" typeface="ＭＳ Ｐゴシック"/>
+        <a:font script="Hang" typeface="맑은 고딕"/>
+        <a:font script="Hans" typeface="宋体"/>
+        <a:font script="Hant" typeface="新細明體"/>
+        <a:font script="Arab" typeface="Arial"/>
+        <a:font script="Hebr" typeface="Arial"/>
+        <a:font script="Thai" typeface="Cordia New"/>
+        <a:font script="Ethi" typeface="Nyala"/>
+        <a:font script="Beng" typeface="Vrinda"/>
+        <a:font script="Gujr" typeface="Shruti"/>
+        <a:font script="Khmr" typeface="DaunPenh"/>
+        <a:font script="Knda" typeface="Tunga"/>
+        <a:font script="Guru" typeface="Raavi"/>
+        <a:font script="Cans" typeface="Euphemia"/>
+        <a:font script="Cher" typeface="Plantagenet Cherokee"/>
+        <a:font script="Yiii" typeface="Microsoft Yi Baiti"/>
+        <a:font script="Tibt" typeface="Microsoft Himalaya"/>
+        <a:font script="Thaa" typeface="MV Boli"/>
+        <a:font script="Deva" typeface="Mangal"/>
+        <a:font script="Telu" typeface="Gautami"/>
+        <a:font script="Taml" typeface="Latha"/>
+        <a:font script="Syrc" typeface="Estrangelo Edessa"/>
+        <a:font script="Orya" typeface="Kalinga"/>
+        <a:font script="Mlym" typeface="Kartika"/>
+        <a:font script="Laoo" typeface="DokChampa"/>
+        <a:font script="Sinh" typeface="Iskoola Pota"/>
+        <a:font script="Mong" typeface="Mongolian Baiti"/>
+        <a:font script="Viet" typeface="Arial"/>
+        <a:font script="Uigh" typeface="Microsoft Uighur"/>
+        <a:font script="Geor" typeface="Sylfaen"/>
+      </a:minorFont>
+    </a:fontScheme>
+    <a:fmtScheme name="Office">
+      <a:fillStyleLst>
+        <a:solidFill>
+          <a:schemeClr val="phClr"/>
+        </a:solidFill>
+        <a:gradFill rotWithShape="1">
+          <a:gsLst>
+            <a:gs pos="0">
+              <a:schemeClr val="phClr">
+                <a:lumMod val="110000"/>
+                <a:satMod val="105000"/>
+                <a:tint val="67000"/>
+              </a:schemeClr>
+            </a:gs>
+            <a:gs pos="50000">
+              <a:schemeClr val="phClr">
+                <a:lumMod val="105000"/>
+                <a:satMod val="103000"/>
+                <a:tint val="73000"/>
+              </a:schemeClr>
+            </a:gs>
+            <a:gs pos="100000">
+              <a:schemeClr val="phClr">
+                <a:lumMod val="105000"/>
+                <a:satMod val="109000"/>
+                <a:tint val="81000"/>
+              </a:schemeClr>
+            </a:gs>
+          </a:gsLst>
+          <a:lin ang="5400000" scaled="0"/>
+        </a:gradFill>
+        <a:gradFill rotWithShape="1">
+          <a:gsLst>
+            <a:gs pos="0">
+              <a:schemeClr val="phClr">
+                <a:satMod val="103000"/>
+                <a:lumMod val="102000"/>
+                <a:tint val="94000"/>
+              </a:schemeClr>
+            </a:gs>
+            <a:gs pos="50000">
+              <a:schemeClr val="phClr">
+                <a:satMod val="110000"/>
+                <a:lumMod val="100000"/>
+                <a:shade val="100000"/>
+              </a:schemeClr>
+            </a:gs>
+            <a:gs pos="100000">
+              <a:schemeClr val="phClr">
+                <a:lumMod val="99000"/>
+                <a:satMod val="120000"/>
+                <a:shade val="78000"/>
+              </a:schemeClr>
+            </a:gs>
+          </a:gsLst>
+          <a:lin ang="5400000" scaled="0"/>
+        </a:gradFill>
+      </a:fillStyleLst>
+      <a:lnStyleLst>
+        <a:ln w="6350" cap="flat" cmpd="sng" algn="ctr">
+          <a:solidFill>
+            <a:schemeClr val="phClr"/>
+          </a:solidFill>
+          <a:prstDash val="solid"/>
+          <a:miter lim="800000"/>
+        </a:ln>
+        <a:ln w="12700" cap="flat" cmpd="sng" algn="ctr">
+          <a:solidFill>
+            <a:schemeClr val="phClr"/>
+          </a:solidFill>
+          <a:prstDash val="solid"/>
+          <a:miter lim="800000"/>
+        </a:ln>
+        <a:ln w="19050" cap="flat" cmpd="sng" algn="ctr">
+          <a:solidFill>
+            <a:schemeClr val="phClr"/>
+          </a:solidFill>
+          <a:prstDash val="solid"/>
+          <a:miter lim="800000"/>
+        </a:ln>
+      </a:lnStyleLst>
+      <a:effectStyleLst>
+        <a:effectStyle>
+          <a:effectLst/>
+        </a:effectStyle>
+        <a:effectStyle>
+          <a:effectLst/>
+        </a:effectStyle>
+        <a:effectStyle>
+          <a:effectLst>
+            <a:outerShdw blurRad="57150" dist="19050" dir="5400000" algn="ctr" rotWithShape="0">
+              <a:srgbClr val="000000">
+                <a:alpha val="63000"/>
+              </a:srgbClr>
+            </a:outerShdw>
+          </a:effectLst>
+        </a:effectStyle>
+      </a:effectStyleLst>
+      <a:bgFillStyleLst>
+        <a:solidFill>
+          <a:schemeClr val="phClr"/>
+        </a:solidFill>
+        <a:solidFill>
+          <a:schemeClr val="phClr">
+            <a:tint val="95000"/>
+            <a:satMod val="170000"/>
+          </a:schemeClr>
+        </a:solidFill>
+        <a:gradFill rotWithShape="1">
+          <a:gsLst>
+            <a:gs pos="0">
+              <a:schemeClr val="phClr">
+                <a:tint val="93000"/>
+                <a:satMod val="150000"/>
+                <a:shade val="98000"/>
+                <a:lumMod val="102000"/>
+              </a:schemeClr>
+            </a:gs>
+            <a:gs pos="50000">
+              <a:schemeClr val="phClr">
+                <a:tint val="98000"/>
+                <a:satMod val="130000"/>
+                <a:shade val="90000"/>
+                <a:lumMod val="103000"/>
+              </a:schemeClr>
+            </a:gs>
+            <a:gs pos="100000">
+              <a:schemeClr val="phClr">
+                <a:shade val="63000"/>
+                <a:satMod val="120000"/>
+              </a:schemeClr>
+            </a:gs>
+          </a:gsLst>
+          <a:lin ang="5400000" scaled="0"/>
+        </a:gradFill>
+      </a:bgFillStyleLst>
+    </a:fmtScheme>
+  </a:themeElements>
+  <a:objectDefaults/>
+  <a:extraClrSchemeLst/>
+  <a:extLst>
+    <a:ext uri="{05A4C25C-085E-4340-85A3-A5531E510DB2}">
+      <thm15:themeFamily xmlns:thm15="http://schemas.microsoft.com/office/thememl/2012/main" name="Office Theme" id="{62F939B6-93AF-4DB8-9C6B-D6C7DFDC589F}" vid="{4A3C46E8-61CC-4603-A589-7422A47A8E4A}"/>
+    </a:ext>
+  </a:extLst>
+</a:theme>
 </file>